--- a/images/arch.pptx
+++ b/images/arch.pptx
@@ -17,6 +17,7 @@
     <p:sldId id="267" r:id="rId11"/>
     <p:sldId id="268" r:id="rId12"/>
     <p:sldId id="269" r:id="rId13"/>
+    <p:sldId id="270" r:id="rId14"/>
   </p:sldIdLst>
   <p:sldSz cx="12192000" cy="6858000"/>
   <p:notesSz cx="6858000" cy="9144000"/>
@@ -9019,6 +9020,1489 @@
 </p:sld>
 </file>
 
+<file path=ppt/slides/slide13.xml><?xml version="1.0" encoding="utf-8"?>
+<p:sld xmlns:a="http://schemas.openxmlformats.org/drawingml/2006/main" xmlns:r="http://schemas.openxmlformats.org/officeDocument/2006/relationships" xmlns:p="http://schemas.openxmlformats.org/presentationml/2006/main">
+  <p:cSld>
+    <p:spTree>
+      <p:nvGrpSpPr>
+        <p:cNvPr id="1" name=""/>
+        <p:cNvGrpSpPr/>
+        <p:nvPr/>
+      </p:nvGrpSpPr>
+      <p:grpSpPr>
+        <a:xfrm>
+          <a:off x="0" y="0"/>
+          <a:ext cx="0" cy="0"/>
+          <a:chOff x="0" y="0"/>
+          <a:chExt cx="0" cy="0"/>
+        </a:xfrm>
+      </p:grpSpPr>
+      <p:grpSp>
+        <p:nvGrpSpPr>
+          <p:cNvPr id="8" name="Group 7"/>
+          <p:cNvGrpSpPr/>
+          <p:nvPr/>
+        </p:nvGrpSpPr>
+        <p:grpSpPr>
+          <a:xfrm>
+            <a:off x="2479927" y="-279775"/>
+            <a:ext cx="4010811" cy="6847899"/>
+            <a:chOff x="2479927" y="-279775"/>
+            <a:chExt cx="4010811" cy="6847899"/>
+          </a:xfrm>
+        </p:grpSpPr>
+        <p:sp>
+          <p:nvSpPr>
+            <p:cNvPr id="44" name="Block Arc 43"/>
+            <p:cNvSpPr/>
+            <p:nvPr/>
+          </p:nvSpPr>
+          <p:spPr>
+            <a:xfrm flipH="1">
+              <a:off x="2593762" y="-245045"/>
+              <a:ext cx="3797142" cy="4114800"/>
+            </a:xfrm>
+            <a:prstGeom prst="blockArc">
+              <a:avLst>
+                <a:gd name="adj1" fmla="val 10800000"/>
+                <a:gd name="adj2" fmla="val 21594672"/>
+                <a:gd name="adj3" fmla="val 27145"/>
+              </a:avLst>
+            </a:prstGeom>
+            <a:solidFill>
+              <a:srgbClr val="00B0F0"/>
+            </a:solidFill>
+            <a:ln w="38100">
+              <a:solidFill>
+                <a:schemeClr val="tx1"/>
+              </a:solidFill>
+            </a:ln>
+          </p:spPr>
+          <p:style>
+            <a:lnRef idx="2">
+              <a:schemeClr val="accent1">
+                <a:shade val="50000"/>
+              </a:schemeClr>
+            </a:lnRef>
+            <a:fillRef idx="1">
+              <a:schemeClr val="accent1"/>
+            </a:fillRef>
+            <a:effectRef idx="0">
+              <a:schemeClr val="accent1"/>
+            </a:effectRef>
+            <a:fontRef idx="minor">
+              <a:schemeClr val="lt1"/>
+            </a:fontRef>
+          </p:style>
+          <p:txBody>
+            <a:bodyPr rtlCol="0" anchor="ctr"/>
+            <a:lstStyle/>
+            <a:p>
+              <a:pPr algn="r"/>
+              <a:endParaRPr lang="en-US" sz="1200" dirty="0">
+                <a:solidFill>
+                  <a:schemeClr val="tx1"/>
+                </a:solidFill>
+              </a:endParaRPr>
+            </a:p>
+          </p:txBody>
+        </p:sp>
+        <p:grpSp>
+          <p:nvGrpSpPr>
+            <p:cNvPr id="4" name="Group 3"/>
+            <p:cNvGrpSpPr/>
+            <p:nvPr/>
+          </p:nvGrpSpPr>
+          <p:grpSpPr>
+            <a:xfrm>
+              <a:off x="2479927" y="-279775"/>
+              <a:ext cx="4010811" cy="6847899"/>
+              <a:chOff x="2479927" y="-279775"/>
+              <a:chExt cx="4010811" cy="6847899"/>
+            </a:xfrm>
+          </p:grpSpPr>
+          <p:sp>
+            <p:nvSpPr>
+              <p:cNvPr id="5" name="Block Arc 4"/>
+              <p:cNvSpPr/>
+              <p:nvPr/>
+            </p:nvSpPr>
+            <p:spPr>
+              <a:xfrm flipH="1">
+                <a:off x="2612414" y="-279775"/>
+                <a:ext cx="3736692" cy="3690347"/>
+              </a:xfrm>
+              <a:prstGeom prst="blockArc">
+                <a:avLst>
+                  <a:gd name="adj1" fmla="val 14265485"/>
+                  <a:gd name="adj2" fmla="val 18065906"/>
+                  <a:gd name="adj3" fmla="val 31874"/>
+                </a:avLst>
+              </a:prstGeom>
+              <a:solidFill>
+                <a:srgbClr val="00B0F0"/>
+              </a:solidFill>
+              <a:ln w="38100">
+                <a:solidFill>
+                  <a:schemeClr val="tx1"/>
+                </a:solidFill>
+              </a:ln>
+            </p:spPr>
+            <p:style>
+              <a:lnRef idx="2">
+                <a:schemeClr val="accent1">
+                  <a:shade val="50000"/>
+                </a:schemeClr>
+              </a:lnRef>
+              <a:fillRef idx="1">
+                <a:schemeClr val="accent1"/>
+              </a:fillRef>
+              <a:effectRef idx="0">
+                <a:schemeClr val="accent1"/>
+              </a:effectRef>
+              <a:fontRef idx="minor">
+                <a:schemeClr val="lt1"/>
+              </a:fontRef>
+            </p:style>
+            <p:txBody>
+              <a:bodyPr rtlCol="0" anchor="ctr"/>
+              <a:lstStyle/>
+              <a:p>
+                <a:pPr algn="ctr"/>
+                <a:endParaRPr lang="en-US" sz="1200" dirty="0">
+                  <a:solidFill>
+                    <a:schemeClr val="tx1"/>
+                  </a:solidFill>
+                </a:endParaRPr>
+              </a:p>
+            </p:txBody>
+          </p:sp>
+          <p:sp>
+            <p:nvSpPr>
+              <p:cNvPr id="9" name="Rounded Rectangle 8"/>
+              <p:cNvSpPr/>
+              <p:nvPr/>
+            </p:nvSpPr>
+            <p:spPr>
+              <a:xfrm>
+                <a:off x="2481289" y="1806030"/>
+                <a:ext cx="1251751" cy="250795"/>
+              </a:xfrm>
+              <a:prstGeom prst="roundRect">
+                <a:avLst/>
+              </a:prstGeom>
+              <a:ln w="38100"/>
+            </p:spPr>
+            <p:style>
+              <a:lnRef idx="2">
+                <a:schemeClr val="dk1"/>
+              </a:lnRef>
+              <a:fillRef idx="1">
+                <a:schemeClr val="lt1"/>
+              </a:fillRef>
+              <a:effectRef idx="0">
+                <a:schemeClr val="dk1"/>
+              </a:effectRef>
+              <a:fontRef idx="minor">
+                <a:schemeClr val="dk1"/>
+              </a:fontRef>
+            </p:style>
+            <p:txBody>
+              <a:bodyPr rtlCol="0" anchor="ctr"/>
+              <a:lstStyle/>
+              <a:p>
+                <a:pPr algn="ctr"/>
+                <a:endParaRPr lang="en-US" sz="1200">
+                  <a:solidFill>
+                    <a:schemeClr val="tx1"/>
+                  </a:solidFill>
+                </a:endParaRPr>
+              </a:p>
+            </p:txBody>
+          </p:sp>
+          <p:sp>
+            <p:nvSpPr>
+              <p:cNvPr id="10" name="Rectangle 9"/>
+              <p:cNvSpPr/>
+              <p:nvPr/>
+            </p:nvSpPr>
+            <p:spPr>
+              <a:xfrm>
+                <a:off x="2595168" y="2063482"/>
+                <a:ext cx="1029810" cy="3835154"/>
+              </a:xfrm>
+              <a:prstGeom prst="rect">
+                <a:avLst/>
+              </a:prstGeom>
+              <a:solidFill>
+                <a:schemeClr val="accent6"/>
+              </a:solidFill>
+              <a:ln w="38100"/>
+            </p:spPr>
+            <p:style>
+              <a:lnRef idx="2">
+                <a:schemeClr val="dk1"/>
+              </a:lnRef>
+              <a:fillRef idx="1">
+                <a:schemeClr val="lt1"/>
+              </a:fillRef>
+              <a:effectRef idx="0">
+                <a:schemeClr val="dk1"/>
+              </a:effectRef>
+              <a:fontRef idx="minor">
+                <a:schemeClr val="dk1"/>
+              </a:fontRef>
+            </p:style>
+            <p:txBody>
+              <a:bodyPr rtlCol="0" anchor="ctr"/>
+              <a:lstStyle/>
+              <a:p>
+                <a:pPr algn="ctr"/>
+                <a:endParaRPr lang="en-US" sz="1200">
+                  <a:solidFill>
+                    <a:schemeClr val="tx1"/>
+                  </a:solidFill>
+                </a:endParaRPr>
+              </a:p>
+            </p:txBody>
+          </p:sp>
+          <p:sp>
+            <p:nvSpPr>
+              <p:cNvPr id="11" name="Rounded Rectangle 10"/>
+              <p:cNvSpPr/>
+              <p:nvPr/>
+            </p:nvSpPr>
+            <p:spPr>
+              <a:xfrm>
+                <a:off x="5238986" y="1806029"/>
+                <a:ext cx="1251751" cy="250795"/>
+              </a:xfrm>
+              <a:prstGeom prst="roundRect">
+                <a:avLst/>
+              </a:prstGeom>
+              <a:ln w="38100"/>
+            </p:spPr>
+            <p:style>
+              <a:lnRef idx="2">
+                <a:schemeClr val="dk1"/>
+              </a:lnRef>
+              <a:fillRef idx="1">
+                <a:schemeClr val="lt1"/>
+              </a:fillRef>
+              <a:effectRef idx="0">
+                <a:schemeClr val="dk1"/>
+              </a:effectRef>
+              <a:fontRef idx="minor">
+                <a:schemeClr val="dk1"/>
+              </a:fontRef>
+            </p:style>
+            <p:txBody>
+              <a:bodyPr rtlCol="0" anchor="ctr"/>
+              <a:lstStyle/>
+              <a:p>
+                <a:pPr algn="ctr"/>
+                <a:endParaRPr lang="en-US" sz="1200">
+                  <a:solidFill>
+                    <a:schemeClr val="tx1"/>
+                  </a:solidFill>
+                </a:endParaRPr>
+              </a:p>
+            </p:txBody>
+          </p:sp>
+          <p:sp>
+            <p:nvSpPr>
+              <p:cNvPr id="22" name="Rectangle 21"/>
+              <p:cNvSpPr/>
+              <p:nvPr/>
+            </p:nvSpPr>
+            <p:spPr>
+              <a:xfrm>
+                <a:off x="2595168" y="2056824"/>
+                <a:ext cx="1029810" cy="960120"/>
+              </a:xfrm>
+              <a:prstGeom prst="rect">
+                <a:avLst/>
+              </a:prstGeom>
+              <a:noFill/>
+              <a:ln w="38100"/>
+            </p:spPr>
+            <p:style>
+              <a:lnRef idx="2">
+                <a:schemeClr val="dk1"/>
+              </a:lnRef>
+              <a:fillRef idx="1">
+                <a:schemeClr val="lt1"/>
+              </a:fillRef>
+              <a:effectRef idx="0">
+                <a:schemeClr val="dk1"/>
+              </a:effectRef>
+              <a:fontRef idx="minor">
+                <a:schemeClr val="dk1"/>
+              </a:fontRef>
+            </p:style>
+            <p:txBody>
+              <a:bodyPr rtlCol="0" anchor="ctr"/>
+              <a:lstStyle/>
+              <a:p>
+                <a:pPr algn="ctr"/>
+                <a:endParaRPr lang="en-US" sz="1200">
+                  <a:solidFill>
+                    <a:schemeClr val="tx1"/>
+                  </a:solidFill>
+                </a:endParaRPr>
+              </a:p>
+            </p:txBody>
+          </p:sp>
+          <p:sp>
+            <p:nvSpPr>
+              <p:cNvPr id="23" name="Rectangle 22"/>
+              <p:cNvSpPr/>
+              <p:nvPr/>
+            </p:nvSpPr>
+            <p:spPr>
+              <a:xfrm>
+                <a:off x="2595168" y="3016944"/>
+                <a:ext cx="1029810" cy="960120"/>
+              </a:xfrm>
+              <a:prstGeom prst="rect">
+                <a:avLst/>
+              </a:prstGeom>
+              <a:noFill/>
+              <a:ln w="38100"/>
+            </p:spPr>
+            <p:style>
+              <a:lnRef idx="2">
+                <a:schemeClr val="dk1"/>
+              </a:lnRef>
+              <a:fillRef idx="1">
+                <a:schemeClr val="lt1"/>
+              </a:fillRef>
+              <a:effectRef idx="0">
+                <a:schemeClr val="dk1"/>
+              </a:effectRef>
+              <a:fontRef idx="minor">
+                <a:schemeClr val="dk1"/>
+              </a:fontRef>
+            </p:style>
+            <p:txBody>
+              <a:bodyPr rtlCol="0" anchor="ctr"/>
+              <a:lstStyle/>
+              <a:p>
+                <a:pPr algn="ctr"/>
+                <a:endParaRPr lang="en-US" sz="1200">
+                  <a:solidFill>
+                    <a:schemeClr val="tx1"/>
+                  </a:solidFill>
+                </a:endParaRPr>
+              </a:p>
+            </p:txBody>
+          </p:sp>
+          <p:sp>
+            <p:nvSpPr>
+              <p:cNvPr id="24" name="Rectangle 23"/>
+              <p:cNvSpPr/>
+              <p:nvPr/>
+            </p:nvSpPr>
+            <p:spPr>
+              <a:xfrm>
+                <a:off x="2595168" y="3977730"/>
+                <a:ext cx="1029810" cy="960120"/>
+              </a:xfrm>
+              <a:prstGeom prst="rect">
+                <a:avLst/>
+              </a:prstGeom>
+              <a:noFill/>
+              <a:ln w="38100"/>
+            </p:spPr>
+            <p:style>
+              <a:lnRef idx="2">
+                <a:schemeClr val="dk1"/>
+              </a:lnRef>
+              <a:fillRef idx="1">
+                <a:schemeClr val="lt1"/>
+              </a:fillRef>
+              <a:effectRef idx="0">
+                <a:schemeClr val="dk1"/>
+              </a:effectRef>
+              <a:fontRef idx="minor">
+                <a:schemeClr val="dk1"/>
+              </a:fontRef>
+            </p:style>
+            <p:txBody>
+              <a:bodyPr rtlCol="0" anchor="ctr"/>
+              <a:lstStyle/>
+              <a:p>
+                <a:pPr algn="ctr"/>
+                <a:endParaRPr lang="en-US" sz="1200">
+                  <a:solidFill>
+                    <a:schemeClr val="tx1"/>
+                  </a:solidFill>
+                </a:endParaRPr>
+              </a:p>
+            </p:txBody>
+          </p:sp>
+          <p:sp>
+            <p:nvSpPr>
+              <p:cNvPr id="25" name="Rectangle 24"/>
+              <p:cNvSpPr/>
+              <p:nvPr/>
+            </p:nvSpPr>
+            <p:spPr>
+              <a:xfrm>
+                <a:off x="2595168" y="4938849"/>
+                <a:ext cx="1029810" cy="960120"/>
+              </a:xfrm>
+              <a:prstGeom prst="rect">
+                <a:avLst/>
+              </a:prstGeom>
+              <a:noFill/>
+              <a:ln w="38100"/>
+            </p:spPr>
+            <p:style>
+              <a:lnRef idx="2">
+                <a:schemeClr val="dk1"/>
+              </a:lnRef>
+              <a:fillRef idx="1">
+                <a:schemeClr val="lt1"/>
+              </a:fillRef>
+              <a:effectRef idx="0">
+                <a:schemeClr val="dk1"/>
+              </a:effectRef>
+              <a:fontRef idx="minor">
+                <a:schemeClr val="dk1"/>
+              </a:fontRef>
+            </p:style>
+            <p:txBody>
+              <a:bodyPr rtlCol="0" anchor="ctr"/>
+              <a:lstStyle/>
+              <a:p>
+                <a:pPr algn="ctr"/>
+                <a:endParaRPr lang="en-US" sz="1200">
+                  <a:solidFill>
+                    <a:schemeClr val="tx1"/>
+                  </a:solidFill>
+                </a:endParaRPr>
+              </a:p>
+            </p:txBody>
+          </p:sp>
+          <p:sp>
+            <p:nvSpPr>
+              <p:cNvPr id="26" name="TextBox 25"/>
+              <p:cNvSpPr txBox="1"/>
+              <p:nvPr/>
+            </p:nvSpPr>
+            <p:spPr>
+              <a:xfrm>
+                <a:off x="2687257" y="2369449"/>
+                <a:ext cx="859477" cy="276999"/>
+              </a:xfrm>
+              <a:prstGeom prst="rect">
+                <a:avLst/>
+              </a:prstGeom>
+              <a:noFill/>
+            </p:spPr>
+            <p:txBody>
+              <a:bodyPr wrap="square" rtlCol="0">
+                <a:spAutoFit/>
+              </a:bodyPr>
+              <a:lstStyle/>
+              <a:p>
+                <a:pPr algn="ctr"/>
+                <a:r>
+                  <a:rPr lang="en-US" sz="1200" b="1" dirty="0" smtClean="0"/>
+                  <a:t>Hardware</a:t>
+                </a:r>
+                <a:endParaRPr lang="en-US" sz="1200" b="1" dirty="0"/>
+              </a:p>
+            </p:txBody>
+          </p:sp>
+          <p:sp>
+            <p:nvSpPr>
+              <p:cNvPr id="27" name="TextBox 26"/>
+              <p:cNvSpPr txBox="1"/>
+              <p:nvPr/>
+            </p:nvSpPr>
+            <p:spPr>
+              <a:xfrm>
+                <a:off x="2706754" y="3354084"/>
+                <a:ext cx="806637" cy="276999"/>
+              </a:xfrm>
+              <a:prstGeom prst="rect">
+                <a:avLst/>
+              </a:prstGeom>
+              <a:noFill/>
+            </p:spPr>
+            <p:txBody>
+              <a:bodyPr wrap="square" rtlCol="0">
+                <a:spAutoFit/>
+              </a:bodyPr>
+              <a:lstStyle/>
+              <a:p>
+                <a:pPr algn="ctr"/>
+                <a:r>
+                  <a:rPr lang="en-US" sz="1200" b="1" dirty="0" smtClean="0"/>
+                  <a:t>Software</a:t>
+                </a:r>
+                <a:endParaRPr lang="en-US" sz="1200" b="1" dirty="0"/>
+              </a:p>
+            </p:txBody>
+          </p:sp>
+          <p:sp>
+            <p:nvSpPr>
+              <p:cNvPr id="28" name="TextBox 27"/>
+              <p:cNvSpPr txBox="1"/>
+              <p:nvPr/>
+            </p:nvSpPr>
+            <p:spPr>
+              <a:xfrm>
+                <a:off x="2757112" y="4309484"/>
+                <a:ext cx="707398" cy="276999"/>
+              </a:xfrm>
+              <a:prstGeom prst="rect">
+                <a:avLst/>
+              </a:prstGeom>
+              <a:noFill/>
+            </p:spPr>
+            <p:txBody>
+              <a:bodyPr wrap="square" rtlCol="0">
+                <a:spAutoFit/>
+              </a:bodyPr>
+              <a:lstStyle/>
+              <a:p>
+                <a:pPr algn="ctr"/>
+                <a:r>
+                  <a:rPr lang="en-US" sz="1200" b="1" dirty="0" smtClean="0"/>
+                  <a:t>Storage</a:t>
+                </a:r>
+                <a:endParaRPr lang="en-US" sz="1200" b="1" dirty="0"/>
+              </a:p>
+            </p:txBody>
+          </p:sp>
+          <p:sp>
+            <p:nvSpPr>
+              <p:cNvPr id="29" name="TextBox 28"/>
+              <p:cNvSpPr txBox="1"/>
+              <p:nvPr/>
+            </p:nvSpPr>
+            <p:spPr>
+              <a:xfrm>
+                <a:off x="2741158" y="5271600"/>
+                <a:ext cx="751674" cy="276999"/>
+              </a:xfrm>
+              <a:prstGeom prst="rect">
+                <a:avLst/>
+              </a:prstGeom>
+              <a:noFill/>
+            </p:spPr>
+            <p:txBody>
+              <a:bodyPr wrap="square" rtlCol="0">
+                <a:spAutoFit/>
+              </a:bodyPr>
+              <a:lstStyle/>
+              <a:p>
+                <a:pPr algn="ctr"/>
+                <a:r>
+                  <a:rPr lang="en-US" sz="1200" b="1" dirty="0" smtClean="0"/>
+                  <a:t>Services</a:t>
+                </a:r>
+                <a:endParaRPr lang="en-US" sz="1200" b="1" dirty="0"/>
+              </a:p>
+            </p:txBody>
+          </p:sp>
+          <p:sp>
+            <p:nvSpPr>
+              <p:cNvPr id="30" name="TextBox 29"/>
+              <p:cNvSpPr txBox="1"/>
+              <p:nvPr/>
+            </p:nvSpPr>
+            <p:spPr>
+              <a:xfrm>
+                <a:off x="4937211" y="3103959"/>
+                <a:ext cx="403828" cy="1745543"/>
+              </a:xfrm>
+              <a:prstGeom prst="rect">
+                <a:avLst/>
+              </a:prstGeom>
+              <a:noFill/>
+            </p:spPr>
+            <p:txBody>
+              <a:bodyPr vert="wordArtVert" wrap="square" rtlCol="0">
+                <a:spAutoFit/>
+              </a:bodyPr>
+              <a:lstStyle/>
+              <a:p>
+                <a:pPr algn="ctr"/>
+                <a:r>
+                  <a:rPr lang="en-US" sz="1200" b="1" dirty="0" smtClean="0"/>
+                  <a:t>Control</a:t>
+                </a:r>
+                <a:endParaRPr lang="en-US" sz="1200" b="1" dirty="0"/>
+              </a:p>
+            </p:txBody>
+          </p:sp>
+          <p:sp>
+            <p:nvSpPr>
+              <p:cNvPr id="31" name="TextBox 30"/>
+              <p:cNvSpPr txBox="1"/>
+              <p:nvPr/>
+            </p:nvSpPr>
+            <p:spPr>
+              <a:xfrm>
+                <a:off x="3636251" y="2742395"/>
+                <a:ext cx="403828" cy="2468672"/>
+              </a:xfrm>
+              <a:prstGeom prst="rect">
+                <a:avLst/>
+              </a:prstGeom>
+              <a:noFill/>
+            </p:spPr>
+            <p:txBody>
+              <a:bodyPr vert="wordArtVert" wrap="square" rtlCol="0">
+                <a:spAutoFit/>
+              </a:bodyPr>
+              <a:lstStyle/>
+              <a:p>
+                <a:pPr algn="ctr"/>
+                <a:r>
+                  <a:rPr lang="en-US" sz="1200" b="1" dirty="0" smtClean="0"/>
+                  <a:t>Technology</a:t>
+                </a:r>
+                <a:endParaRPr lang="en-US" sz="1200" b="1" dirty="0"/>
+              </a:p>
+            </p:txBody>
+          </p:sp>
+          <p:sp>
+            <p:nvSpPr>
+              <p:cNvPr id="32" name="Snip Same Side Corner Rectangle 31"/>
+              <p:cNvSpPr/>
+              <p:nvPr/>
+            </p:nvSpPr>
+            <p:spPr>
+              <a:xfrm>
+                <a:off x="2479928" y="5900416"/>
+                <a:ext cx="4010810" cy="667342"/>
+              </a:xfrm>
+              <a:prstGeom prst="snip2SameRect">
+                <a:avLst>
+                  <a:gd name="adj1" fmla="val 14933"/>
+                  <a:gd name="adj2" fmla="val 0"/>
+                </a:avLst>
+              </a:prstGeom>
+              <a:solidFill>
+                <a:schemeClr val="bg1">
+                  <a:lumMod val="75000"/>
+                </a:schemeClr>
+              </a:solidFill>
+              <a:ln w="38100"/>
+            </p:spPr>
+            <p:style>
+              <a:lnRef idx="2">
+                <a:schemeClr val="dk1"/>
+              </a:lnRef>
+              <a:fillRef idx="1">
+                <a:schemeClr val="lt1"/>
+              </a:fillRef>
+              <a:effectRef idx="0">
+                <a:schemeClr val="dk1"/>
+              </a:effectRef>
+              <a:fontRef idx="minor">
+                <a:schemeClr val="dk1"/>
+              </a:fontRef>
+            </p:style>
+            <p:txBody>
+              <a:bodyPr rtlCol="0" anchor="ctr"/>
+              <a:lstStyle/>
+              <a:p>
+                <a:pPr algn="ctr"/>
+                <a:endParaRPr lang="en-US" sz="1200">
+                  <a:solidFill>
+                    <a:schemeClr val="tx1"/>
+                  </a:solidFill>
+                </a:endParaRPr>
+              </a:p>
+            </p:txBody>
+          </p:sp>
+          <p:sp>
+            <p:nvSpPr>
+              <p:cNvPr id="33" name="Rectangle 32"/>
+              <p:cNvSpPr/>
+              <p:nvPr/>
+            </p:nvSpPr>
+            <p:spPr>
+              <a:xfrm>
+                <a:off x="5146569" y="6014313"/>
+                <a:ext cx="1344168" cy="553708"/>
+              </a:xfrm>
+              <a:prstGeom prst="rect">
+                <a:avLst/>
+              </a:prstGeom>
+              <a:noFill/>
+              <a:ln w="38100">
+                <a:solidFill>
+                  <a:schemeClr val="tx1"/>
+                </a:solidFill>
+              </a:ln>
+            </p:spPr>
+            <p:style>
+              <a:lnRef idx="2">
+                <a:schemeClr val="accent1">
+                  <a:shade val="50000"/>
+                </a:schemeClr>
+              </a:lnRef>
+              <a:fillRef idx="1">
+                <a:schemeClr val="accent1"/>
+              </a:fillRef>
+              <a:effectRef idx="0">
+                <a:schemeClr val="accent1"/>
+              </a:effectRef>
+              <a:fontRef idx="minor">
+                <a:schemeClr val="lt1"/>
+              </a:fontRef>
+            </p:style>
+            <p:txBody>
+              <a:bodyPr rtlCol="0" anchor="ctr"/>
+              <a:lstStyle/>
+              <a:p>
+                <a:pPr algn="ctr"/>
+                <a:endParaRPr lang="en-US" sz="1200">
+                  <a:solidFill>
+                    <a:schemeClr val="tx1"/>
+                  </a:solidFill>
+                </a:endParaRPr>
+              </a:p>
+            </p:txBody>
+          </p:sp>
+          <p:sp>
+            <p:nvSpPr>
+              <p:cNvPr id="34" name="TextBox 33"/>
+              <p:cNvSpPr txBox="1"/>
+              <p:nvPr/>
+            </p:nvSpPr>
+            <p:spPr>
+              <a:xfrm>
+                <a:off x="4094936" y="6060333"/>
+                <a:ext cx="779070" cy="461665"/>
+              </a:xfrm>
+              <a:prstGeom prst="rect">
+                <a:avLst/>
+              </a:prstGeom>
+              <a:noFill/>
+            </p:spPr>
+            <p:txBody>
+              <a:bodyPr wrap="square" rtlCol="0">
+                <a:spAutoFit/>
+              </a:bodyPr>
+              <a:lstStyle/>
+              <a:p>
+                <a:pPr algn="ctr"/>
+                <a:r>
+                  <a:rPr lang="en-US" sz="1200" b="1" dirty="0" smtClean="0"/>
+                  <a:t>Business</a:t>
+                </a:r>
+                <a:br>
+                  <a:rPr lang="en-US" sz="1200" b="1" dirty="0" smtClean="0"/>
+                </a:br>
+                <a:r>
+                  <a:rPr lang="en-US" sz="1200" b="1" dirty="0" smtClean="0"/>
+                  <a:t>Model</a:t>
+                </a:r>
+                <a:endParaRPr lang="en-US" sz="1200" b="1" dirty="0"/>
+              </a:p>
+            </p:txBody>
+          </p:sp>
+          <p:sp>
+            <p:nvSpPr>
+              <p:cNvPr id="35" name="TextBox 34"/>
+              <p:cNvSpPr txBox="1"/>
+              <p:nvPr/>
+            </p:nvSpPr>
+            <p:spPr>
+              <a:xfrm>
+                <a:off x="2682520" y="6147863"/>
+                <a:ext cx="928136" cy="276999"/>
+              </a:xfrm>
+              <a:prstGeom prst="rect">
+                <a:avLst/>
+              </a:prstGeom>
+              <a:noFill/>
+            </p:spPr>
+            <p:txBody>
+              <a:bodyPr wrap="square" rtlCol="0">
+                <a:spAutoFit/>
+              </a:bodyPr>
+              <a:lstStyle/>
+              <a:p>
+                <a:pPr algn="ctr"/>
+                <a:r>
+                  <a:rPr lang="en-US" sz="1200" b="1" dirty="0" smtClean="0"/>
+                  <a:t>Compliance</a:t>
+                </a:r>
+                <a:endParaRPr lang="en-US" sz="1200" b="1" dirty="0"/>
+              </a:p>
+            </p:txBody>
+          </p:sp>
+          <p:sp>
+            <p:nvSpPr>
+              <p:cNvPr id="36" name="TextBox 35"/>
+              <p:cNvSpPr txBox="1"/>
+              <p:nvPr/>
+            </p:nvSpPr>
+            <p:spPr>
+              <a:xfrm>
+                <a:off x="5263541" y="6146760"/>
+                <a:ext cx="1110223" cy="276999"/>
+              </a:xfrm>
+              <a:prstGeom prst="rect">
+                <a:avLst/>
+              </a:prstGeom>
+              <a:noFill/>
+            </p:spPr>
+            <p:txBody>
+              <a:bodyPr wrap="square" rtlCol="0">
+                <a:spAutoFit/>
+              </a:bodyPr>
+              <a:lstStyle/>
+              <a:p>
+                <a:pPr algn="ctr"/>
+                <a:r>
+                  <a:rPr lang="en-US" sz="1200" b="1" dirty="0" smtClean="0"/>
+                  <a:t>Risk</a:t>
+                </a:r>
+                <a:endParaRPr lang="en-US" sz="1200" b="1" dirty="0"/>
+              </a:p>
+            </p:txBody>
+          </p:sp>
+          <p:sp>
+            <p:nvSpPr>
+              <p:cNvPr id="37" name="TextBox 36"/>
+              <p:cNvSpPr txBox="1"/>
+              <p:nvPr/>
+            </p:nvSpPr>
+            <p:spPr>
+              <a:xfrm>
+                <a:off x="3785782" y="1133333"/>
+                <a:ext cx="1389955" cy="276999"/>
+              </a:xfrm>
+              <a:prstGeom prst="rect">
+                <a:avLst/>
+              </a:prstGeom>
+              <a:noFill/>
+            </p:spPr>
+            <p:txBody>
+              <a:bodyPr wrap="square" rtlCol="0">
+                <a:spAutoFit/>
+              </a:bodyPr>
+              <a:lstStyle/>
+              <a:p>
+                <a:pPr algn="ctr"/>
+                <a:r>
+                  <a:rPr lang="en-US" sz="1200" b="1" dirty="0" smtClean="0"/>
+                  <a:t>I n f o r m a t </a:t>
+                </a:r>
+                <a:r>
+                  <a:rPr lang="en-US" sz="1200" b="1" dirty="0" err="1" smtClean="0"/>
+                  <a:t>i</a:t>
+                </a:r>
+                <a:r>
+                  <a:rPr lang="en-US" sz="1200" b="1" dirty="0" smtClean="0"/>
+                  <a:t> o n</a:t>
+                </a:r>
+                <a:endParaRPr lang="en-US" sz="1200" b="1" dirty="0"/>
+              </a:p>
+            </p:txBody>
+          </p:sp>
+          <p:sp>
+            <p:nvSpPr>
+              <p:cNvPr id="38" name="Rectangle 37"/>
+              <p:cNvSpPr/>
+              <p:nvPr/>
+            </p:nvSpPr>
+            <p:spPr>
+              <a:xfrm>
+                <a:off x="3813248" y="6014313"/>
+                <a:ext cx="1335024" cy="553708"/>
+              </a:xfrm>
+              <a:prstGeom prst="rect">
+                <a:avLst/>
+              </a:prstGeom>
+              <a:noFill/>
+              <a:ln w="38100">
+                <a:solidFill>
+                  <a:schemeClr val="tx1"/>
+                </a:solidFill>
+              </a:ln>
+            </p:spPr>
+            <p:style>
+              <a:lnRef idx="2">
+                <a:schemeClr val="accent1">
+                  <a:shade val="50000"/>
+                </a:schemeClr>
+              </a:lnRef>
+              <a:fillRef idx="1">
+                <a:schemeClr val="accent1"/>
+              </a:fillRef>
+              <a:effectRef idx="0">
+                <a:schemeClr val="accent1"/>
+              </a:effectRef>
+              <a:fontRef idx="minor">
+                <a:schemeClr val="lt1"/>
+              </a:fontRef>
+            </p:style>
+            <p:txBody>
+              <a:bodyPr rtlCol="0" anchor="ctr"/>
+              <a:lstStyle/>
+              <a:p>
+                <a:pPr algn="ctr"/>
+                <a:endParaRPr lang="en-US" sz="1200">
+                  <a:solidFill>
+                    <a:schemeClr val="tx1"/>
+                  </a:solidFill>
+                </a:endParaRPr>
+              </a:p>
+            </p:txBody>
+          </p:sp>
+          <p:sp>
+            <p:nvSpPr>
+              <p:cNvPr id="39" name="Rectangle 38"/>
+              <p:cNvSpPr/>
+              <p:nvPr/>
+            </p:nvSpPr>
+            <p:spPr>
+              <a:xfrm>
+                <a:off x="2479927" y="6014416"/>
+                <a:ext cx="1335024" cy="553708"/>
+              </a:xfrm>
+              <a:prstGeom prst="rect">
+                <a:avLst/>
+              </a:prstGeom>
+              <a:noFill/>
+              <a:ln w="38100">
+                <a:solidFill>
+                  <a:schemeClr val="tx1"/>
+                </a:solidFill>
+              </a:ln>
+            </p:spPr>
+            <p:style>
+              <a:lnRef idx="2">
+                <a:schemeClr val="accent1">
+                  <a:shade val="50000"/>
+                </a:schemeClr>
+              </a:lnRef>
+              <a:fillRef idx="1">
+                <a:schemeClr val="accent1"/>
+              </a:fillRef>
+              <a:effectRef idx="0">
+                <a:schemeClr val="accent1"/>
+              </a:effectRef>
+              <a:fontRef idx="minor">
+                <a:schemeClr val="lt1"/>
+              </a:fontRef>
+            </p:style>
+            <p:txBody>
+              <a:bodyPr rtlCol="0" anchor="ctr"/>
+              <a:lstStyle/>
+              <a:p>
+                <a:pPr algn="ctr"/>
+                <a:endParaRPr lang="en-US" sz="1200">
+                  <a:solidFill>
+                    <a:schemeClr val="tx1"/>
+                  </a:solidFill>
+                </a:endParaRPr>
+              </a:p>
+            </p:txBody>
+          </p:sp>
+          <p:sp>
+            <p:nvSpPr>
+              <p:cNvPr id="40" name="TextBox 39"/>
+              <p:cNvSpPr txBox="1"/>
+              <p:nvPr/>
+            </p:nvSpPr>
+            <p:spPr>
+              <a:xfrm>
+                <a:off x="4255736" y="167987"/>
+                <a:ext cx="473193" cy="276999"/>
+              </a:xfrm>
+              <a:prstGeom prst="rect">
+                <a:avLst/>
+              </a:prstGeom>
+              <a:noFill/>
+            </p:spPr>
+            <p:txBody>
+              <a:bodyPr wrap="square" rtlCol="0">
+                <a:spAutoFit/>
+              </a:bodyPr>
+              <a:lstStyle/>
+              <a:p>
+                <a:pPr algn="ctr"/>
+                <a:r>
+                  <a:rPr lang="en-US" sz="1200" b="1" dirty="0" smtClean="0"/>
+                  <a:t>Use</a:t>
+                </a:r>
+                <a:endParaRPr lang="en-US" sz="1200" b="1" dirty="0"/>
+              </a:p>
+            </p:txBody>
+          </p:sp>
+          <p:sp>
+            <p:nvSpPr>
+              <p:cNvPr id="41" name="TextBox 40"/>
+              <p:cNvSpPr txBox="1"/>
+              <p:nvPr/>
+            </p:nvSpPr>
+            <p:spPr>
+              <a:xfrm>
+                <a:off x="5146568" y="944693"/>
+                <a:ext cx="1088128" cy="276999"/>
+              </a:xfrm>
+              <a:prstGeom prst="rect">
+                <a:avLst/>
+              </a:prstGeom>
+              <a:noFill/>
+            </p:spPr>
+            <p:txBody>
+              <a:bodyPr wrap="square" rtlCol="0">
+                <a:spAutoFit/>
+              </a:bodyPr>
+              <a:lstStyle/>
+              <a:p>
+                <a:pPr algn="ctr"/>
+                <a:r>
+                  <a:rPr lang="en-US" sz="1200" b="1" dirty="0" smtClean="0"/>
+                  <a:t>Maintenance</a:t>
+                </a:r>
+                <a:endParaRPr lang="en-US" sz="1200" b="1" dirty="0"/>
+              </a:p>
+            </p:txBody>
+          </p:sp>
+          <p:sp>
+            <p:nvSpPr>
+              <p:cNvPr id="42" name="TextBox 41"/>
+              <p:cNvSpPr txBox="1"/>
+              <p:nvPr/>
+            </p:nvSpPr>
+            <p:spPr>
+              <a:xfrm>
+                <a:off x="2927406" y="944693"/>
+                <a:ext cx="776556" cy="276999"/>
+              </a:xfrm>
+              <a:prstGeom prst="rect">
+                <a:avLst/>
+              </a:prstGeom>
+              <a:noFill/>
+            </p:spPr>
+            <p:txBody>
+              <a:bodyPr wrap="square" rtlCol="0">
+                <a:spAutoFit/>
+              </a:bodyPr>
+              <a:lstStyle/>
+              <a:p>
+                <a:pPr algn="ctr"/>
+                <a:r>
+                  <a:rPr lang="en-US" sz="1200" b="1" dirty="0" smtClean="0"/>
+                  <a:t>Creation</a:t>
+                </a:r>
+                <a:endParaRPr lang="en-US" sz="1200" b="1" dirty="0"/>
+              </a:p>
+            </p:txBody>
+          </p:sp>
+          <p:sp>
+            <p:nvSpPr>
+              <p:cNvPr id="52" name="Rectangle 51"/>
+              <p:cNvSpPr/>
+              <p:nvPr/>
+            </p:nvSpPr>
+            <p:spPr>
+              <a:xfrm>
+                <a:off x="5361095" y="2063149"/>
+                <a:ext cx="1029810" cy="3835154"/>
+              </a:xfrm>
+              <a:prstGeom prst="rect">
+                <a:avLst/>
+              </a:prstGeom>
+              <a:solidFill>
+                <a:srgbClr val="FF5050"/>
+              </a:solidFill>
+              <a:ln w="38100"/>
+            </p:spPr>
+            <p:style>
+              <a:lnRef idx="2">
+                <a:schemeClr val="dk1"/>
+              </a:lnRef>
+              <a:fillRef idx="1">
+                <a:schemeClr val="lt1"/>
+              </a:fillRef>
+              <a:effectRef idx="0">
+                <a:schemeClr val="dk1"/>
+              </a:effectRef>
+              <a:fontRef idx="minor">
+                <a:schemeClr val="dk1"/>
+              </a:fontRef>
+            </p:style>
+            <p:txBody>
+              <a:bodyPr rtlCol="0" anchor="ctr"/>
+              <a:lstStyle/>
+              <a:p>
+                <a:pPr algn="ctr"/>
+                <a:endParaRPr lang="en-US" sz="1200">
+                  <a:solidFill>
+                    <a:schemeClr val="tx1"/>
+                  </a:solidFill>
+                </a:endParaRPr>
+              </a:p>
+            </p:txBody>
+          </p:sp>
+          <p:sp>
+            <p:nvSpPr>
+              <p:cNvPr id="53" name="Rectangle 52"/>
+              <p:cNvSpPr/>
+              <p:nvPr/>
+            </p:nvSpPr>
+            <p:spPr>
+              <a:xfrm>
+                <a:off x="5361095" y="2056491"/>
+                <a:ext cx="1029810" cy="960120"/>
+              </a:xfrm>
+              <a:prstGeom prst="rect">
+                <a:avLst/>
+              </a:prstGeom>
+              <a:noFill/>
+              <a:ln w="38100"/>
+            </p:spPr>
+            <p:style>
+              <a:lnRef idx="2">
+                <a:schemeClr val="dk1"/>
+              </a:lnRef>
+              <a:fillRef idx="1">
+                <a:schemeClr val="lt1"/>
+              </a:fillRef>
+              <a:effectRef idx="0">
+                <a:schemeClr val="dk1"/>
+              </a:effectRef>
+              <a:fontRef idx="minor">
+                <a:schemeClr val="dk1"/>
+              </a:fontRef>
+            </p:style>
+            <p:txBody>
+              <a:bodyPr rtlCol="0" anchor="ctr"/>
+              <a:lstStyle/>
+              <a:p>
+                <a:pPr algn="ctr"/>
+                <a:endParaRPr lang="en-US" sz="1200">
+                  <a:solidFill>
+                    <a:schemeClr val="tx1"/>
+                  </a:solidFill>
+                </a:endParaRPr>
+              </a:p>
+            </p:txBody>
+          </p:sp>
+          <p:sp>
+            <p:nvSpPr>
+              <p:cNvPr id="54" name="Rectangle 53"/>
+              <p:cNvSpPr/>
+              <p:nvPr/>
+            </p:nvSpPr>
+            <p:spPr>
+              <a:xfrm>
+                <a:off x="5361095" y="3016611"/>
+                <a:ext cx="1029810" cy="960120"/>
+              </a:xfrm>
+              <a:prstGeom prst="rect">
+                <a:avLst/>
+              </a:prstGeom>
+              <a:noFill/>
+              <a:ln w="38100"/>
+            </p:spPr>
+            <p:style>
+              <a:lnRef idx="2">
+                <a:schemeClr val="dk1"/>
+              </a:lnRef>
+              <a:fillRef idx="1">
+                <a:schemeClr val="lt1"/>
+              </a:fillRef>
+              <a:effectRef idx="0">
+                <a:schemeClr val="dk1"/>
+              </a:effectRef>
+              <a:fontRef idx="minor">
+                <a:schemeClr val="dk1"/>
+              </a:fontRef>
+            </p:style>
+            <p:txBody>
+              <a:bodyPr rtlCol="0" anchor="ctr"/>
+              <a:lstStyle/>
+              <a:p>
+                <a:pPr algn="ctr"/>
+                <a:endParaRPr lang="en-US" sz="1200">
+                  <a:solidFill>
+                    <a:schemeClr val="tx1"/>
+                  </a:solidFill>
+                </a:endParaRPr>
+              </a:p>
+            </p:txBody>
+          </p:sp>
+          <p:sp>
+            <p:nvSpPr>
+              <p:cNvPr id="55" name="Rectangle 54"/>
+              <p:cNvSpPr/>
+              <p:nvPr/>
+            </p:nvSpPr>
+            <p:spPr>
+              <a:xfrm>
+                <a:off x="5361095" y="3977397"/>
+                <a:ext cx="1029810" cy="960120"/>
+              </a:xfrm>
+              <a:prstGeom prst="rect">
+                <a:avLst/>
+              </a:prstGeom>
+              <a:noFill/>
+              <a:ln w="38100"/>
+            </p:spPr>
+            <p:style>
+              <a:lnRef idx="2">
+                <a:schemeClr val="dk1"/>
+              </a:lnRef>
+              <a:fillRef idx="1">
+                <a:schemeClr val="lt1"/>
+              </a:fillRef>
+              <a:effectRef idx="0">
+                <a:schemeClr val="dk1"/>
+              </a:effectRef>
+              <a:fontRef idx="minor">
+                <a:schemeClr val="dk1"/>
+              </a:fontRef>
+            </p:style>
+            <p:txBody>
+              <a:bodyPr rtlCol="0" anchor="ctr"/>
+              <a:lstStyle/>
+              <a:p>
+                <a:pPr algn="ctr"/>
+                <a:endParaRPr lang="en-US" sz="1200">
+                  <a:solidFill>
+                    <a:schemeClr val="tx1"/>
+                  </a:solidFill>
+                </a:endParaRPr>
+              </a:p>
+            </p:txBody>
+          </p:sp>
+          <p:sp>
+            <p:nvSpPr>
+              <p:cNvPr id="56" name="Rectangle 55"/>
+              <p:cNvSpPr/>
+              <p:nvPr/>
+            </p:nvSpPr>
+            <p:spPr>
+              <a:xfrm>
+                <a:off x="5361095" y="4938516"/>
+                <a:ext cx="1029810" cy="960120"/>
+              </a:xfrm>
+              <a:prstGeom prst="rect">
+                <a:avLst/>
+              </a:prstGeom>
+              <a:noFill/>
+              <a:ln w="38100"/>
+            </p:spPr>
+            <p:style>
+              <a:lnRef idx="2">
+                <a:schemeClr val="dk1"/>
+              </a:lnRef>
+              <a:fillRef idx="1">
+                <a:schemeClr val="lt1"/>
+              </a:fillRef>
+              <a:effectRef idx="0">
+                <a:schemeClr val="dk1"/>
+              </a:effectRef>
+              <a:fontRef idx="minor">
+                <a:schemeClr val="dk1"/>
+              </a:fontRef>
+            </p:style>
+            <p:txBody>
+              <a:bodyPr rtlCol="0" anchor="ctr"/>
+              <a:lstStyle/>
+              <a:p>
+                <a:pPr algn="ctr"/>
+                <a:endParaRPr lang="en-US" sz="1200">
+                  <a:solidFill>
+                    <a:schemeClr val="tx1"/>
+                  </a:solidFill>
+                </a:endParaRPr>
+              </a:p>
+            </p:txBody>
+          </p:sp>
+          <p:sp>
+            <p:nvSpPr>
+              <p:cNvPr id="57" name="TextBox 56"/>
+              <p:cNvSpPr txBox="1"/>
+              <p:nvPr/>
+            </p:nvSpPr>
+            <p:spPr>
+              <a:xfrm>
+                <a:off x="5527041" y="2370032"/>
+                <a:ext cx="697915" cy="276999"/>
+              </a:xfrm>
+              <a:prstGeom prst="rect">
+                <a:avLst/>
+              </a:prstGeom>
+              <a:noFill/>
+            </p:spPr>
+            <p:txBody>
+              <a:bodyPr wrap="square" rtlCol="0">
+                <a:spAutoFit/>
+              </a:bodyPr>
+              <a:lstStyle/>
+              <a:p>
+                <a:pPr algn="ctr"/>
+                <a:r>
+                  <a:rPr lang="en-US" sz="1200" b="1" dirty="0" smtClean="0"/>
+                  <a:t>Security</a:t>
+                </a:r>
+                <a:endParaRPr lang="en-US" sz="1200" b="1" dirty="0"/>
+              </a:p>
+            </p:txBody>
+          </p:sp>
+          <p:sp>
+            <p:nvSpPr>
+              <p:cNvPr id="58" name="TextBox 57"/>
+              <p:cNvSpPr txBox="1"/>
+              <p:nvPr/>
+            </p:nvSpPr>
+            <p:spPr>
+              <a:xfrm>
+                <a:off x="5421846" y="4319715"/>
+                <a:ext cx="904763" cy="276999"/>
+              </a:xfrm>
+              <a:prstGeom prst="rect">
+                <a:avLst/>
+              </a:prstGeom>
+              <a:noFill/>
+            </p:spPr>
+            <p:txBody>
+              <a:bodyPr wrap="square" rtlCol="0">
+                <a:spAutoFit/>
+              </a:bodyPr>
+              <a:lstStyle/>
+              <a:p>
+                <a:pPr algn="ctr"/>
+                <a:r>
+                  <a:rPr lang="en-US" sz="1200" b="1" dirty="0" smtClean="0"/>
+                  <a:t>Availability</a:t>
+                </a:r>
+                <a:endParaRPr lang="en-US" sz="1200" b="1" dirty="0"/>
+              </a:p>
+            </p:txBody>
+          </p:sp>
+          <p:sp>
+            <p:nvSpPr>
+              <p:cNvPr id="59" name="TextBox 58"/>
+              <p:cNvSpPr txBox="1"/>
+              <p:nvPr/>
+            </p:nvSpPr>
+            <p:spPr>
+              <a:xfrm>
+                <a:off x="5430928" y="5188134"/>
+                <a:ext cx="867866" cy="461665"/>
+              </a:xfrm>
+              <a:prstGeom prst="rect">
+                <a:avLst/>
+              </a:prstGeom>
+              <a:noFill/>
+            </p:spPr>
+            <p:txBody>
+              <a:bodyPr wrap="square" rtlCol="0">
+                <a:spAutoFit/>
+              </a:bodyPr>
+              <a:lstStyle/>
+              <a:p>
+                <a:pPr algn="ctr"/>
+                <a:r>
+                  <a:rPr lang="en-US" sz="1200" b="1" dirty="0" smtClean="0"/>
+                  <a:t>Processing</a:t>
+                </a:r>
+                <a:br>
+                  <a:rPr lang="en-US" sz="1200" b="1" dirty="0" smtClean="0"/>
+                </a:br>
+                <a:r>
+                  <a:rPr lang="en-US" sz="1200" b="1" dirty="0" smtClean="0"/>
+                  <a:t>Integrity</a:t>
+                </a:r>
+                <a:endParaRPr lang="en-US" sz="1200" b="1" dirty="0"/>
+              </a:p>
+            </p:txBody>
+          </p:sp>
+          <p:sp>
+            <p:nvSpPr>
+              <p:cNvPr id="60" name="TextBox 59"/>
+              <p:cNvSpPr txBox="1"/>
+              <p:nvPr/>
+            </p:nvSpPr>
+            <p:spPr>
+              <a:xfrm>
+                <a:off x="5307635" y="3363164"/>
+                <a:ext cx="1133186" cy="276999"/>
+              </a:xfrm>
+              <a:prstGeom prst="rect">
+                <a:avLst/>
+              </a:prstGeom>
+              <a:noFill/>
+            </p:spPr>
+            <p:txBody>
+              <a:bodyPr wrap="square" rtlCol="0">
+                <a:spAutoFit/>
+              </a:bodyPr>
+              <a:lstStyle/>
+              <a:p>
+                <a:pPr algn="ctr"/>
+                <a:r>
+                  <a:rPr lang="en-US" sz="1200" b="1" dirty="0" smtClean="0"/>
+                  <a:t>Confidentiality</a:t>
+                </a:r>
+                <a:endParaRPr lang="en-US" sz="1200" b="1" dirty="0"/>
+              </a:p>
+            </p:txBody>
+          </p:sp>
+          <p:sp>
+            <p:nvSpPr>
+              <p:cNvPr id="43" name="TextBox 42"/>
+              <p:cNvSpPr txBox="1"/>
+              <p:nvPr/>
+            </p:nvSpPr>
+            <p:spPr>
+              <a:xfrm>
+                <a:off x="3798059" y="5561830"/>
+                <a:ext cx="1389955" cy="276999"/>
+              </a:xfrm>
+              <a:prstGeom prst="rect">
+                <a:avLst/>
+              </a:prstGeom>
+              <a:noFill/>
+            </p:spPr>
+            <p:txBody>
+              <a:bodyPr wrap="square" rtlCol="0">
+                <a:spAutoFit/>
+              </a:bodyPr>
+              <a:lstStyle/>
+              <a:p>
+                <a:pPr algn="ctr"/>
+                <a:r>
+                  <a:rPr lang="en-US" sz="1200" b="1" dirty="0" smtClean="0"/>
+                  <a:t>E n v I r o n m e n t</a:t>
+                </a:r>
+                <a:endParaRPr lang="en-US" sz="1200" b="1" dirty="0"/>
+              </a:p>
+            </p:txBody>
+          </p:sp>
+        </p:grpSp>
+      </p:grpSp>
+    </p:spTree>
+    <p:extLst>
+      <p:ext uri="{BB962C8B-B14F-4D97-AF65-F5344CB8AC3E}">
+        <p14:creationId xmlns:p14="http://schemas.microsoft.com/office/powerpoint/2010/main" val="889497670"/>
+      </p:ext>
+    </p:extLst>
+  </p:cSld>
+  <p:clrMapOvr>
+    <a:masterClrMapping/>
+  </p:clrMapOvr>
+</p:sld>
+</file>
+
 <file path=ppt/slides/slide2.xml><?xml version="1.0" encoding="utf-8"?>
 <p:sld xmlns:a="http://schemas.openxmlformats.org/drawingml/2006/main" xmlns:r="http://schemas.openxmlformats.org/officeDocument/2006/relationships" xmlns:p="http://schemas.openxmlformats.org/presentationml/2006/main">
   <p:cSld>

--- a/images/arch.pptx
+++ b/images/arch.pptx
@@ -18,6 +18,7 @@
     <p:sldId id="268" r:id="rId12"/>
     <p:sldId id="269" r:id="rId13"/>
     <p:sldId id="270" r:id="rId14"/>
+    <p:sldId id="271" r:id="rId15"/>
   </p:sldIdLst>
   <p:sldSz cx="12192000" cy="6858000"/>
   <p:notesSz cx="6858000" cy="9144000"/>
@@ -166,10 +167,9 @@
           </a:lstStyle>
           <a:p>
             <a:r>
-              <a:rPr lang="en-US" smtClean="0"/>
+              <a:rPr lang="en-US"/>
               <a:t>Click to edit Master title style</a:t>
             </a:r>
-            <a:endParaRPr lang="en-US"/>
           </a:p>
         </p:txBody>
       </p:sp>
@@ -231,10 +231,9 @@
           </a:lstStyle>
           <a:p>
             <a:r>
-              <a:rPr lang="en-US" smtClean="0"/>
+              <a:rPr lang="en-US"/>
               <a:t>Click to edit Master subtitle style</a:t>
             </a:r>
-            <a:endParaRPr lang="en-US"/>
           </a:p>
         </p:txBody>
       </p:sp>
@@ -255,7 +254,7 @@
           <a:p>
             <a:fld id="{D6E4F6E1-93F1-46AA-BEEF-A6028AEBDE64}" type="datetimeFigureOut">
               <a:rPr lang="en-US" smtClean="0"/>
-              <a:t>8/1/2018</a:t>
+              <a:t>4/8/2019</a:t>
             </a:fld>
             <a:endParaRPr lang="en-US"/>
           </a:p>
@@ -349,10 +348,9 @@
           <a:lstStyle/>
           <a:p>
             <a:r>
-              <a:rPr lang="en-US" smtClean="0"/>
+              <a:rPr lang="en-US"/>
               <a:t>Click to edit Master title style</a:t>
             </a:r>
-            <a:endParaRPr lang="en-US"/>
           </a:p>
         </p:txBody>
       </p:sp>
@@ -373,38 +371,37 @@
           <a:p>
             <a:pPr lvl="0"/>
             <a:r>
-              <a:rPr lang="en-US" smtClean="0"/>
+              <a:rPr lang="en-US"/>
               <a:t>Click to edit Master text styles</a:t>
             </a:r>
           </a:p>
           <a:p>
             <a:pPr lvl="1"/>
             <a:r>
-              <a:rPr lang="en-US" smtClean="0"/>
+              <a:rPr lang="en-US"/>
               <a:t>Second level</a:t>
             </a:r>
           </a:p>
           <a:p>
             <a:pPr lvl="2"/>
             <a:r>
-              <a:rPr lang="en-US" smtClean="0"/>
+              <a:rPr lang="en-US"/>
               <a:t>Third level</a:t>
             </a:r>
           </a:p>
           <a:p>
             <a:pPr lvl="3"/>
             <a:r>
-              <a:rPr lang="en-US" smtClean="0"/>
+              <a:rPr lang="en-US"/>
               <a:t>Fourth level</a:t>
             </a:r>
           </a:p>
           <a:p>
             <a:pPr lvl="4"/>
             <a:r>
-              <a:rPr lang="en-US" smtClean="0"/>
+              <a:rPr lang="en-US"/>
               <a:t>Fifth level</a:t>
             </a:r>
-            <a:endParaRPr lang="en-US"/>
           </a:p>
         </p:txBody>
       </p:sp>
@@ -425,7 +422,7 @@
           <a:p>
             <a:fld id="{D6E4F6E1-93F1-46AA-BEEF-A6028AEBDE64}" type="datetimeFigureOut">
               <a:rPr lang="en-US" smtClean="0"/>
-              <a:t>8/1/2018</a:t>
+              <a:t>4/8/2019</a:t>
             </a:fld>
             <a:endParaRPr lang="en-US"/>
           </a:p>
@@ -524,10 +521,9 @@
           <a:lstStyle/>
           <a:p>
             <a:r>
-              <a:rPr lang="en-US" smtClean="0"/>
+              <a:rPr lang="en-US"/>
               <a:t>Click to edit Master title style</a:t>
             </a:r>
-            <a:endParaRPr lang="en-US"/>
           </a:p>
         </p:txBody>
       </p:sp>
@@ -553,38 +549,37 @@
           <a:p>
             <a:pPr lvl="0"/>
             <a:r>
-              <a:rPr lang="en-US" smtClean="0"/>
+              <a:rPr lang="en-US"/>
               <a:t>Click to edit Master text styles</a:t>
             </a:r>
           </a:p>
           <a:p>
             <a:pPr lvl="1"/>
             <a:r>
-              <a:rPr lang="en-US" smtClean="0"/>
+              <a:rPr lang="en-US"/>
               <a:t>Second level</a:t>
             </a:r>
           </a:p>
           <a:p>
             <a:pPr lvl="2"/>
             <a:r>
-              <a:rPr lang="en-US" smtClean="0"/>
+              <a:rPr lang="en-US"/>
               <a:t>Third level</a:t>
             </a:r>
           </a:p>
           <a:p>
             <a:pPr lvl="3"/>
             <a:r>
-              <a:rPr lang="en-US" smtClean="0"/>
+              <a:rPr lang="en-US"/>
               <a:t>Fourth level</a:t>
             </a:r>
           </a:p>
           <a:p>
             <a:pPr lvl="4"/>
             <a:r>
-              <a:rPr lang="en-US" smtClean="0"/>
+              <a:rPr lang="en-US"/>
               <a:t>Fifth level</a:t>
             </a:r>
-            <a:endParaRPr lang="en-US"/>
           </a:p>
         </p:txBody>
       </p:sp>
@@ -605,7 +600,7 @@
           <a:p>
             <a:fld id="{D6E4F6E1-93F1-46AA-BEEF-A6028AEBDE64}" type="datetimeFigureOut">
               <a:rPr lang="en-US" smtClean="0"/>
-              <a:t>8/1/2018</a:t>
+              <a:t>4/8/2019</a:t>
             </a:fld>
             <a:endParaRPr lang="en-US"/>
           </a:p>
@@ -699,10 +694,9 @@
           <a:lstStyle/>
           <a:p>
             <a:r>
-              <a:rPr lang="en-US" smtClean="0"/>
+              <a:rPr lang="en-US"/>
               <a:t>Click to edit Master title style</a:t>
             </a:r>
-            <a:endParaRPr lang="en-US"/>
           </a:p>
         </p:txBody>
       </p:sp>
@@ -723,38 +717,37 @@
           <a:p>
             <a:pPr lvl="0"/>
             <a:r>
-              <a:rPr lang="en-US" smtClean="0"/>
+              <a:rPr lang="en-US"/>
               <a:t>Click to edit Master text styles</a:t>
             </a:r>
           </a:p>
           <a:p>
             <a:pPr lvl="1"/>
             <a:r>
-              <a:rPr lang="en-US" smtClean="0"/>
+              <a:rPr lang="en-US"/>
               <a:t>Second level</a:t>
             </a:r>
           </a:p>
           <a:p>
             <a:pPr lvl="2"/>
             <a:r>
-              <a:rPr lang="en-US" smtClean="0"/>
+              <a:rPr lang="en-US"/>
               <a:t>Third level</a:t>
             </a:r>
           </a:p>
           <a:p>
             <a:pPr lvl="3"/>
             <a:r>
-              <a:rPr lang="en-US" smtClean="0"/>
+              <a:rPr lang="en-US"/>
               <a:t>Fourth level</a:t>
             </a:r>
           </a:p>
           <a:p>
             <a:pPr lvl="4"/>
             <a:r>
-              <a:rPr lang="en-US" smtClean="0"/>
+              <a:rPr lang="en-US"/>
               <a:t>Fifth level</a:t>
             </a:r>
-            <a:endParaRPr lang="en-US"/>
           </a:p>
         </p:txBody>
       </p:sp>
@@ -775,7 +768,7 @@
           <a:p>
             <a:fld id="{D6E4F6E1-93F1-46AA-BEEF-A6028AEBDE64}" type="datetimeFigureOut">
               <a:rPr lang="en-US" smtClean="0"/>
-              <a:t>8/1/2018</a:t>
+              <a:t>4/8/2019</a:t>
             </a:fld>
             <a:endParaRPr lang="en-US"/>
           </a:p>
@@ -878,10 +871,9 @@
           </a:lstStyle>
           <a:p>
             <a:r>
-              <a:rPr lang="en-US" smtClean="0"/>
+              <a:rPr lang="en-US"/>
               <a:t>Click to edit Master title style</a:t>
             </a:r>
-            <a:endParaRPr lang="en-US"/>
           </a:p>
         </p:txBody>
       </p:sp>
@@ -998,7 +990,7 @@
           <a:p>
             <a:pPr lvl="0"/>
             <a:r>
-              <a:rPr lang="en-US" smtClean="0"/>
+              <a:rPr lang="en-US"/>
               <a:t>Click to edit Master text styles</a:t>
             </a:r>
           </a:p>
@@ -1021,7 +1013,7 @@
           <a:p>
             <a:fld id="{D6E4F6E1-93F1-46AA-BEEF-A6028AEBDE64}" type="datetimeFigureOut">
               <a:rPr lang="en-US" smtClean="0"/>
-              <a:t>8/1/2018</a:t>
+              <a:t>4/8/2019</a:t>
             </a:fld>
             <a:endParaRPr lang="en-US"/>
           </a:p>
@@ -1115,10 +1107,9 @@
           <a:lstStyle/>
           <a:p>
             <a:r>
-              <a:rPr lang="en-US" smtClean="0"/>
+              <a:rPr lang="en-US"/>
               <a:t>Click to edit Master title style</a:t>
             </a:r>
-            <a:endParaRPr lang="en-US"/>
           </a:p>
         </p:txBody>
       </p:sp>
@@ -1144,38 +1135,37 @@
           <a:p>
             <a:pPr lvl="0"/>
             <a:r>
-              <a:rPr lang="en-US" smtClean="0"/>
+              <a:rPr lang="en-US"/>
               <a:t>Click to edit Master text styles</a:t>
             </a:r>
           </a:p>
           <a:p>
             <a:pPr lvl="1"/>
             <a:r>
-              <a:rPr lang="en-US" smtClean="0"/>
+              <a:rPr lang="en-US"/>
               <a:t>Second level</a:t>
             </a:r>
           </a:p>
           <a:p>
             <a:pPr lvl="2"/>
             <a:r>
-              <a:rPr lang="en-US" smtClean="0"/>
+              <a:rPr lang="en-US"/>
               <a:t>Third level</a:t>
             </a:r>
           </a:p>
           <a:p>
             <a:pPr lvl="3"/>
             <a:r>
-              <a:rPr lang="en-US" smtClean="0"/>
+              <a:rPr lang="en-US"/>
               <a:t>Fourth level</a:t>
             </a:r>
           </a:p>
           <a:p>
             <a:pPr lvl="4"/>
             <a:r>
-              <a:rPr lang="en-US" smtClean="0"/>
+              <a:rPr lang="en-US"/>
               <a:t>Fifth level</a:t>
             </a:r>
-            <a:endParaRPr lang="en-US"/>
           </a:p>
         </p:txBody>
       </p:sp>
@@ -1201,38 +1191,37 @@
           <a:p>
             <a:pPr lvl="0"/>
             <a:r>
-              <a:rPr lang="en-US" smtClean="0"/>
+              <a:rPr lang="en-US"/>
               <a:t>Click to edit Master text styles</a:t>
             </a:r>
           </a:p>
           <a:p>
             <a:pPr lvl="1"/>
             <a:r>
-              <a:rPr lang="en-US" smtClean="0"/>
+              <a:rPr lang="en-US"/>
               <a:t>Second level</a:t>
             </a:r>
           </a:p>
           <a:p>
             <a:pPr lvl="2"/>
             <a:r>
-              <a:rPr lang="en-US" smtClean="0"/>
+              <a:rPr lang="en-US"/>
               <a:t>Third level</a:t>
             </a:r>
           </a:p>
           <a:p>
             <a:pPr lvl="3"/>
             <a:r>
-              <a:rPr lang="en-US" smtClean="0"/>
+              <a:rPr lang="en-US"/>
               <a:t>Fourth level</a:t>
             </a:r>
           </a:p>
           <a:p>
             <a:pPr lvl="4"/>
             <a:r>
-              <a:rPr lang="en-US" smtClean="0"/>
+              <a:rPr lang="en-US"/>
               <a:t>Fifth level</a:t>
             </a:r>
-            <a:endParaRPr lang="en-US"/>
           </a:p>
         </p:txBody>
       </p:sp>
@@ -1253,7 +1242,7 @@
           <a:p>
             <a:fld id="{D6E4F6E1-93F1-46AA-BEEF-A6028AEBDE64}" type="datetimeFigureOut">
               <a:rPr lang="en-US" smtClean="0"/>
-              <a:t>8/1/2018</a:t>
+              <a:t>4/8/2019</a:t>
             </a:fld>
             <a:endParaRPr lang="en-US"/>
           </a:p>
@@ -1352,10 +1341,9 @@
           <a:lstStyle/>
           <a:p>
             <a:r>
-              <a:rPr lang="en-US" smtClean="0"/>
+              <a:rPr lang="en-US"/>
               <a:t>Click to edit Master title style</a:t>
             </a:r>
-            <a:endParaRPr lang="en-US"/>
           </a:p>
         </p:txBody>
       </p:sp>
@@ -1418,7 +1406,7 @@
           <a:p>
             <a:pPr lvl="0"/>
             <a:r>
-              <a:rPr lang="en-US" smtClean="0"/>
+              <a:rPr lang="en-US"/>
               <a:t>Click to edit Master text styles</a:t>
             </a:r>
           </a:p>
@@ -1446,38 +1434,37 @@
           <a:p>
             <a:pPr lvl="0"/>
             <a:r>
-              <a:rPr lang="en-US" smtClean="0"/>
+              <a:rPr lang="en-US"/>
               <a:t>Click to edit Master text styles</a:t>
             </a:r>
           </a:p>
           <a:p>
             <a:pPr lvl="1"/>
             <a:r>
-              <a:rPr lang="en-US" smtClean="0"/>
+              <a:rPr lang="en-US"/>
               <a:t>Second level</a:t>
             </a:r>
           </a:p>
           <a:p>
             <a:pPr lvl="2"/>
             <a:r>
-              <a:rPr lang="en-US" smtClean="0"/>
+              <a:rPr lang="en-US"/>
               <a:t>Third level</a:t>
             </a:r>
           </a:p>
           <a:p>
             <a:pPr lvl="3"/>
             <a:r>
-              <a:rPr lang="en-US" smtClean="0"/>
+              <a:rPr lang="en-US"/>
               <a:t>Fourth level</a:t>
             </a:r>
           </a:p>
           <a:p>
             <a:pPr lvl="4"/>
             <a:r>
-              <a:rPr lang="en-US" smtClean="0"/>
+              <a:rPr lang="en-US"/>
               <a:t>Fifth level</a:t>
             </a:r>
-            <a:endParaRPr lang="en-US"/>
           </a:p>
         </p:txBody>
       </p:sp>
@@ -1540,7 +1527,7 @@
           <a:p>
             <a:pPr lvl="0"/>
             <a:r>
-              <a:rPr lang="en-US" smtClean="0"/>
+              <a:rPr lang="en-US"/>
               <a:t>Click to edit Master text styles</a:t>
             </a:r>
           </a:p>
@@ -1568,38 +1555,37 @@
           <a:p>
             <a:pPr lvl="0"/>
             <a:r>
-              <a:rPr lang="en-US" smtClean="0"/>
+              <a:rPr lang="en-US"/>
               <a:t>Click to edit Master text styles</a:t>
             </a:r>
           </a:p>
           <a:p>
             <a:pPr lvl="1"/>
             <a:r>
-              <a:rPr lang="en-US" smtClean="0"/>
+              <a:rPr lang="en-US"/>
               <a:t>Second level</a:t>
             </a:r>
           </a:p>
           <a:p>
             <a:pPr lvl="2"/>
             <a:r>
-              <a:rPr lang="en-US" smtClean="0"/>
+              <a:rPr lang="en-US"/>
               <a:t>Third level</a:t>
             </a:r>
           </a:p>
           <a:p>
             <a:pPr lvl="3"/>
             <a:r>
-              <a:rPr lang="en-US" smtClean="0"/>
+              <a:rPr lang="en-US"/>
               <a:t>Fourth level</a:t>
             </a:r>
           </a:p>
           <a:p>
             <a:pPr lvl="4"/>
             <a:r>
-              <a:rPr lang="en-US" smtClean="0"/>
+              <a:rPr lang="en-US"/>
               <a:t>Fifth level</a:t>
             </a:r>
-            <a:endParaRPr lang="en-US"/>
           </a:p>
         </p:txBody>
       </p:sp>
@@ -1620,7 +1606,7 @@
           <a:p>
             <a:fld id="{D6E4F6E1-93F1-46AA-BEEF-A6028AEBDE64}" type="datetimeFigureOut">
               <a:rPr lang="en-US" smtClean="0"/>
-              <a:t>8/1/2018</a:t>
+              <a:t>4/8/2019</a:t>
             </a:fld>
             <a:endParaRPr lang="en-US"/>
           </a:p>
@@ -1714,10 +1700,9 @@
           <a:lstStyle/>
           <a:p>
             <a:r>
-              <a:rPr lang="en-US" smtClean="0"/>
+              <a:rPr lang="en-US"/>
               <a:t>Click to edit Master title style</a:t>
             </a:r>
-            <a:endParaRPr lang="en-US"/>
           </a:p>
         </p:txBody>
       </p:sp>
@@ -1738,7 +1723,7 @@
           <a:p>
             <a:fld id="{D6E4F6E1-93F1-46AA-BEEF-A6028AEBDE64}" type="datetimeFigureOut">
               <a:rPr lang="en-US" smtClean="0"/>
-              <a:t>8/1/2018</a:t>
+              <a:t>4/8/2019</a:t>
             </a:fld>
             <a:endParaRPr lang="en-US"/>
           </a:p>
@@ -1833,7 +1818,7 @@
           <a:p>
             <a:fld id="{D6E4F6E1-93F1-46AA-BEEF-A6028AEBDE64}" type="datetimeFigureOut">
               <a:rPr lang="en-US" smtClean="0"/>
-              <a:t>8/1/2018</a:t>
+              <a:t>4/8/2019</a:t>
             </a:fld>
             <a:endParaRPr lang="en-US"/>
           </a:p>
@@ -1936,10 +1921,9 @@
           </a:lstStyle>
           <a:p>
             <a:r>
-              <a:rPr lang="en-US" smtClean="0"/>
+              <a:rPr lang="en-US"/>
               <a:t>Click to edit Master title style</a:t>
             </a:r>
-            <a:endParaRPr lang="en-US"/>
           </a:p>
         </p:txBody>
       </p:sp>
@@ -1993,38 +1977,37 @@
           <a:p>
             <a:pPr lvl="0"/>
             <a:r>
-              <a:rPr lang="en-US" smtClean="0"/>
+              <a:rPr lang="en-US"/>
               <a:t>Click to edit Master text styles</a:t>
             </a:r>
           </a:p>
           <a:p>
             <a:pPr lvl="1"/>
             <a:r>
-              <a:rPr lang="en-US" smtClean="0"/>
+              <a:rPr lang="en-US"/>
               <a:t>Second level</a:t>
             </a:r>
           </a:p>
           <a:p>
             <a:pPr lvl="2"/>
             <a:r>
-              <a:rPr lang="en-US" smtClean="0"/>
+              <a:rPr lang="en-US"/>
               <a:t>Third level</a:t>
             </a:r>
           </a:p>
           <a:p>
             <a:pPr lvl="3"/>
             <a:r>
-              <a:rPr lang="en-US" smtClean="0"/>
+              <a:rPr lang="en-US"/>
               <a:t>Fourth level</a:t>
             </a:r>
           </a:p>
           <a:p>
             <a:pPr lvl="4"/>
             <a:r>
-              <a:rPr lang="en-US" smtClean="0"/>
+              <a:rPr lang="en-US"/>
               <a:t>Fifth level</a:t>
             </a:r>
-            <a:endParaRPr lang="en-US"/>
           </a:p>
         </p:txBody>
       </p:sp>
@@ -2087,7 +2070,7 @@
           <a:p>
             <a:pPr lvl="0"/>
             <a:r>
-              <a:rPr lang="en-US" smtClean="0"/>
+              <a:rPr lang="en-US"/>
               <a:t>Click to edit Master text styles</a:t>
             </a:r>
           </a:p>
@@ -2110,7 +2093,7 @@
           <a:p>
             <a:fld id="{D6E4F6E1-93F1-46AA-BEEF-A6028AEBDE64}" type="datetimeFigureOut">
               <a:rPr lang="en-US" smtClean="0"/>
-              <a:t>8/1/2018</a:t>
+              <a:t>4/8/2019</a:t>
             </a:fld>
             <a:endParaRPr lang="en-US"/>
           </a:p>
@@ -2213,10 +2196,9 @@
           </a:lstStyle>
           <a:p>
             <a:r>
-              <a:rPr lang="en-US" smtClean="0"/>
+              <a:rPr lang="en-US"/>
               <a:t>Click to edit Master title style</a:t>
             </a:r>
-            <a:endParaRPr lang="en-US"/>
           </a:p>
         </p:txBody>
       </p:sp>
@@ -2340,7 +2322,7 @@
           <a:p>
             <a:pPr lvl="0"/>
             <a:r>
-              <a:rPr lang="en-US" smtClean="0"/>
+              <a:rPr lang="en-US"/>
               <a:t>Click to edit Master text styles</a:t>
             </a:r>
           </a:p>
@@ -2363,7 +2345,7 @@
           <a:p>
             <a:fld id="{D6E4F6E1-93F1-46AA-BEEF-A6028AEBDE64}" type="datetimeFigureOut">
               <a:rPr lang="en-US" smtClean="0"/>
-              <a:t>8/1/2018</a:t>
+              <a:t>4/8/2019</a:t>
             </a:fld>
             <a:endParaRPr lang="en-US"/>
           </a:p>
@@ -2472,10 +2454,9 @@
           <a:lstStyle/>
           <a:p>
             <a:r>
-              <a:rPr lang="en-US" smtClean="0"/>
+              <a:rPr lang="en-US"/>
               <a:t>Click to edit Master title style</a:t>
             </a:r>
-            <a:endParaRPr lang="en-US"/>
           </a:p>
         </p:txBody>
       </p:sp>
@@ -2506,38 +2487,37 @@
           <a:p>
             <a:pPr lvl="0"/>
             <a:r>
-              <a:rPr lang="en-US" smtClean="0"/>
+              <a:rPr lang="en-US"/>
               <a:t>Click to edit Master text styles</a:t>
             </a:r>
           </a:p>
           <a:p>
             <a:pPr lvl="1"/>
             <a:r>
-              <a:rPr lang="en-US" smtClean="0"/>
+              <a:rPr lang="en-US"/>
               <a:t>Second level</a:t>
             </a:r>
           </a:p>
           <a:p>
             <a:pPr lvl="2"/>
             <a:r>
-              <a:rPr lang="en-US" smtClean="0"/>
+              <a:rPr lang="en-US"/>
               <a:t>Third level</a:t>
             </a:r>
           </a:p>
           <a:p>
             <a:pPr lvl="3"/>
             <a:r>
-              <a:rPr lang="en-US" smtClean="0"/>
+              <a:rPr lang="en-US"/>
               <a:t>Fourth level</a:t>
             </a:r>
           </a:p>
           <a:p>
             <a:pPr lvl="4"/>
             <a:r>
-              <a:rPr lang="en-US" smtClean="0"/>
+              <a:rPr lang="en-US"/>
               <a:t>Fifth level</a:t>
             </a:r>
-            <a:endParaRPr lang="en-US"/>
           </a:p>
         </p:txBody>
       </p:sp>
@@ -2576,7 +2556,7 @@
           <a:p>
             <a:fld id="{D6E4F6E1-93F1-46AA-BEEF-A6028AEBDE64}" type="datetimeFigureOut">
               <a:rPr lang="en-US" smtClean="0"/>
-              <a:t>8/1/2018</a:t>
+              <a:t>4/8/2019</a:t>
             </a:fld>
             <a:endParaRPr lang="en-US"/>
           </a:p>
@@ -3358,7 +3338,7 @@
               <a:p>
                 <a:pPr algn="ctr"/>
                 <a:r>
-                  <a:rPr lang="en-US" b="1" dirty="0" smtClean="0">
+                  <a:rPr lang="en-US" b="1" dirty="0">
                     <a:solidFill>
                       <a:srgbClr val="00B0F0"/>
                     </a:solidFill>
@@ -3366,7 +3346,7 @@
                   <a:t>I n f o r m a t </a:t>
                 </a:r>
                 <a:r>
-                  <a:rPr lang="en-US" b="1" dirty="0" err="1" smtClean="0">
+                  <a:rPr lang="en-US" b="1" dirty="0" err="1">
                     <a:solidFill>
                       <a:srgbClr val="00B0F0"/>
                     </a:solidFill>
@@ -3374,18 +3354,13 @@
                   <a:t>i</a:t>
                 </a:r>
                 <a:r>
-                  <a:rPr lang="en-US" b="1" dirty="0" smtClean="0">
+                  <a:rPr lang="en-US" b="1" dirty="0">
                     <a:solidFill>
                       <a:srgbClr val="00B0F0"/>
                     </a:solidFill>
                   </a:rPr>
                   <a:t> o n</a:t>
                 </a:r>
-                <a:endParaRPr lang="en-US" b="1" dirty="0">
-                  <a:solidFill>
-                    <a:srgbClr val="00B0F0"/>
-                  </a:solidFill>
-                </a:endParaRPr>
               </a:p>
             </p:txBody>
           </p:sp>
@@ -3413,10 +3388,9 @@
               <a:p>
                 <a:pPr algn="ctr"/>
                 <a:r>
-                  <a:rPr lang="en-US" sz="1600" b="1" dirty="0" smtClean="0"/>
+                  <a:rPr lang="en-US" sz="1600" b="1" dirty="0"/>
                   <a:t>Collection</a:t>
                 </a:r>
-                <a:endParaRPr lang="en-US" sz="1600" b="1" dirty="0"/>
               </a:p>
             </p:txBody>
           </p:sp>
@@ -3444,10 +3418,9 @@
               <a:p>
                 <a:pPr algn="ctr"/>
                 <a:r>
-                  <a:rPr lang="en-US" sz="1600" b="1" dirty="0" smtClean="0"/>
+                  <a:rPr lang="en-US" sz="1600" b="1" dirty="0"/>
                   <a:t>Ingestion</a:t>
                 </a:r>
-                <a:endParaRPr lang="en-US" sz="1600" b="1" dirty="0"/>
               </a:p>
             </p:txBody>
           </p:sp>
@@ -3475,10 +3448,9 @@
               <a:p>
                 <a:pPr algn="ctr"/>
                 <a:r>
-                  <a:rPr lang="en-US" sz="1600" b="1" dirty="0" smtClean="0"/>
+                  <a:rPr lang="en-US" sz="1600" b="1" dirty="0"/>
                   <a:t>Use</a:t>
                 </a:r>
-                <a:endParaRPr lang="en-US" sz="1600" b="1" dirty="0"/>
               </a:p>
             </p:txBody>
           </p:sp>
@@ -3506,10 +3478,9 @@
               <a:p>
                 <a:pPr algn="ctr"/>
                 <a:r>
-                  <a:rPr lang="en-US" sz="1600" b="1" dirty="0" smtClean="0"/>
+                  <a:rPr lang="en-US" sz="1600" b="1" dirty="0"/>
                   <a:t>Maintenance</a:t>
                 </a:r>
-                <a:endParaRPr lang="en-US" sz="1600" b="1" dirty="0"/>
               </a:p>
             </p:txBody>
           </p:sp>
@@ -3737,19 +3708,15 @@
               <a:p>
                 <a:pPr algn="ctr"/>
                 <a:r>
-                  <a:rPr lang="en-US" sz="1600" b="1" dirty="0" smtClean="0"/>
+                  <a:rPr lang="en-US" sz="1600" b="1" dirty="0"/>
                   <a:t>Access</a:t>
                 </a:r>
                 <a:br>
-                  <a:rPr lang="en-US" sz="1600" b="1" dirty="0" smtClean="0"/>
+                  <a:rPr lang="en-US" sz="1600" b="1" dirty="0"/>
                 </a:br>
                 <a:r>
-                  <a:rPr lang="en-US" sz="1600" b="1" dirty="0" smtClean="0"/>
-                  <a:t>Contro</a:t>
-                </a:r>
-                <a:r>
                   <a:rPr lang="en-US" sz="1600" b="1" dirty="0"/>
-                  <a:t>l</a:t>
+                  <a:t>Control</a:t>
                 </a:r>
               </a:p>
             </p:txBody>
@@ -3778,17 +3745,16 @@
               <a:p>
                 <a:pPr algn="ctr"/>
                 <a:r>
-                  <a:rPr lang="en-US" sz="1600" b="1" dirty="0" smtClean="0"/>
+                  <a:rPr lang="en-US" sz="1600" b="1" dirty="0"/>
                   <a:t>Loss</a:t>
                 </a:r>
                 <a:br>
-                  <a:rPr lang="en-US" sz="1600" b="1" dirty="0" smtClean="0"/>
+                  <a:rPr lang="en-US" sz="1600" b="1" dirty="0"/>
                 </a:br>
                 <a:r>
-                  <a:rPr lang="en-US" sz="1600" b="1" dirty="0" smtClean="0"/>
+                  <a:rPr lang="en-US" sz="1600" b="1" dirty="0"/>
                   <a:t>Prevention</a:t>
                 </a:r>
-                <a:endParaRPr lang="en-US" sz="1600" b="1" dirty="0"/>
               </a:p>
             </p:txBody>
           </p:sp>
@@ -3816,17 +3782,16 @@
               <a:p>
                 <a:pPr algn="ctr"/>
                 <a:r>
-                  <a:rPr lang="en-US" sz="1600" b="1" dirty="0" smtClean="0"/>
+                  <a:rPr lang="en-US" sz="1600" b="1" dirty="0"/>
                   <a:t>Error</a:t>
                 </a:r>
                 <a:br>
-                  <a:rPr lang="en-US" sz="1600" b="1" dirty="0" smtClean="0"/>
+                  <a:rPr lang="en-US" sz="1600" b="1" dirty="0"/>
                 </a:br>
                 <a:r>
-                  <a:rPr lang="en-US" sz="1600" b="1" dirty="0" smtClean="0"/>
+                  <a:rPr lang="en-US" sz="1600" b="1" dirty="0"/>
                   <a:t>Prevention</a:t>
                 </a:r>
-                <a:endParaRPr lang="en-US" sz="1600" b="1" dirty="0"/>
               </a:p>
             </p:txBody>
           </p:sp>
@@ -3854,10 +3819,9 @@
               <a:p>
                 <a:pPr algn="ctr"/>
                 <a:r>
-                  <a:rPr lang="en-US" sz="1600" b="1" dirty="0" smtClean="0"/>
+                  <a:rPr lang="en-US" sz="1600" b="1" dirty="0"/>
                   <a:t>Detection</a:t>
                 </a:r>
-                <a:endParaRPr lang="en-US" sz="1600" b="1" dirty="0"/>
               </a:p>
             </p:txBody>
           </p:sp>
@@ -3885,10 +3849,9 @@
               <a:p>
                 <a:pPr algn="ctr"/>
                 <a:r>
-                  <a:rPr lang="en-US" sz="1600" b="1" dirty="0" smtClean="0"/>
+                  <a:rPr lang="en-US" sz="1600" b="1" dirty="0"/>
                   <a:t>Correction</a:t>
                 </a:r>
-                <a:endParaRPr lang="en-US" sz="1600" b="1" dirty="0"/>
               </a:p>
             </p:txBody>
           </p:sp>
@@ -4076,10 +4039,9 @@
               <a:p>
                 <a:pPr algn="ctr"/>
                 <a:r>
-                  <a:rPr lang="en-US" sz="1600" b="1" dirty="0" smtClean="0"/>
+                  <a:rPr lang="en-US" sz="1600" b="1" dirty="0"/>
                   <a:t>Hardware</a:t>
                 </a:r>
-                <a:endParaRPr lang="en-US" sz="1600" b="1" dirty="0"/>
               </a:p>
             </p:txBody>
           </p:sp>
@@ -4107,10 +4069,9 @@
               <a:p>
                 <a:pPr algn="ctr"/>
                 <a:r>
-                  <a:rPr lang="en-US" sz="1600" b="1" dirty="0" smtClean="0"/>
+                  <a:rPr lang="en-US" sz="1600" b="1" dirty="0"/>
                   <a:t>Software</a:t>
                 </a:r>
-                <a:endParaRPr lang="en-US" sz="1600" b="1" dirty="0"/>
               </a:p>
             </p:txBody>
           </p:sp>
@@ -4138,10 +4099,9 @@
               <a:p>
                 <a:pPr algn="ctr"/>
                 <a:r>
-                  <a:rPr lang="en-US" sz="1600" b="1" dirty="0" smtClean="0"/>
+                  <a:rPr lang="en-US" sz="1600" b="1" dirty="0"/>
                   <a:t>Storage</a:t>
                 </a:r>
-                <a:endParaRPr lang="en-US" sz="1600" b="1" dirty="0"/>
               </a:p>
             </p:txBody>
           </p:sp>
@@ -4169,10 +4129,9 @@
               <a:p>
                 <a:pPr algn="ctr"/>
                 <a:r>
-                  <a:rPr lang="en-US" sz="1600" b="1" dirty="0" smtClean="0"/>
+                  <a:rPr lang="en-US" sz="1600" b="1" dirty="0"/>
                   <a:t>Services</a:t>
                 </a:r>
-                <a:endParaRPr lang="en-US" sz="1600" b="1" dirty="0"/>
               </a:p>
             </p:txBody>
           </p:sp>
@@ -4200,18 +4159,13 @@
               <a:p>
                 <a:pPr algn="ctr"/>
                 <a:r>
-                  <a:rPr lang="en-US" b="1" dirty="0" smtClean="0">
+                  <a:rPr lang="en-US" b="1" dirty="0">
                     <a:solidFill>
                       <a:srgbClr val="FF5050"/>
                     </a:solidFill>
                   </a:rPr>
                   <a:t>Control</a:t>
                 </a:r>
-                <a:endParaRPr lang="en-US" b="1" dirty="0">
-                  <a:solidFill>
-                    <a:srgbClr val="FF5050"/>
-                  </a:solidFill>
-                </a:endParaRPr>
               </a:p>
             </p:txBody>
           </p:sp>
@@ -4239,18 +4193,13 @@
               <a:p>
                 <a:pPr algn="ctr"/>
                 <a:r>
-                  <a:rPr lang="en-US" b="1" dirty="0" smtClean="0">
+                  <a:rPr lang="en-US" b="1" dirty="0">
                     <a:solidFill>
                       <a:srgbClr val="92D050"/>
                     </a:solidFill>
                   </a:rPr>
                   <a:t>Technology</a:t>
                 </a:r>
-                <a:endParaRPr lang="en-US" b="1" dirty="0">
-                  <a:solidFill>
-                    <a:srgbClr val="92D050"/>
-                  </a:solidFill>
-                </a:endParaRPr>
               </a:p>
             </p:txBody>
           </p:sp>
@@ -4461,17 +4410,16 @@
             <a:p>
               <a:pPr algn="ctr"/>
               <a:r>
-                <a:rPr lang="en-US" sz="1600" b="1" dirty="0" smtClean="0"/>
+                <a:rPr lang="en-US" sz="1600" b="1" dirty="0"/>
                 <a:t>Business</a:t>
               </a:r>
               <a:br>
-                <a:rPr lang="en-US" sz="1600" b="1" dirty="0" smtClean="0"/>
+                <a:rPr lang="en-US" sz="1600" b="1" dirty="0"/>
               </a:br>
               <a:r>
-                <a:rPr lang="en-US" sz="1600" b="1" dirty="0" smtClean="0"/>
+                <a:rPr lang="en-US" sz="1600" b="1" dirty="0"/>
                 <a:t>Model</a:t>
               </a:r>
-              <a:endParaRPr lang="en-US" sz="1600" b="1" dirty="0"/>
             </a:p>
           </p:txBody>
         </p:sp>
@@ -4499,10 +4447,9 @@
             <a:p>
               <a:pPr algn="ctr"/>
               <a:r>
-                <a:rPr lang="en-US" sz="1600" b="1" dirty="0" smtClean="0"/>
+                <a:rPr lang="en-US" sz="1600" b="1" dirty="0"/>
                 <a:t>Compliance</a:t>
               </a:r>
-              <a:endParaRPr lang="en-US" sz="1600" b="1" dirty="0"/>
             </a:p>
           </p:txBody>
         </p:sp>
@@ -4530,17 +4477,16 @@
             <a:p>
               <a:pPr algn="ctr"/>
               <a:r>
-                <a:rPr lang="en-US" sz="1600" b="1" dirty="0" smtClean="0"/>
+                <a:rPr lang="en-US" sz="1600" b="1" dirty="0"/>
                 <a:t>Technological</a:t>
               </a:r>
               <a:br>
-                <a:rPr lang="en-US" sz="1600" b="1" dirty="0" smtClean="0"/>
+                <a:rPr lang="en-US" sz="1600" b="1" dirty="0"/>
               </a:br>
               <a:r>
-                <a:rPr lang="en-US" sz="1600" b="1" dirty="0" smtClean="0"/>
+                <a:rPr lang="en-US" sz="1600" b="1" dirty="0"/>
                 <a:t>Feasibility</a:t>
               </a:r>
-              <a:endParaRPr lang="en-US" sz="1600" b="1" dirty="0"/>
             </a:p>
           </p:txBody>
         </p:sp>
@@ -4555,13 +4501,6 @@
   <p:clrMapOvr>
     <a:masterClrMapping/>
   </p:clrMapOvr>
-  <p:timing>
-    <p:tnLst>
-      <p:par>
-        <p:cTn id="1" dur="indefinite" restart="never" nodeType="tmRoot"/>
-      </p:par>
-    </p:tnLst>
-  </p:timing>
 </p:sld>
 </file>
 
@@ -5054,10 +4993,9 @@
           <a:p>
             <a:pPr algn="ctr"/>
             <a:r>
-              <a:rPr lang="en-US" sz="1200" b="1" dirty="0" smtClean="0"/>
+              <a:rPr lang="en-US" sz="1200" b="1" dirty="0"/>
               <a:t>Hardware</a:t>
             </a:r>
-            <a:endParaRPr lang="en-US" sz="1200" b="1" dirty="0"/>
           </a:p>
         </p:txBody>
       </p:sp>
@@ -5085,10 +5023,9 @@
           <a:p>
             <a:pPr algn="ctr"/>
             <a:r>
-              <a:rPr lang="en-US" sz="1200" b="1" dirty="0" smtClean="0"/>
+              <a:rPr lang="en-US" sz="1200" b="1" dirty="0"/>
               <a:t>Software</a:t>
             </a:r>
-            <a:endParaRPr lang="en-US" sz="1200" b="1" dirty="0"/>
           </a:p>
         </p:txBody>
       </p:sp>
@@ -5116,10 +5053,9 @@
           <a:p>
             <a:pPr algn="ctr"/>
             <a:r>
-              <a:rPr lang="en-US" sz="1200" b="1" dirty="0" smtClean="0"/>
+              <a:rPr lang="en-US" sz="1200" b="1" dirty="0"/>
               <a:t>Storage</a:t>
             </a:r>
-            <a:endParaRPr lang="en-US" sz="1200" b="1" dirty="0"/>
           </a:p>
         </p:txBody>
       </p:sp>
@@ -5147,10 +5083,9 @@
           <a:p>
             <a:pPr algn="ctr"/>
             <a:r>
-              <a:rPr lang="en-US" sz="1200" b="1" dirty="0" smtClean="0"/>
+              <a:rPr lang="en-US" sz="1200" b="1" dirty="0"/>
               <a:t>Services</a:t>
             </a:r>
-            <a:endParaRPr lang="en-US" sz="1200" b="1" dirty="0"/>
           </a:p>
         </p:txBody>
       </p:sp>
@@ -5178,18 +5113,13 @@
           <a:p>
             <a:pPr algn="ctr"/>
             <a:r>
-              <a:rPr lang="en-US" sz="1200" b="1" dirty="0" smtClean="0">
+              <a:rPr lang="en-US" sz="1200" b="1" dirty="0">
                 <a:solidFill>
                   <a:srgbClr val="FF5050"/>
                 </a:solidFill>
               </a:rPr>
               <a:t>Control</a:t>
             </a:r>
-            <a:endParaRPr lang="en-US" sz="1200" b="1" dirty="0">
-              <a:solidFill>
-                <a:srgbClr val="FF5050"/>
-              </a:solidFill>
-            </a:endParaRPr>
           </a:p>
         </p:txBody>
       </p:sp>
@@ -5217,18 +5147,13 @@
           <a:p>
             <a:pPr algn="ctr"/>
             <a:r>
-              <a:rPr lang="en-US" sz="1200" b="1" dirty="0" smtClean="0">
+              <a:rPr lang="en-US" sz="1200" b="1" dirty="0">
                 <a:solidFill>
                   <a:srgbClr val="00B050"/>
                 </a:solidFill>
               </a:rPr>
               <a:t>Technology</a:t>
             </a:r>
-            <a:endParaRPr lang="en-US" sz="1200" b="1" dirty="0">
-              <a:solidFill>
-                <a:srgbClr val="00B050"/>
-              </a:solidFill>
-            </a:endParaRPr>
           </a:p>
         </p:txBody>
       </p:sp>
@@ -5349,17 +5274,16 @@
           <a:p>
             <a:pPr algn="ctr"/>
             <a:r>
-              <a:rPr lang="en-US" sz="1200" b="1" dirty="0" smtClean="0"/>
+              <a:rPr lang="en-US" sz="1200" b="1" dirty="0"/>
               <a:t>Business</a:t>
             </a:r>
             <a:br>
-              <a:rPr lang="en-US" sz="1200" b="1" dirty="0" smtClean="0"/>
+              <a:rPr lang="en-US" sz="1200" b="1" dirty="0"/>
             </a:br>
             <a:r>
-              <a:rPr lang="en-US" sz="1200" b="1" dirty="0" smtClean="0"/>
+              <a:rPr lang="en-US" sz="1200" b="1" dirty="0"/>
               <a:t>Model</a:t>
             </a:r>
-            <a:endParaRPr lang="en-US" sz="1200" b="1" dirty="0"/>
           </a:p>
         </p:txBody>
       </p:sp>
@@ -5387,10 +5311,9 @@
           <a:p>
             <a:pPr algn="ctr"/>
             <a:r>
-              <a:rPr lang="en-US" sz="1200" b="1" dirty="0" smtClean="0"/>
+              <a:rPr lang="en-US" sz="1200" b="1" dirty="0"/>
               <a:t>Compliance</a:t>
             </a:r>
-            <a:endParaRPr lang="en-US" sz="1200" b="1" dirty="0"/>
           </a:p>
         </p:txBody>
       </p:sp>
@@ -5418,10 +5341,9 @@
           <a:p>
             <a:pPr algn="ctr"/>
             <a:r>
-              <a:rPr lang="en-US" sz="1200" b="1" dirty="0" smtClean="0"/>
+              <a:rPr lang="en-US" sz="1200" b="1" dirty="0"/>
               <a:t>Risk</a:t>
             </a:r>
-            <a:endParaRPr lang="en-US" sz="1200" b="1" dirty="0"/>
           </a:p>
         </p:txBody>
       </p:sp>
@@ -5449,7 +5371,7 @@
           <a:p>
             <a:pPr algn="ctr"/>
             <a:r>
-              <a:rPr lang="en-US" sz="1200" b="1" dirty="0" smtClean="0">
+              <a:rPr lang="en-US" sz="1200" b="1" dirty="0">
                 <a:solidFill>
                   <a:srgbClr val="00B0F0"/>
                 </a:solidFill>
@@ -5457,7 +5379,7 @@
               <a:t>I n f o r m a t </a:t>
             </a:r>
             <a:r>
-              <a:rPr lang="en-US" sz="1200" b="1" dirty="0" err="1" smtClean="0">
+              <a:rPr lang="en-US" sz="1200" b="1" dirty="0" err="1">
                 <a:solidFill>
                   <a:srgbClr val="00B0F0"/>
                 </a:solidFill>
@@ -5465,18 +5387,13 @@
               <a:t>i</a:t>
             </a:r>
             <a:r>
-              <a:rPr lang="en-US" sz="1200" b="1" dirty="0" smtClean="0">
+              <a:rPr lang="en-US" sz="1200" b="1" dirty="0">
                 <a:solidFill>
                   <a:srgbClr val="00B0F0"/>
                 </a:solidFill>
               </a:rPr>
               <a:t> o n</a:t>
             </a:r>
-            <a:endParaRPr lang="en-US" sz="1200" b="1" dirty="0">
-              <a:solidFill>
-                <a:srgbClr val="00B0F0"/>
-              </a:solidFill>
-            </a:endParaRPr>
           </a:p>
         </p:txBody>
       </p:sp>
@@ -5596,10 +5513,9 @@
           <a:p>
             <a:pPr algn="ctr"/>
             <a:r>
-              <a:rPr lang="en-US" sz="1200" b="1" dirty="0" smtClean="0"/>
+              <a:rPr lang="en-US" sz="1200" b="1" dirty="0"/>
               <a:t>Use</a:t>
             </a:r>
-            <a:endParaRPr lang="en-US" sz="1200" b="1" dirty="0"/>
           </a:p>
         </p:txBody>
       </p:sp>
@@ -5627,10 +5543,9 @@
           <a:p>
             <a:pPr algn="ctr"/>
             <a:r>
-              <a:rPr lang="en-US" sz="1200" b="1" dirty="0" smtClean="0"/>
+              <a:rPr lang="en-US" sz="1200" b="1" dirty="0"/>
               <a:t>Maintenance</a:t>
             </a:r>
-            <a:endParaRPr lang="en-US" sz="1200" b="1" dirty="0"/>
           </a:p>
         </p:txBody>
       </p:sp>
@@ -5658,10 +5573,9 @@
           <a:p>
             <a:pPr algn="ctr"/>
             <a:r>
-              <a:rPr lang="en-US" sz="1200" b="1" dirty="0" smtClean="0"/>
+              <a:rPr lang="en-US" sz="1200" b="1" dirty="0"/>
               <a:t>Creation</a:t>
             </a:r>
-            <a:endParaRPr lang="en-US" sz="1200" b="1" dirty="0"/>
           </a:p>
         </p:txBody>
       </p:sp>
@@ -5891,10 +5805,9 @@
           <a:p>
             <a:pPr algn="ctr"/>
             <a:r>
-              <a:rPr lang="en-US" sz="1200" b="1" dirty="0" smtClean="0"/>
+              <a:rPr lang="en-US" sz="1200" b="1" dirty="0"/>
               <a:t>Security</a:t>
             </a:r>
-            <a:endParaRPr lang="en-US" sz="1200" b="1" dirty="0"/>
           </a:p>
         </p:txBody>
       </p:sp>
@@ -5922,10 +5835,9 @@
           <a:p>
             <a:pPr algn="ctr"/>
             <a:r>
-              <a:rPr lang="en-US" sz="1200" b="1" dirty="0" smtClean="0"/>
+              <a:rPr lang="en-US" sz="1200" b="1" dirty="0"/>
               <a:t>Availability</a:t>
             </a:r>
-            <a:endParaRPr lang="en-US" sz="1200" b="1" dirty="0"/>
           </a:p>
         </p:txBody>
       </p:sp>
@@ -5953,17 +5865,16 @@
           <a:p>
             <a:pPr algn="ctr"/>
             <a:r>
-              <a:rPr lang="en-US" sz="1200" b="1" dirty="0" smtClean="0"/>
+              <a:rPr lang="en-US" sz="1200" b="1" dirty="0"/>
               <a:t>Processing</a:t>
             </a:r>
             <a:br>
-              <a:rPr lang="en-US" sz="1200" b="1" dirty="0" smtClean="0"/>
+              <a:rPr lang="en-US" sz="1200" b="1" dirty="0"/>
             </a:br>
             <a:r>
-              <a:rPr lang="en-US" sz="1200" b="1" dirty="0" smtClean="0"/>
+              <a:rPr lang="en-US" sz="1200" b="1" dirty="0"/>
               <a:t>Integrity</a:t>
             </a:r>
-            <a:endParaRPr lang="en-US" sz="1200" b="1" dirty="0"/>
           </a:p>
         </p:txBody>
       </p:sp>
@@ -5991,10 +5902,9 @@
           <a:p>
             <a:pPr algn="ctr"/>
             <a:r>
-              <a:rPr lang="en-US" sz="1200" b="1" dirty="0" smtClean="0"/>
+              <a:rPr lang="en-US" sz="1200" b="1" dirty="0"/>
               <a:t>Confidentiality</a:t>
             </a:r>
-            <a:endParaRPr lang="en-US" sz="1200" b="1" dirty="0"/>
           </a:p>
         </p:txBody>
       </p:sp>
@@ -6022,7 +5932,7 @@
           <a:p>
             <a:pPr algn="ctr"/>
             <a:r>
-              <a:rPr lang="en-US" sz="1200" b="1" dirty="0" smtClean="0">
+              <a:rPr lang="en-US" sz="1200" b="1" dirty="0">
                 <a:solidFill>
                   <a:schemeClr val="bg1">
                     <a:lumMod val="65000"/>
@@ -6031,13 +5941,6 @@
               </a:rPr>
               <a:t>E n v I r o n m e n t</a:t>
             </a:r>
-            <a:endParaRPr lang="en-US" sz="1200" b="1" dirty="0">
-              <a:solidFill>
-                <a:schemeClr val="bg1">
-                  <a:lumMod val="65000"/>
-                </a:schemeClr>
-              </a:solidFill>
-            </a:endParaRPr>
           </a:p>
         </p:txBody>
       </p:sp>
@@ -6543,10 +6446,9 @@
               <a:p>
                 <a:pPr algn="ctr"/>
                 <a:r>
-                  <a:rPr lang="en-US" sz="1200" b="1" dirty="0" smtClean="0"/>
+                  <a:rPr lang="en-US" sz="1200" b="1" dirty="0"/>
                   <a:t>Hardware</a:t>
                 </a:r>
-                <a:endParaRPr lang="en-US" sz="1200" b="1" dirty="0"/>
               </a:p>
             </p:txBody>
           </p:sp>
@@ -6574,10 +6476,9 @@
               <a:p>
                 <a:pPr algn="ctr"/>
                 <a:r>
-                  <a:rPr lang="en-US" sz="1200" b="1" dirty="0" smtClean="0"/>
+                  <a:rPr lang="en-US" sz="1200" b="1" dirty="0"/>
                   <a:t>Software</a:t>
                 </a:r>
-                <a:endParaRPr lang="en-US" sz="1200" b="1" dirty="0"/>
               </a:p>
             </p:txBody>
           </p:sp>
@@ -6605,10 +6506,9 @@
               <a:p>
                 <a:pPr algn="ctr"/>
                 <a:r>
-                  <a:rPr lang="en-US" sz="1200" b="1" dirty="0" smtClean="0"/>
+                  <a:rPr lang="en-US" sz="1200" b="1" dirty="0"/>
                   <a:t>Storage</a:t>
                 </a:r>
-                <a:endParaRPr lang="en-US" sz="1200" b="1" dirty="0"/>
               </a:p>
             </p:txBody>
           </p:sp>
@@ -6636,10 +6536,9 @@
               <a:p>
                 <a:pPr algn="ctr"/>
                 <a:r>
-                  <a:rPr lang="en-US" sz="1200" b="1" dirty="0" smtClean="0"/>
+                  <a:rPr lang="en-US" sz="1200" b="1" dirty="0"/>
                   <a:t>Services</a:t>
                 </a:r>
-                <a:endParaRPr lang="en-US" sz="1200" b="1" dirty="0"/>
               </a:p>
             </p:txBody>
           </p:sp>
@@ -6667,10 +6566,9 @@
               <a:p>
                 <a:pPr algn="ctr"/>
                 <a:r>
-                  <a:rPr lang="en-US" sz="1200" b="1" dirty="0" smtClean="0"/>
+                  <a:rPr lang="en-US" sz="1200" b="1" dirty="0"/>
                   <a:t>Control</a:t>
                 </a:r>
-                <a:endParaRPr lang="en-US" sz="1200" b="1" dirty="0"/>
               </a:p>
             </p:txBody>
           </p:sp>
@@ -6698,10 +6596,9 @@
               <a:p>
                 <a:pPr algn="ctr"/>
                 <a:r>
-                  <a:rPr lang="en-US" sz="1200" b="1" dirty="0" smtClean="0"/>
+                  <a:rPr lang="en-US" sz="1200" b="1" dirty="0"/>
                   <a:t>Technology</a:t>
                 </a:r>
-                <a:endParaRPr lang="en-US" sz="1200" b="1" dirty="0"/>
               </a:p>
             </p:txBody>
           </p:sp>
@@ -6830,17 +6727,16 @@
               <a:p>
                 <a:pPr algn="ctr"/>
                 <a:r>
-                  <a:rPr lang="en-US" sz="1200" b="1" dirty="0" smtClean="0"/>
+                  <a:rPr lang="en-US" sz="1200" b="1" dirty="0"/>
                   <a:t>Business</a:t>
                 </a:r>
                 <a:br>
-                  <a:rPr lang="en-US" sz="1200" b="1" dirty="0" smtClean="0"/>
+                  <a:rPr lang="en-US" sz="1200" b="1" dirty="0"/>
                 </a:br>
                 <a:r>
-                  <a:rPr lang="en-US" sz="1200" b="1" dirty="0" smtClean="0"/>
+                  <a:rPr lang="en-US" sz="1200" b="1" dirty="0"/>
                   <a:t>Model</a:t>
                 </a:r>
-                <a:endParaRPr lang="en-US" sz="1200" b="1" dirty="0"/>
               </a:p>
             </p:txBody>
           </p:sp>
@@ -6868,10 +6764,9 @@
               <a:p>
                 <a:pPr algn="ctr"/>
                 <a:r>
-                  <a:rPr lang="en-US" sz="1200" b="1" dirty="0" smtClean="0"/>
+                  <a:rPr lang="en-US" sz="1200" b="1" dirty="0"/>
                   <a:t>Compliance</a:t>
                 </a:r>
-                <a:endParaRPr lang="en-US" sz="1200" b="1" dirty="0"/>
               </a:p>
             </p:txBody>
           </p:sp>
@@ -6899,10 +6794,9 @@
               <a:p>
                 <a:pPr algn="ctr"/>
                 <a:r>
-                  <a:rPr lang="en-US" sz="1200" b="1" dirty="0" smtClean="0"/>
+                  <a:rPr lang="en-US" sz="1200" b="1" dirty="0"/>
                   <a:t>Risk</a:t>
                 </a:r>
-                <a:endParaRPr lang="en-US" sz="1200" b="1" dirty="0"/>
               </a:p>
             </p:txBody>
           </p:sp>
@@ -6930,18 +6824,17 @@
               <a:p>
                 <a:pPr algn="ctr"/>
                 <a:r>
-                  <a:rPr lang="en-US" sz="1200" b="1" dirty="0" smtClean="0"/>
+                  <a:rPr lang="en-US" sz="1200" b="1" dirty="0"/>
                   <a:t>I n f o r m a t </a:t>
                 </a:r>
                 <a:r>
-                  <a:rPr lang="en-US" sz="1200" b="1" dirty="0" err="1" smtClean="0"/>
+                  <a:rPr lang="en-US" sz="1200" b="1" dirty="0" err="1"/>
                   <a:t>i</a:t>
                 </a:r>
                 <a:r>
-                  <a:rPr lang="en-US" sz="1200" b="1" dirty="0" smtClean="0"/>
+                  <a:rPr lang="en-US" sz="1200" b="1" dirty="0"/>
                   <a:t> o n</a:t>
                 </a:r>
-                <a:endParaRPr lang="en-US" sz="1200" b="1" dirty="0"/>
               </a:p>
             </p:txBody>
           </p:sp>
@@ -7069,10 +6962,9 @@
               <a:p>
                 <a:pPr algn="ctr"/>
                 <a:r>
-                  <a:rPr lang="en-US" sz="1200" b="1" dirty="0" smtClean="0"/>
+                  <a:rPr lang="en-US" sz="1200" b="1" dirty="0"/>
                   <a:t>Use</a:t>
                 </a:r>
-                <a:endParaRPr lang="en-US" sz="1200" b="1" dirty="0"/>
               </a:p>
             </p:txBody>
           </p:sp>
@@ -7100,10 +6992,9 @@
               <a:p>
                 <a:pPr algn="ctr"/>
                 <a:r>
-                  <a:rPr lang="en-US" sz="1200" b="1" dirty="0" smtClean="0"/>
+                  <a:rPr lang="en-US" sz="1200" b="1" dirty="0"/>
                   <a:t>Maintenance</a:t>
                 </a:r>
-                <a:endParaRPr lang="en-US" sz="1200" b="1" dirty="0"/>
               </a:p>
             </p:txBody>
           </p:sp>
@@ -7131,10 +7022,9 @@
               <a:p>
                 <a:pPr algn="ctr"/>
                 <a:r>
-                  <a:rPr lang="en-US" sz="1200" b="1" dirty="0" smtClean="0"/>
+                  <a:rPr lang="en-US" sz="1200" b="1" dirty="0"/>
                   <a:t>Creation</a:t>
                 </a:r>
-                <a:endParaRPr lang="en-US" sz="1200" b="1" dirty="0"/>
               </a:p>
             </p:txBody>
           </p:sp>
@@ -7384,10 +7274,9 @@
               <a:p>
                 <a:pPr algn="ctr"/>
                 <a:r>
-                  <a:rPr lang="en-US" sz="1200" b="1" dirty="0" smtClean="0"/>
+                  <a:rPr lang="en-US" sz="1200" b="1" dirty="0"/>
                   <a:t>Security</a:t>
                 </a:r>
-                <a:endParaRPr lang="en-US" sz="1200" b="1" dirty="0"/>
               </a:p>
             </p:txBody>
           </p:sp>
@@ -7415,10 +7304,9 @@
               <a:p>
                 <a:pPr algn="ctr"/>
                 <a:r>
-                  <a:rPr lang="en-US" sz="1200" b="1" dirty="0" smtClean="0"/>
+                  <a:rPr lang="en-US" sz="1200" b="1" dirty="0"/>
                   <a:t>Availability</a:t>
                 </a:r>
-                <a:endParaRPr lang="en-US" sz="1200" b="1" dirty="0"/>
               </a:p>
             </p:txBody>
           </p:sp>
@@ -7446,17 +7334,16 @@
               <a:p>
                 <a:pPr algn="ctr"/>
                 <a:r>
-                  <a:rPr lang="en-US" sz="1200" b="1" dirty="0" smtClean="0"/>
+                  <a:rPr lang="en-US" sz="1200" b="1" dirty="0"/>
                   <a:t>Processing</a:t>
                 </a:r>
                 <a:br>
-                  <a:rPr lang="en-US" sz="1200" b="1" dirty="0" smtClean="0"/>
+                  <a:rPr lang="en-US" sz="1200" b="1" dirty="0"/>
                 </a:br>
                 <a:r>
-                  <a:rPr lang="en-US" sz="1200" b="1" dirty="0" smtClean="0"/>
+                  <a:rPr lang="en-US" sz="1200" b="1" dirty="0"/>
                   <a:t>Integrity</a:t>
                 </a:r>
-                <a:endParaRPr lang="en-US" sz="1200" b="1" dirty="0"/>
               </a:p>
             </p:txBody>
           </p:sp>
@@ -7484,10 +7371,9 @@
               <a:p>
                 <a:pPr algn="ctr"/>
                 <a:r>
-                  <a:rPr lang="en-US" sz="1200" b="1" dirty="0" smtClean="0"/>
+                  <a:rPr lang="en-US" sz="1200" b="1" dirty="0"/>
                   <a:t>Confidentiality</a:t>
                 </a:r>
-                <a:endParaRPr lang="en-US" sz="1200" b="1" dirty="0"/>
               </a:p>
             </p:txBody>
           </p:sp>
@@ -7515,10 +7401,9 @@
               <a:p>
                 <a:pPr algn="ctr"/>
                 <a:r>
-                  <a:rPr lang="en-US" sz="1200" b="1" dirty="0" smtClean="0"/>
+                  <a:rPr lang="en-US" sz="1200" b="1" dirty="0"/>
                   <a:t>E n v I r o n m e n t</a:t>
                 </a:r>
-                <a:endParaRPr lang="en-US" sz="1200" b="1" dirty="0"/>
               </a:p>
             </p:txBody>
           </p:sp>
@@ -8026,10 +7911,9 @@
               <a:p>
                 <a:pPr algn="ctr"/>
                 <a:r>
-                  <a:rPr lang="en-US" sz="1200" b="1" dirty="0" smtClean="0"/>
+                  <a:rPr lang="en-US" sz="1200" b="1" dirty="0"/>
                   <a:t>Hardware</a:t>
                 </a:r>
-                <a:endParaRPr lang="en-US" sz="1200" b="1" dirty="0"/>
               </a:p>
             </p:txBody>
           </p:sp>
@@ -8057,10 +7941,9 @@
               <a:p>
                 <a:pPr algn="ctr"/>
                 <a:r>
-                  <a:rPr lang="en-US" sz="1200" b="1" dirty="0" smtClean="0"/>
+                  <a:rPr lang="en-US" sz="1200" b="1" dirty="0"/>
                   <a:t>Software</a:t>
                 </a:r>
-                <a:endParaRPr lang="en-US" sz="1200" b="1" dirty="0"/>
               </a:p>
             </p:txBody>
           </p:sp>
@@ -8088,10 +7971,9 @@
               <a:p>
                 <a:pPr algn="ctr"/>
                 <a:r>
-                  <a:rPr lang="en-US" sz="1200" b="1" dirty="0" smtClean="0"/>
+                  <a:rPr lang="en-US" sz="1200" b="1" dirty="0"/>
                   <a:t>Storage</a:t>
                 </a:r>
-                <a:endParaRPr lang="en-US" sz="1200" b="1" dirty="0"/>
               </a:p>
             </p:txBody>
           </p:sp>
@@ -8119,10 +8001,9 @@
               <a:p>
                 <a:pPr algn="ctr"/>
                 <a:r>
-                  <a:rPr lang="en-US" sz="1200" b="1" dirty="0" smtClean="0"/>
+                  <a:rPr lang="en-US" sz="1200" b="1" dirty="0"/>
                   <a:t>Services</a:t>
                 </a:r>
-                <a:endParaRPr lang="en-US" sz="1200" b="1" dirty="0"/>
               </a:p>
             </p:txBody>
           </p:sp>
@@ -8150,10 +8031,9 @@
               <a:p>
                 <a:pPr algn="ctr"/>
                 <a:r>
-                  <a:rPr lang="en-US" sz="1200" b="1" dirty="0" smtClean="0"/>
+                  <a:rPr lang="en-US" sz="1200" b="1" dirty="0"/>
                   <a:t>Control</a:t>
                 </a:r>
-                <a:endParaRPr lang="en-US" sz="1200" b="1" dirty="0"/>
               </a:p>
             </p:txBody>
           </p:sp>
@@ -8181,10 +8061,9 @@
               <a:p>
                 <a:pPr algn="ctr"/>
                 <a:r>
-                  <a:rPr lang="en-US" sz="1200" b="1" dirty="0" smtClean="0"/>
+                  <a:rPr lang="en-US" sz="1200" b="1" dirty="0"/>
                   <a:t>Technology</a:t>
                 </a:r>
-                <a:endParaRPr lang="en-US" sz="1200" b="1" dirty="0"/>
               </a:p>
             </p:txBody>
           </p:sp>
@@ -8313,17 +8192,16 @@
               <a:p>
                 <a:pPr algn="ctr"/>
                 <a:r>
-                  <a:rPr lang="en-US" sz="1200" b="1" dirty="0" smtClean="0"/>
+                  <a:rPr lang="en-US" sz="1200" b="1" dirty="0"/>
                   <a:t>Business</a:t>
                 </a:r>
                 <a:br>
-                  <a:rPr lang="en-US" sz="1200" b="1" dirty="0" smtClean="0"/>
+                  <a:rPr lang="en-US" sz="1200" b="1" dirty="0"/>
                 </a:br>
                 <a:r>
-                  <a:rPr lang="en-US" sz="1200" b="1" dirty="0" smtClean="0"/>
+                  <a:rPr lang="en-US" sz="1200" b="1" dirty="0"/>
                   <a:t>Model</a:t>
                 </a:r>
-                <a:endParaRPr lang="en-US" sz="1200" b="1" dirty="0"/>
               </a:p>
             </p:txBody>
           </p:sp>
@@ -8351,10 +8229,9 @@
               <a:p>
                 <a:pPr algn="ctr"/>
                 <a:r>
-                  <a:rPr lang="en-US" sz="1200" b="1" dirty="0" smtClean="0"/>
+                  <a:rPr lang="en-US" sz="1200" b="1" dirty="0"/>
                   <a:t>Compliance</a:t>
                 </a:r>
-                <a:endParaRPr lang="en-US" sz="1200" b="1" dirty="0"/>
               </a:p>
             </p:txBody>
           </p:sp>
@@ -8382,10 +8259,9 @@
               <a:p>
                 <a:pPr algn="ctr"/>
                 <a:r>
-                  <a:rPr lang="en-US" sz="1200" b="1" dirty="0" smtClean="0"/>
+                  <a:rPr lang="en-US" sz="1200" b="1" dirty="0"/>
                   <a:t>Risk</a:t>
                 </a:r>
-                <a:endParaRPr lang="en-US" sz="1200" b="1" dirty="0"/>
               </a:p>
             </p:txBody>
           </p:sp>
@@ -8413,18 +8289,17 @@
               <a:p>
                 <a:pPr algn="ctr"/>
                 <a:r>
-                  <a:rPr lang="en-US" sz="1200" b="1" dirty="0" smtClean="0"/>
+                  <a:rPr lang="en-US" sz="1200" b="1" dirty="0"/>
                   <a:t>I n f o r m a t </a:t>
                 </a:r>
                 <a:r>
-                  <a:rPr lang="en-US" sz="1200" b="1" dirty="0" err="1" smtClean="0"/>
+                  <a:rPr lang="en-US" sz="1200" b="1" dirty="0" err="1"/>
                   <a:t>i</a:t>
                 </a:r>
                 <a:r>
-                  <a:rPr lang="en-US" sz="1200" b="1" dirty="0" smtClean="0"/>
+                  <a:rPr lang="en-US" sz="1200" b="1" dirty="0"/>
                   <a:t> o n</a:t>
                 </a:r>
-                <a:endParaRPr lang="en-US" sz="1200" b="1" dirty="0"/>
               </a:p>
             </p:txBody>
           </p:sp>
@@ -8552,10 +8427,9 @@
               <a:p>
                 <a:pPr algn="ctr"/>
                 <a:r>
-                  <a:rPr lang="en-US" sz="1200" b="1" dirty="0" smtClean="0"/>
+                  <a:rPr lang="en-US" sz="1200" b="1" dirty="0"/>
                   <a:t>Use</a:t>
                 </a:r>
-                <a:endParaRPr lang="en-US" sz="1200" b="1" dirty="0"/>
               </a:p>
             </p:txBody>
           </p:sp>
@@ -8583,10 +8457,9 @@
               <a:p>
                 <a:pPr algn="ctr"/>
                 <a:r>
-                  <a:rPr lang="en-US" sz="1200" b="1" dirty="0" smtClean="0"/>
+                  <a:rPr lang="en-US" sz="1200" b="1" dirty="0"/>
                   <a:t>Maintenance</a:t>
                 </a:r>
-                <a:endParaRPr lang="en-US" sz="1200" b="1" dirty="0"/>
               </a:p>
             </p:txBody>
           </p:sp>
@@ -8614,10 +8487,9 @@
               <a:p>
                 <a:pPr algn="ctr"/>
                 <a:r>
-                  <a:rPr lang="en-US" sz="1200" b="1" dirty="0" smtClean="0"/>
+                  <a:rPr lang="en-US" sz="1200" b="1" dirty="0"/>
                   <a:t>Creation</a:t>
                 </a:r>
-                <a:endParaRPr lang="en-US" sz="1200" b="1" dirty="0"/>
               </a:p>
             </p:txBody>
           </p:sp>
@@ -8867,10 +8739,9 @@
               <a:p>
                 <a:pPr algn="ctr"/>
                 <a:r>
-                  <a:rPr lang="en-US" sz="1200" b="1" dirty="0" smtClean="0"/>
+                  <a:rPr lang="en-US" sz="1200" b="1" dirty="0"/>
                   <a:t>Security</a:t>
                 </a:r>
-                <a:endParaRPr lang="en-US" sz="1200" b="1" dirty="0"/>
               </a:p>
             </p:txBody>
           </p:sp>
@@ -8898,10 +8769,9 @@
               <a:p>
                 <a:pPr algn="ctr"/>
                 <a:r>
-                  <a:rPr lang="en-US" sz="1200" b="1" dirty="0" smtClean="0"/>
+                  <a:rPr lang="en-US" sz="1200" b="1" dirty="0"/>
                   <a:t>Availability</a:t>
                 </a:r>
-                <a:endParaRPr lang="en-US" sz="1200" b="1" dirty="0"/>
               </a:p>
             </p:txBody>
           </p:sp>
@@ -8929,17 +8799,16 @@
               <a:p>
                 <a:pPr algn="ctr"/>
                 <a:r>
-                  <a:rPr lang="en-US" sz="1200" b="1" dirty="0" smtClean="0"/>
+                  <a:rPr lang="en-US" sz="1200" b="1" dirty="0"/>
                   <a:t>Processing</a:t>
                 </a:r>
                 <a:br>
-                  <a:rPr lang="en-US" sz="1200" b="1" dirty="0" smtClean="0"/>
+                  <a:rPr lang="en-US" sz="1200" b="1" dirty="0"/>
                 </a:br>
                 <a:r>
-                  <a:rPr lang="en-US" sz="1200" b="1" dirty="0" smtClean="0"/>
+                  <a:rPr lang="en-US" sz="1200" b="1" dirty="0"/>
                   <a:t>Integrity</a:t>
                 </a:r>
-                <a:endParaRPr lang="en-US" sz="1200" b="1" dirty="0"/>
               </a:p>
             </p:txBody>
           </p:sp>
@@ -8967,10 +8836,9 @@
               <a:p>
                 <a:pPr algn="ctr"/>
                 <a:r>
-                  <a:rPr lang="en-US" sz="1200" b="1" dirty="0" smtClean="0"/>
+                  <a:rPr lang="en-US" sz="1200" b="1" dirty="0"/>
                   <a:t>Confidentiality</a:t>
                 </a:r>
-                <a:endParaRPr lang="en-US" sz="1200" b="1" dirty="0"/>
               </a:p>
             </p:txBody>
           </p:sp>
@@ -8998,10 +8866,9 @@
               <a:p>
                 <a:pPr algn="ctr"/>
                 <a:r>
-                  <a:rPr lang="en-US" sz="1200" b="1" dirty="0" smtClean="0"/>
+                  <a:rPr lang="en-US" sz="1200" b="1" dirty="0"/>
                   <a:t>E n v I r o n m e n t</a:t>
                 </a:r>
-                <a:endParaRPr lang="en-US" sz="1200" b="1" dirty="0"/>
               </a:p>
             </p:txBody>
           </p:sp>
@@ -9509,10 +9376,9 @@
               <a:p>
                 <a:pPr algn="ctr"/>
                 <a:r>
-                  <a:rPr lang="en-US" sz="1200" b="1" dirty="0" smtClean="0"/>
+                  <a:rPr lang="en-US" sz="1200" b="1" dirty="0"/>
                   <a:t>Hardware</a:t>
                 </a:r>
-                <a:endParaRPr lang="en-US" sz="1200" b="1" dirty="0"/>
               </a:p>
             </p:txBody>
           </p:sp>
@@ -9540,10 +9406,9 @@
               <a:p>
                 <a:pPr algn="ctr"/>
                 <a:r>
-                  <a:rPr lang="en-US" sz="1200" b="1" dirty="0" smtClean="0"/>
+                  <a:rPr lang="en-US" sz="1200" b="1" dirty="0"/>
                   <a:t>Software</a:t>
                 </a:r>
-                <a:endParaRPr lang="en-US" sz="1200" b="1" dirty="0"/>
               </a:p>
             </p:txBody>
           </p:sp>
@@ -9571,10 +9436,9 @@
               <a:p>
                 <a:pPr algn="ctr"/>
                 <a:r>
-                  <a:rPr lang="en-US" sz="1200" b="1" dirty="0" smtClean="0"/>
+                  <a:rPr lang="en-US" sz="1200" b="1" dirty="0"/>
                   <a:t>Storage</a:t>
                 </a:r>
-                <a:endParaRPr lang="en-US" sz="1200" b="1" dirty="0"/>
               </a:p>
             </p:txBody>
           </p:sp>
@@ -9602,10 +9466,9 @@
               <a:p>
                 <a:pPr algn="ctr"/>
                 <a:r>
-                  <a:rPr lang="en-US" sz="1200" b="1" dirty="0" smtClean="0"/>
+                  <a:rPr lang="en-US" sz="1200" b="1" dirty="0"/>
                   <a:t>Services</a:t>
                 </a:r>
-                <a:endParaRPr lang="en-US" sz="1200" b="1" dirty="0"/>
               </a:p>
             </p:txBody>
           </p:sp>
@@ -9633,10 +9496,9 @@
               <a:p>
                 <a:pPr algn="ctr"/>
                 <a:r>
-                  <a:rPr lang="en-US" sz="1200" b="1" dirty="0" smtClean="0"/>
+                  <a:rPr lang="en-US" sz="1200" b="1" dirty="0"/>
                   <a:t>Control</a:t>
                 </a:r>
-                <a:endParaRPr lang="en-US" sz="1200" b="1" dirty="0"/>
               </a:p>
             </p:txBody>
           </p:sp>
@@ -9664,10 +9526,9 @@
               <a:p>
                 <a:pPr algn="ctr"/>
                 <a:r>
-                  <a:rPr lang="en-US" sz="1200" b="1" dirty="0" smtClean="0"/>
+                  <a:rPr lang="en-US" sz="1200" b="1" dirty="0"/>
                   <a:t>Technology</a:t>
                 </a:r>
-                <a:endParaRPr lang="en-US" sz="1200" b="1" dirty="0"/>
               </a:p>
             </p:txBody>
           </p:sp>
@@ -9796,17 +9657,16 @@
               <a:p>
                 <a:pPr algn="ctr"/>
                 <a:r>
-                  <a:rPr lang="en-US" sz="1200" b="1" dirty="0" smtClean="0"/>
+                  <a:rPr lang="en-US" sz="1200" b="1" dirty="0"/>
                   <a:t>Business</a:t>
                 </a:r>
                 <a:br>
-                  <a:rPr lang="en-US" sz="1200" b="1" dirty="0" smtClean="0"/>
+                  <a:rPr lang="en-US" sz="1200" b="1" dirty="0"/>
                 </a:br>
                 <a:r>
-                  <a:rPr lang="en-US" sz="1200" b="1" dirty="0" smtClean="0"/>
+                  <a:rPr lang="en-US" sz="1200" b="1" dirty="0"/>
                   <a:t>Model</a:t>
                 </a:r>
-                <a:endParaRPr lang="en-US" sz="1200" b="1" dirty="0"/>
               </a:p>
             </p:txBody>
           </p:sp>
@@ -9834,10 +9694,9 @@
               <a:p>
                 <a:pPr algn="ctr"/>
                 <a:r>
-                  <a:rPr lang="en-US" sz="1200" b="1" dirty="0" smtClean="0"/>
+                  <a:rPr lang="en-US" sz="1200" b="1" dirty="0"/>
                   <a:t>Compliance</a:t>
                 </a:r>
-                <a:endParaRPr lang="en-US" sz="1200" b="1" dirty="0"/>
               </a:p>
             </p:txBody>
           </p:sp>
@@ -9865,10 +9724,9 @@
               <a:p>
                 <a:pPr algn="ctr"/>
                 <a:r>
-                  <a:rPr lang="en-US" sz="1200" b="1" dirty="0" smtClean="0"/>
+                  <a:rPr lang="en-US" sz="1200" b="1" dirty="0"/>
                   <a:t>Risk</a:t>
                 </a:r>
-                <a:endParaRPr lang="en-US" sz="1200" b="1" dirty="0"/>
               </a:p>
             </p:txBody>
           </p:sp>
@@ -9896,18 +9754,17 @@
               <a:p>
                 <a:pPr algn="ctr"/>
                 <a:r>
-                  <a:rPr lang="en-US" sz="1200" b="1" dirty="0" smtClean="0"/>
+                  <a:rPr lang="en-US" sz="1200" b="1" dirty="0"/>
                   <a:t>I n f o r m a t </a:t>
                 </a:r>
                 <a:r>
-                  <a:rPr lang="en-US" sz="1200" b="1" dirty="0" err="1" smtClean="0"/>
+                  <a:rPr lang="en-US" sz="1200" b="1" dirty="0" err="1"/>
                   <a:t>i</a:t>
                 </a:r>
                 <a:r>
-                  <a:rPr lang="en-US" sz="1200" b="1" dirty="0" smtClean="0"/>
+                  <a:rPr lang="en-US" sz="1200" b="1" dirty="0"/>
                   <a:t> o n</a:t>
                 </a:r>
-                <a:endParaRPr lang="en-US" sz="1200" b="1" dirty="0"/>
               </a:p>
             </p:txBody>
           </p:sp>
@@ -10035,10 +9892,9 @@
               <a:p>
                 <a:pPr algn="ctr"/>
                 <a:r>
-                  <a:rPr lang="en-US" sz="1200" b="1" dirty="0" smtClean="0"/>
+                  <a:rPr lang="en-US" sz="1200" b="1" dirty="0"/>
                   <a:t>Use</a:t>
                 </a:r>
-                <a:endParaRPr lang="en-US" sz="1200" b="1" dirty="0"/>
               </a:p>
             </p:txBody>
           </p:sp>
@@ -10066,10 +9922,9 @@
               <a:p>
                 <a:pPr algn="ctr"/>
                 <a:r>
-                  <a:rPr lang="en-US" sz="1200" b="1" dirty="0" smtClean="0"/>
+                  <a:rPr lang="en-US" sz="1200" b="1" dirty="0"/>
                   <a:t>Maintenance</a:t>
                 </a:r>
-                <a:endParaRPr lang="en-US" sz="1200" b="1" dirty="0"/>
               </a:p>
             </p:txBody>
           </p:sp>
@@ -10097,10 +9952,9 @@
               <a:p>
                 <a:pPr algn="ctr"/>
                 <a:r>
-                  <a:rPr lang="en-US" sz="1200" b="1" dirty="0" smtClean="0"/>
+                  <a:rPr lang="en-US" sz="1200" b="1" dirty="0"/>
                   <a:t>Creation</a:t>
                 </a:r>
-                <a:endParaRPr lang="en-US" sz="1200" b="1" dirty="0"/>
               </a:p>
             </p:txBody>
           </p:sp>
@@ -10350,10 +10204,9 @@
               <a:p>
                 <a:pPr algn="ctr"/>
                 <a:r>
-                  <a:rPr lang="en-US" sz="1200" b="1" dirty="0" smtClean="0"/>
+                  <a:rPr lang="en-US" sz="1200" b="1" dirty="0"/>
                   <a:t>Security</a:t>
                 </a:r>
-                <a:endParaRPr lang="en-US" sz="1200" b="1" dirty="0"/>
               </a:p>
             </p:txBody>
           </p:sp>
@@ -10381,10 +10234,9 @@
               <a:p>
                 <a:pPr algn="ctr"/>
                 <a:r>
-                  <a:rPr lang="en-US" sz="1200" b="1" dirty="0" smtClean="0"/>
+                  <a:rPr lang="en-US" sz="1200" b="1" dirty="0"/>
                   <a:t>Availability</a:t>
                 </a:r>
-                <a:endParaRPr lang="en-US" sz="1200" b="1" dirty="0"/>
               </a:p>
             </p:txBody>
           </p:sp>
@@ -10412,17 +10264,16 @@
               <a:p>
                 <a:pPr algn="ctr"/>
                 <a:r>
-                  <a:rPr lang="en-US" sz="1200" b="1" dirty="0" smtClean="0"/>
+                  <a:rPr lang="en-US" sz="1200" b="1" dirty="0"/>
                   <a:t>Processing</a:t>
                 </a:r>
                 <a:br>
-                  <a:rPr lang="en-US" sz="1200" b="1" dirty="0" smtClean="0"/>
+                  <a:rPr lang="en-US" sz="1200" b="1" dirty="0"/>
                 </a:br>
                 <a:r>
-                  <a:rPr lang="en-US" sz="1200" b="1" dirty="0" smtClean="0"/>
+                  <a:rPr lang="en-US" sz="1200" b="1" dirty="0"/>
                   <a:t>Integrity</a:t>
                 </a:r>
-                <a:endParaRPr lang="en-US" sz="1200" b="1" dirty="0"/>
               </a:p>
             </p:txBody>
           </p:sp>
@@ -10450,10 +10301,9 @@
               <a:p>
                 <a:pPr algn="ctr"/>
                 <a:r>
-                  <a:rPr lang="en-US" sz="1200" b="1" dirty="0" smtClean="0"/>
+                  <a:rPr lang="en-US" sz="1200" b="1" dirty="0"/>
                   <a:t>Confidentiality</a:t>
                 </a:r>
-                <a:endParaRPr lang="en-US" sz="1200" b="1" dirty="0"/>
               </a:p>
             </p:txBody>
           </p:sp>
@@ -10481,10 +10331,9 @@
               <a:p>
                 <a:pPr algn="ctr"/>
                 <a:r>
-                  <a:rPr lang="en-US" sz="1200" b="1" dirty="0" smtClean="0"/>
+                  <a:rPr lang="en-US" sz="1200" b="1" dirty="0"/>
                   <a:t>E n v I r o n m e n t</a:t>
                 </a:r>
-                <a:endParaRPr lang="en-US" sz="1200" b="1" dirty="0"/>
               </a:p>
             </p:txBody>
           </p:sp>
@@ -10494,6 +10343,1485 @@
     <p:extLst>
       <p:ext uri="{BB962C8B-B14F-4D97-AF65-F5344CB8AC3E}">
         <p14:creationId xmlns:p14="http://schemas.microsoft.com/office/powerpoint/2010/main" val="889497670"/>
+      </p:ext>
+    </p:extLst>
+  </p:cSld>
+  <p:clrMapOvr>
+    <a:masterClrMapping/>
+  </p:clrMapOvr>
+</p:sld>
+</file>
+
+<file path=ppt/slides/slide14.xml><?xml version="1.0" encoding="utf-8"?>
+<p:sld xmlns:a="http://schemas.openxmlformats.org/drawingml/2006/main" xmlns:r="http://schemas.openxmlformats.org/officeDocument/2006/relationships" xmlns:p="http://schemas.openxmlformats.org/presentationml/2006/main">
+  <p:cSld>
+    <p:spTree>
+      <p:nvGrpSpPr>
+        <p:cNvPr id="1" name=""/>
+        <p:cNvGrpSpPr/>
+        <p:nvPr/>
+      </p:nvGrpSpPr>
+      <p:grpSpPr>
+        <a:xfrm>
+          <a:off x="0" y="0"/>
+          <a:ext cx="0" cy="0"/>
+          <a:chOff x="0" y="0"/>
+          <a:chExt cx="0" cy="0"/>
+        </a:xfrm>
+      </p:grpSpPr>
+      <p:grpSp>
+        <p:nvGrpSpPr>
+          <p:cNvPr id="8" name="Group 7"/>
+          <p:cNvGrpSpPr/>
+          <p:nvPr/>
+        </p:nvGrpSpPr>
+        <p:grpSpPr>
+          <a:xfrm>
+            <a:off x="2479927" y="-279775"/>
+            <a:ext cx="4010811" cy="6847899"/>
+            <a:chOff x="2479927" y="-279775"/>
+            <a:chExt cx="4010811" cy="6847899"/>
+          </a:xfrm>
+        </p:grpSpPr>
+        <p:sp>
+          <p:nvSpPr>
+            <p:cNvPr id="44" name="Block Arc 43"/>
+            <p:cNvSpPr/>
+            <p:nvPr/>
+          </p:nvSpPr>
+          <p:spPr>
+            <a:xfrm flipH="1">
+              <a:off x="2593762" y="-245045"/>
+              <a:ext cx="3797142" cy="4114800"/>
+            </a:xfrm>
+            <a:prstGeom prst="blockArc">
+              <a:avLst>
+                <a:gd name="adj1" fmla="val 10800000"/>
+                <a:gd name="adj2" fmla="val 21594672"/>
+                <a:gd name="adj3" fmla="val 27145"/>
+              </a:avLst>
+            </a:prstGeom>
+            <a:solidFill>
+              <a:srgbClr val="00B0F0"/>
+            </a:solidFill>
+            <a:ln w="38100">
+              <a:solidFill>
+                <a:schemeClr val="tx1"/>
+              </a:solidFill>
+            </a:ln>
+          </p:spPr>
+          <p:style>
+            <a:lnRef idx="2">
+              <a:schemeClr val="accent1">
+                <a:shade val="50000"/>
+              </a:schemeClr>
+            </a:lnRef>
+            <a:fillRef idx="1">
+              <a:schemeClr val="accent1"/>
+            </a:fillRef>
+            <a:effectRef idx="0">
+              <a:schemeClr val="accent1"/>
+            </a:effectRef>
+            <a:fontRef idx="minor">
+              <a:schemeClr val="lt1"/>
+            </a:fontRef>
+          </p:style>
+          <p:txBody>
+            <a:bodyPr rtlCol="0" anchor="ctr"/>
+            <a:lstStyle/>
+            <a:p>
+              <a:pPr algn="r"/>
+              <a:endParaRPr lang="en-US" sz="1200" dirty="0">
+                <a:solidFill>
+                  <a:schemeClr val="tx1"/>
+                </a:solidFill>
+              </a:endParaRPr>
+            </a:p>
+          </p:txBody>
+        </p:sp>
+        <p:grpSp>
+          <p:nvGrpSpPr>
+            <p:cNvPr id="4" name="Group 3"/>
+            <p:cNvGrpSpPr/>
+            <p:nvPr/>
+          </p:nvGrpSpPr>
+          <p:grpSpPr>
+            <a:xfrm>
+              <a:off x="2479927" y="-279775"/>
+              <a:ext cx="4010811" cy="6847899"/>
+              <a:chOff x="2479927" y="-279775"/>
+              <a:chExt cx="4010811" cy="6847899"/>
+            </a:xfrm>
+          </p:grpSpPr>
+          <p:sp>
+            <p:nvSpPr>
+              <p:cNvPr id="5" name="Block Arc 4"/>
+              <p:cNvSpPr/>
+              <p:nvPr/>
+            </p:nvSpPr>
+            <p:spPr>
+              <a:xfrm flipH="1">
+                <a:off x="2612414" y="-279775"/>
+                <a:ext cx="3736692" cy="3690347"/>
+              </a:xfrm>
+              <a:prstGeom prst="blockArc">
+                <a:avLst>
+                  <a:gd name="adj1" fmla="val 14265485"/>
+                  <a:gd name="adj2" fmla="val 18065906"/>
+                  <a:gd name="adj3" fmla="val 31874"/>
+                </a:avLst>
+              </a:prstGeom>
+              <a:solidFill>
+                <a:srgbClr val="00B0F0"/>
+              </a:solidFill>
+              <a:ln w="38100">
+                <a:solidFill>
+                  <a:schemeClr val="tx1"/>
+                </a:solidFill>
+              </a:ln>
+            </p:spPr>
+            <p:style>
+              <a:lnRef idx="2">
+                <a:schemeClr val="accent1">
+                  <a:shade val="50000"/>
+                </a:schemeClr>
+              </a:lnRef>
+              <a:fillRef idx="1">
+                <a:schemeClr val="accent1"/>
+              </a:fillRef>
+              <a:effectRef idx="0">
+                <a:schemeClr val="accent1"/>
+              </a:effectRef>
+              <a:fontRef idx="minor">
+                <a:schemeClr val="lt1"/>
+              </a:fontRef>
+            </p:style>
+            <p:txBody>
+              <a:bodyPr rtlCol="0" anchor="ctr"/>
+              <a:lstStyle/>
+              <a:p>
+                <a:pPr algn="ctr"/>
+                <a:endParaRPr lang="en-US" sz="1200" dirty="0">
+                  <a:solidFill>
+                    <a:schemeClr val="tx1"/>
+                  </a:solidFill>
+                </a:endParaRPr>
+              </a:p>
+            </p:txBody>
+          </p:sp>
+          <p:sp>
+            <p:nvSpPr>
+              <p:cNvPr id="9" name="Rounded Rectangle 8"/>
+              <p:cNvSpPr/>
+              <p:nvPr/>
+            </p:nvSpPr>
+            <p:spPr>
+              <a:xfrm>
+                <a:off x="2481289" y="1806030"/>
+                <a:ext cx="1251751" cy="250795"/>
+              </a:xfrm>
+              <a:prstGeom prst="roundRect">
+                <a:avLst/>
+              </a:prstGeom>
+              <a:ln w="38100"/>
+            </p:spPr>
+            <p:style>
+              <a:lnRef idx="2">
+                <a:schemeClr val="dk1"/>
+              </a:lnRef>
+              <a:fillRef idx="1">
+                <a:schemeClr val="lt1"/>
+              </a:fillRef>
+              <a:effectRef idx="0">
+                <a:schemeClr val="dk1"/>
+              </a:effectRef>
+              <a:fontRef idx="minor">
+                <a:schemeClr val="dk1"/>
+              </a:fontRef>
+            </p:style>
+            <p:txBody>
+              <a:bodyPr rtlCol="0" anchor="ctr"/>
+              <a:lstStyle/>
+              <a:p>
+                <a:pPr algn="ctr"/>
+                <a:endParaRPr lang="en-US" sz="1200">
+                  <a:solidFill>
+                    <a:schemeClr val="tx1"/>
+                  </a:solidFill>
+                </a:endParaRPr>
+              </a:p>
+            </p:txBody>
+          </p:sp>
+          <p:sp>
+            <p:nvSpPr>
+              <p:cNvPr id="10" name="Rectangle 9"/>
+              <p:cNvSpPr/>
+              <p:nvPr/>
+            </p:nvSpPr>
+            <p:spPr>
+              <a:xfrm>
+                <a:off x="2595168" y="2063482"/>
+                <a:ext cx="1029810" cy="3835154"/>
+              </a:xfrm>
+              <a:prstGeom prst="rect">
+                <a:avLst/>
+              </a:prstGeom>
+              <a:solidFill>
+                <a:schemeClr val="accent6"/>
+              </a:solidFill>
+              <a:ln w="38100"/>
+            </p:spPr>
+            <p:style>
+              <a:lnRef idx="2">
+                <a:schemeClr val="dk1"/>
+              </a:lnRef>
+              <a:fillRef idx="1">
+                <a:schemeClr val="lt1"/>
+              </a:fillRef>
+              <a:effectRef idx="0">
+                <a:schemeClr val="dk1"/>
+              </a:effectRef>
+              <a:fontRef idx="minor">
+                <a:schemeClr val="dk1"/>
+              </a:fontRef>
+            </p:style>
+            <p:txBody>
+              <a:bodyPr rtlCol="0" anchor="ctr"/>
+              <a:lstStyle/>
+              <a:p>
+                <a:pPr algn="ctr"/>
+                <a:endParaRPr lang="en-US" sz="1200">
+                  <a:solidFill>
+                    <a:schemeClr val="tx1"/>
+                  </a:solidFill>
+                </a:endParaRPr>
+              </a:p>
+            </p:txBody>
+          </p:sp>
+          <p:sp>
+            <p:nvSpPr>
+              <p:cNvPr id="11" name="Rounded Rectangle 10"/>
+              <p:cNvSpPr/>
+              <p:nvPr/>
+            </p:nvSpPr>
+            <p:spPr>
+              <a:xfrm>
+                <a:off x="5238986" y="1806029"/>
+                <a:ext cx="1251751" cy="250795"/>
+              </a:xfrm>
+              <a:prstGeom prst="roundRect">
+                <a:avLst/>
+              </a:prstGeom>
+              <a:ln w="38100"/>
+            </p:spPr>
+            <p:style>
+              <a:lnRef idx="2">
+                <a:schemeClr val="dk1"/>
+              </a:lnRef>
+              <a:fillRef idx="1">
+                <a:schemeClr val="lt1"/>
+              </a:fillRef>
+              <a:effectRef idx="0">
+                <a:schemeClr val="dk1"/>
+              </a:effectRef>
+              <a:fontRef idx="minor">
+                <a:schemeClr val="dk1"/>
+              </a:fontRef>
+            </p:style>
+            <p:txBody>
+              <a:bodyPr rtlCol="0" anchor="ctr"/>
+              <a:lstStyle/>
+              <a:p>
+                <a:pPr algn="ctr"/>
+                <a:endParaRPr lang="en-US" sz="1200">
+                  <a:solidFill>
+                    <a:schemeClr val="tx1"/>
+                  </a:solidFill>
+                </a:endParaRPr>
+              </a:p>
+            </p:txBody>
+          </p:sp>
+          <p:sp>
+            <p:nvSpPr>
+              <p:cNvPr id="22" name="Rectangle 21"/>
+              <p:cNvSpPr/>
+              <p:nvPr/>
+            </p:nvSpPr>
+            <p:spPr>
+              <a:xfrm>
+                <a:off x="2595168" y="2056824"/>
+                <a:ext cx="1029810" cy="960120"/>
+              </a:xfrm>
+              <a:prstGeom prst="rect">
+                <a:avLst/>
+              </a:prstGeom>
+              <a:noFill/>
+              <a:ln w="38100"/>
+            </p:spPr>
+            <p:style>
+              <a:lnRef idx="2">
+                <a:schemeClr val="dk1"/>
+              </a:lnRef>
+              <a:fillRef idx="1">
+                <a:schemeClr val="lt1"/>
+              </a:fillRef>
+              <a:effectRef idx="0">
+                <a:schemeClr val="dk1"/>
+              </a:effectRef>
+              <a:fontRef idx="minor">
+                <a:schemeClr val="dk1"/>
+              </a:fontRef>
+            </p:style>
+            <p:txBody>
+              <a:bodyPr rtlCol="0" anchor="ctr"/>
+              <a:lstStyle/>
+              <a:p>
+                <a:pPr algn="ctr"/>
+                <a:endParaRPr lang="en-US" sz="1200">
+                  <a:solidFill>
+                    <a:schemeClr val="tx1"/>
+                  </a:solidFill>
+                </a:endParaRPr>
+              </a:p>
+            </p:txBody>
+          </p:sp>
+          <p:sp>
+            <p:nvSpPr>
+              <p:cNvPr id="23" name="Rectangle 22"/>
+              <p:cNvSpPr/>
+              <p:nvPr/>
+            </p:nvSpPr>
+            <p:spPr>
+              <a:xfrm>
+                <a:off x="2595168" y="3016944"/>
+                <a:ext cx="1029810" cy="960120"/>
+              </a:xfrm>
+              <a:prstGeom prst="rect">
+                <a:avLst/>
+              </a:prstGeom>
+              <a:noFill/>
+              <a:ln w="38100"/>
+            </p:spPr>
+            <p:style>
+              <a:lnRef idx="2">
+                <a:schemeClr val="dk1"/>
+              </a:lnRef>
+              <a:fillRef idx="1">
+                <a:schemeClr val="lt1"/>
+              </a:fillRef>
+              <a:effectRef idx="0">
+                <a:schemeClr val="dk1"/>
+              </a:effectRef>
+              <a:fontRef idx="minor">
+                <a:schemeClr val="dk1"/>
+              </a:fontRef>
+            </p:style>
+            <p:txBody>
+              <a:bodyPr rtlCol="0" anchor="ctr"/>
+              <a:lstStyle/>
+              <a:p>
+                <a:pPr algn="ctr"/>
+                <a:endParaRPr lang="en-US" sz="1200">
+                  <a:solidFill>
+                    <a:schemeClr val="tx1"/>
+                  </a:solidFill>
+                </a:endParaRPr>
+              </a:p>
+            </p:txBody>
+          </p:sp>
+          <p:sp>
+            <p:nvSpPr>
+              <p:cNvPr id="24" name="Rectangle 23"/>
+              <p:cNvSpPr/>
+              <p:nvPr/>
+            </p:nvSpPr>
+            <p:spPr>
+              <a:xfrm>
+                <a:off x="2595168" y="3977730"/>
+                <a:ext cx="1029810" cy="960120"/>
+              </a:xfrm>
+              <a:prstGeom prst="rect">
+                <a:avLst/>
+              </a:prstGeom>
+              <a:noFill/>
+              <a:ln w="38100"/>
+            </p:spPr>
+            <p:style>
+              <a:lnRef idx="2">
+                <a:schemeClr val="dk1"/>
+              </a:lnRef>
+              <a:fillRef idx="1">
+                <a:schemeClr val="lt1"/>
+              </a:fillRef>
+              <a:effectRef idx="0">
+                <a:schemeClr val="dk1"/>
+              </a:effectRef>
+              <a:fontRef idx="minor">
+                <a:schemeClr val="dk1"/>
+              </a:fontRef>
+            </p:style>
+            <p:txBody>
+              <a:bodyPr rtlCol="0" anchor="ctr"/>
+              <a:lstStyle/>
+              <a:p>
+                <a:pPr algn="ctr"/>
+                <a:endParaRPr lang="en-US" sz="1200">
+                  <a:solidFill>
+                    <a:schemeClr val="tx1"/>
+                  </a:solidFill>
+                </a:endParaRPr>
+              </a:p>
+            </p:txBody>
+          </p:sp>
+          <p:sp>
+            <p:nvSpPr>
+              <p:cNvPr id="25" name="Rectangle 24"/>
+              <p:cNvSpPr/>
+              <p:nvPr/>
+            </p:nvSpPr>
+            <p:spPr>
+              <a:xfrm>
+                <a:off x="2595168" y="4938849"/>
+                <a:ext cx="1029810" cy="960120"/>
+              </a:xfrm>
+              <a:prstGeom prst="rect">
+                <a:avLst/>
+              </a:prstGeom>
+              <a:noFill/>
+              <a:ln w="38100"/>
+            </p:spPr>
+            <p:style>
+              <a:lnRef idx="2">
+                <a:schemeClr val="dk1"/>
+              </a:lnRef>
+              <a:fillRef idx="1">
+                <a:schemeClr val="lt1"/>
+              </a:fillRef>
+              <a:effectRef idx="0">
+                <a:schemeClr val="dk1"/>
+              </a:effectRef>
+              <a:fontRef idx="minor">
+                <a:schemeClr val="dk1"/>
+              </a:fontRef>
+            </p:style>
+            <p:txBody>
+              <a:bodyPr rtlCol="0" anchor="ctr"/>
+              <a:lstStyle/>
+              <a:p>
+                <a:pPr algn="ctr"/>
+                <a:endParaRPr lang="en-US" sz="1200">
+                  <a:solidFill>
+                    <a:schemeClr val="tx1"/>
+                  </a:solidFill>
+                </a:endParaRPr>
+              </a:p>
+            </p:txBody>
+          </p:sp>
+          <p:sp>
+            <p:nvSpPr>
+              <p:cNvPr id="26" name="TextBox 25"/>
+              <p:cNvSpPr txBox="1"/>
+              <p:nvPr/>
+            </p:nvSpPr>
+            <p:spPr>
+              <a:xfrm>
+                <a:off x="2687257" y="2369449"/>
+                <a:ext cx="859477" cy="276999"/>
+              </a:xfrm>
+              <a:prstGeom prst="rect">
+                <a:avLst/>
+              </a:prstGeom>
+              <a:noFill/>
+            </p:spPr>
+            <p:txBody>
+              <a:bodyPr wrap="square" rtlCol="0">
+                <a:spAutoFit/>
+              </a:bodyPr>
+              <a:lstStyle/>
+              <a:p>
+                <a:pPr algn="ctr"/>
+                <a:r>
+                  <a:rPr lang="en-US" sz="1200" b="1" dirty="0"/>
+                  <a:t>Hardware</a:t>
+                </a:r>
+              </a:p>
+            </p:txBody>
+          </p:sp>
+          <p:sp>
+            <p:nvSpPr>
+              <p:cNvPr id="27" name="TextBox 26"/>
+              <p:cNvSpPr txBox="1"/>
+              <p:nvPr/>
+            </p:nvSpPr>
+            <p:spPr>
+              <a:xfrm>
+                <a:off x="2706754" y="3354084"/>
+                <a:ext cx="806637" cy="276999"/>
+              </a:xfrm>
+              <a:prstGeom prst="rect">
+                <a:avLst/>
+              </a:prstGeom>
+              <a:noFill/>
+            </p:spPr>
+            <p:txBody>
+              <a:bodyPr wrap="square" rtlCol="0">
+                <a:spAutoFit/>
+              </a:bodyPr>
+              <a:lstStyle/>
+              <a:p>
+                <a:pPr algn="ctr"/>
+                <a:r>
+                  <a:rPr lang="en-US" sz="1200" b="1" dirty="0"/>
+                  <a:t>Software</a:t>
+                </a:r>
+              </a:p>
+            </p:txBody>
+          </p:sp>
+          <p:sp>
+            <p:nvSpPr>
+              <p:cNvPr id="28" name="TextBox 27"/>
+              <p:cNvSpPr txBox="1"/>
+              <p:nvPr/>
+            </p:nvSpPr>
+            <p:spPr>
+              <a:xfrm>
+                <a:off x="2757112" y="4309484"/>
+                <a:ext cx="707398" cy="276999"/>
+              </a:xfrm>
+              <a:prstGeom prst="rect">
+                <a:avLst/>
+              </a:prstGeom>
+              <a:noFill/>
+            </p:spPr>
+            <p:txBody>
+              <a:bodyPr wrap="square" rtlCol="0">
+                <a:spAutoFit/>
+              </a:bodyPr>
+              <a:lstStyle/>
+              <a:p>
+                <a:pPr algn="ctr"/>
+                <a:r>
+                  <a:rPr lang="en-US" sz="1200" b="1" dirty="0"/>
+                  <a:t>Storage</a:t>
+                </a:r>
+              </a:p>
+            </p:txBody>
+          </p:sp>
+          <p:sp>
+            <p:nvSpPr>
+              <p:cNvPr id="29" name="TextBox 28"/>
+              <p:cNvSpPr txBox="1"/>
+              <p:nvPr/>
+            </p:nvSpPr>
+            <p:spPr>
+              <a:xfrm>
+                <a:off x="2741158" y="5271600"/>
+                <a:ext cx="751674" cy="276999"/>
+              </a:xfrm>
+              <a:prstGeom prst="rect">
+                <a:avLst/>
+              </a:prstGeom>
+              <a:noFill/>
+            </p:spPr>
+            <p:txBody>
+              <a:bodyPr wrap="square" rtlCol="0">
+                <a:spAutoFit/>
+              </a:bodyPr>
+              <a:lstStyle/>
+              <a:p>
+                <a:pPr algn="ctr"/>
+                <a:r>
+                  <a:rPr lang="en-US" sz="1200" b="1" dirty="0"/>
+                  <a:t>Services</a:t>
+                </a:r>
+              </a:p>
+            </p:txBody>
+          </p:sp>
+          <p:sp>
+            <p:nvSpPr>
+              <p:cNvPr id="30" name="TextBox 29"/>
+              <p:cNvSpPr txBox="1"/>
+              <p:nvPr/>
+            </p:nvSpPr>
+            <p:spPr>
+              <a:xfrm>
+                <a:off x="4937211" y="3103959"/>
+                <a:ext cx="403828" cy="1745543"/>
+              </a:xfrm>
+              <a:prstGeom prst="rect">
+                <a:avLst/>
+              </a:prstGeom>
+              <a:noFill/>
+            </p:spPr>
+            <p:txBody>
+              <a:bodyPr vert="wordArtVert" wrap="square" rtlCol="0">
+                <a:spAutoFit/>
+              </a:bodyPr>
+              <a:lstStyle/>
+              <a:p>
+                <a:pPr algn="ctr"/>
+                <a:r>
+                  <a:rPr lang="en-US" sz="1200" b="1" dirty="0"/>
+                  <a:t>Control</a:t>
+                </a:r>
+              </a:p>
+            </p:txBody>
+          </p:sp>
+          <p:sp>
+            <p:nvSpPr>
+              <p:cNvPr id="31" name="TextBox 30"/>
+              <p:cNvSpPr txBox="1"/>
+              <p:nvPr/>
+            </p:nvSpPr>
+            <p:spPr>
+              <a:xfrm>
+                <a:off x="3636251" y="2742395"/>
+                <a:ext cx="403828" cy="2468672"/>
+              </a:xfrm>
+              <a:prstGeom prst="rect">
+                <a:avLst/>
+              </a:prstGeom>
+              <a:noFill/>
+            </p:spPr>
+            <p:txBody>
+              <a:bodyPr vert="wordArtVert" wrap="square" rtlCol="0">
+                <a:spAutoFit/>
+              </a:bodyPr>
+              <a:lstStyle/>
+              <a:p>
+                <a:pPr algn="ctr"/>
+                <a:r>
+                  <a:rPr lang="en-US" sz="1200" b="1" dirty="0"/>
+                  <a:t>Technology</a:t>
+                </a:r>
+              </a:p>
+            </p:txBody>
+          </p:sp>
+          <p:sp>
+            <p:nvSpPr>
+              <p:cNvPr id="32" name="Snip Same Side Corner Rectangle 31"/>
+              <p:cNvSpPr/>
+              <p:nvPr/>
+            </p:nvSpPr>
+            <p:spPr>
+              <a:xfrm>
+                <a:off x="2479928" y="5900416"/>
+                <a:ext cx="4010810" cy="667342"/>
+              </a:xfrm>
+              <a:prstGeom prst="snip2SameRect">
+                <a:avLst>
+                  <a:gd name="adj1" fmla="val 14933"/>
+                  <a:gd name="adj2" fmla="val 0"/>
+                </a:avLst>
+              </a:prstGeom>
+              <a:solidFill>
+                <a:schemeClr val="bg1">
+                  <a:lumMod val="75000"/>
+                </a:schemeClr>
+              </a:solidFill>
+              <a:ln w="38100"/>
+            </p:spPr>
+            <p:style>
+              <a:lnRef idx="2">
+                <a:schemeClr val="dk1"/>
+              </a:lnRef>
+              <a:fillRef idx="1">
+                <a:schemeClr val="lt1"/>
+              </a:fillRef>
+              <a:effectRef idx="0">
+                <a:schemeClr val="dk1"/>
+              </a:effectRef>
+              <a:fontRef idx="minor">
+                <a:schemeClr val="dk1"/>
+              </a:fontRef>
+            </p:style>
+            <p:txBody>
+              <a:bodyPr rtlCol="0" anchor="ctr"/>
+              <a:lstStyle/>
+              <a:p>
+                <a:pPr algn="ctr"/>
+                <a:endParaRPr lang="en-US" sz="1200">
+                  <a:solidFill>
+                    <a:schemeClr val="tx1"/>
+                  </a:solidFill>
+                </a:endParaRPr>
+              </a:p>
+            </p:txBody>
+          </p:sp>
+          <p:sp>
+            <p:nvSpPr>
+              <p:cNvPr id="33" name="Rectangle 32"/>
+              <p:cNvSpPr/>
+              <p:nvPr/>
+            </p:nvSpPr>
+            <p:spPr>
+              <a:xfrm>
+                <a:off x="5146569" y="6014313"/>
+                <a:ext cx="1344168" cy="553708"/>
+              </a:xfrm>
+              <a:prstGeom prst="rect">
+                <a:avLst/>
+              </a:prstGeom>
+              <a:noFill/>
+              <a:ln w="38100">
+                <a:solidFill>
+                  <a:schemeClr val="tx1"/>
+                </a:solidFill>
+              </a:ln>
+            </p:spPr>
+            <p:style>
+              <a:lnRef idx="2">
+                <a:schemeClr val="accent1">
+                  <a:shade val="50000"/>
+                </a:schemeClr>
+              </a:lnRef>
+              <a:fillRef idx="1">
+                <a:schemeClr val="accent1"/>
+              </a:fillRef>
+              <a:effectRef idx="0">
+                <a:schemeClr val="accent1"/>
+              </a:effectRef>
+              <a:fontRef idx="minor">
+                <a:schemeClr val="lt1"/>
+              </a:fontRef>
+            </p:style>
+            <p:txBody>
+              <a:bodyPr rtlCol="0" anchor="ctr"/>
+              <a:lstStyle/>
+              <a:p>
+                <a:pPr algn="ctr"/>
+                <a:endParaRPr lang="en-US" sz="1200">
+                  <a:solidFill>
+                    <a:schemeClr val="tx1"/>
+                  </a:solidFill>
+                </a:endParaRPr>
+              </a:p>
+            </p:txBody>
+          </p:sp>
+          <p:sp>
+            <p:nvSpPr>
+              <p:cNvPr id="34" name="TextBox 33"/>
+              <p:cNvSpPr txBox="1"/>
+              <p:nvPr/>
+            </p:nvSpPr>
+            <p:spPr>
+              <a:xfrm>
+                <a:off x="4094936" y="6060333"/>
+                <a:ext cx="779070" cy="461665"/>
+              </a:xfrm>
+              <a:prstGeom prst="rect">
+                <a:avLst/>
+              </a:prstGeom>
+              <a:noFill/>
+            </p:spPr>
+            <p:txBody>
+              <a:bodyPr wrap="square" rtlCol="0">
+                <a:spAutoFit/>
+              </a:bodyPr>
+              <a:lstStyle/>
+              <a:p>
+                <a:pPr algn="ctr"/>
+                <a:r>
+                  <a:rPr lang="en-US" sz="1200" b="1" dirty="0"/>
+                  <a:t>Business</a:t>
+                </a:r>
+                <a:br>
+                  <a:rPr lang="en-US" sz="1200" b="1" dirty="0"/>
+                </a:br>
+                <a:r>
+                  <a:rPr lang="en-US" sz="1200" b="1" dirty="0"/>
+                  <a:t>Model</a:t>
+                </a:r>
+              </a:p>
+            </p:txBody>
+          </p:sp>
+          <p:sp>
+            <p:nvSpPr>
+              <p:cNvPr id="35" name="TextBox 34"/>
+              <p:cNvSpPr txBox="1"/>
+              <p:nvPr/>
+            </p:nvSpPr>
+            <p:spPr>
+              <a:xfrm>
+                <a:off x="2682520" y="6147863"/>
+                <a:ext cx="928136" cy="276999"/>
+              </a:xfrm>
+              <a:prstGeom prst="rect">
+                <a:avLst/>
+              </a:prstGeom>
+              <a:noFill/>
+            </p:spPr>
+            <p:txBody>
+              <a:bodyPr wrap="square" rtlCol="0">
+                <a:spAutoFit/>
+              </a:bodyPr>
+              <a:lstStyle/>
+              <a:p>
+                <a:pPr algn="ctr"/>
+                <a:r>
+                  <a:rPr lang="en-US" sz="1200" b="1" dirty="0"/>
+                  <a:t>Compliance</a:t>
+                </a:r>
+              </a:p>
+            </p:txBody>
+          </p:sp>
+          <p:sp>
+            <p:nvSpPr>
+              <p:cNvPr id="36" name="TextBox 35"/>
+              <p:cNvSpPr txBox="1"/>
+              <p:nvPr/>
+            </p:nvSpPr>
+            <p:spPr>
+              <a:xfrm>
+                <a:off x="5263541" y="6146760"/>
+                <a:ext cx="1110223" cy="276999"/>
+              </a:xfrm>
+              <a:prstGeom prst="rect">
+                <a:avLst/>
+              </a:prstGeom>
+              <a:noFill/>
+            </p:spPr>
+            <p:txBody>
+              <a:bodyPr wrap="square" rtlCol="0">
+                <a:spAutoFit/>
+              </a:bodyPr>
+              <a:lstStyle/>
+              <a:p>
+                <a:pPr algn="ctr"/>
+                <a:r>
+                  <a:rPr lang="en-US" sz="1200" b="1" dirty="0"/>
+                  <a:t>Risk</a:t>
+                </a:r>
+              </a:p>
+            </p:txBody>
+          </p:sp>
+          <p:sp>
+            <p:nvSpPr>
+              <p:cNvPr id="37" name="TextBox 36"/>
+              <p:cNvSpPr txBox="1"/>
+              <p:nvPr/>
+            </p:nvSpPr>
+            <p:spPr>
+              <a:xfrm>
+                <a:off x="3785782" y="1133333"/>
+                <a:ext cx="1389955" cy="276999"/>
+              </a:xfrm>
+              <a:prstGeom prst="rect">
+                <a:avLst/>
+              </a:prstGeom>
+              <a:noFill/>
+            </p:spPr>
+            <p:txBody>
+              <a:bodyPr wrap="square" rtlCol="0">
+                <a:spAutoFit/>
+              </a:bodyPr>
+              <a:lstStyle/>
+              <a:p>
+                <a:pPr algn="ctr"/>
+                <a:r>
+                  <a:rPr lang="en-US" sz="1200" b="1" dirty="0"/>
+                  <a:t>I n f o r m a t </a:t>
+                </a:r>
+                <a:r>
+                  <a:rPr lang="en-US" sz="1200" b="1" dirty="0" err="1"/>
+                  <a:t>i</a:t>
+                </a:r>
+                <a:r>
+                  <a:rPr lang="en-US" sz="1200" b="1" dirty="0"/>
+                  <a:t> o n</a:t>
+                </a:r>
+              </a:p>
+            </p:txBody>
+          </p:sp>
+          <p:sp>
+            <p:nvSpPr>
+              <p:cNvPr id="38" name="Rectangle 37"/>
+              <p:cNvSpPr/>
+              <p:nvPr/>
+            </p:nvSpPr>
+            <p:spPr>
+              <a:xfrm>
+                <a:off x="3813248" y="6014313"/>
+                <a:ext cx="1335024" cy="553708"/>
+              </a:xfrm>
+              <a:prstGeom prst="rect">
+                <a:avLst/>
+              </a:prstGeom>
+              <a:noFill/>
+              <a:ln w="38100">
+                <a:solidFill>
+                  <a:schemeClr val="tx1"/>
+                </a:solidFill>
+              </a:ln>
+            </p:spPr>
+            <p:style>
+              <a:lnRef idx="2">
+                <a:schemeClr val="accent1">
+                  <a:shade val="50000"/>
+                </a:schemeClr>
+              </a:lnRef>
+              <a:fillRef idx="1">
+                <a:schemeClr val="accent1"/>
+              </a:fillRef>
+              <a:effectRef idx="0">
+                <a:schemeClr val="accent1"/>
+              </a:effectRef>
+              <a:fontRef idx="minor">
+                <a:schemeClr val="lt1"/>
+              </a:fontRef>
+            </p:style>
+            <p:txBody>
+              <a:bodyPr rtlCol="0" anchor="ctr"/>
+              <a:lstStyle/>
+              <a:p>
+                <a:pPr algn="ctr"/>
+                <a:endParaRPr lang="en-US" sz="1200">
+                  <a:solidFill>
+                    <a:schemeClr val="tx1"/>
+                  </a:solidFill>
+                </a:endParaRPr>
+              </a:p>
+            </p:txBody>
+          </p:sp>
+          <p:sp>
+            <p:nvSpPr>
+              <p:cNvPr id="39" name="Rectangle 38"/>
+              <p:cNvSpPr/>
+              <p:nvPr/>
+            </p:nvSpPr>
+            <p:spPr>
+              <a:xfrm>
+                <a:off x="2479927" y="6014416"/>
+                <a:ext cx="1335024" cy="553708"/>
+              </a:xfrm>
+              <a:prstGeom prst="rect">
+                <a:avLst/>
+              </a:prstGeom>
+              <a:noFill/>
+              <a:ln w="38100">
+                <a:solidFill>
+                  <a:schemeClr val="tx1"/>
+                </a:solidFill>
+              </a:ln>
+            </p:spPr>
+            <p:style>
+              <a:lnRef idx="2">
+                <a:schemeClr val="accent1">
+                  <a:shade val="50000"/>
+                </a:schemeClr>
+              </a:lnRef>
+              <a:fillRef idx="1">
+                <a:schemeClr val="accent1"/>
+              </a:fillRef>
+              <a:effectRef idx="0">
+                <a:schemeClr val="accent1"/>
+              </a:effectRef>
+              <a:fontRef idx="minor">
+                <a:schemeClr val="lt1"/>
+              </a:fontRef>
+            </p:style>
+            <p:txBody>
+              <a:bodyPr rtlCol="0" anchor="ctr"/>
+              <a:lstStyle/>
+              <a:p>
+                <a:pPr algn="ctr"/>
+                <a:endParaRPr lang="en-US" sz="1200">
+                  <a:solidFill>
+                    <a:schemeClr val="tx1"/>
+                  </a:solidFill>
+                </a:endParaRPr>
+              </a:p>
+            </p:txBody>
+          </p:sp>
+          <p:sp>
+            <p:nvSpPr>
+              <p:cNvPr id="40" name="TextBox 39"/>
+              <p:cNvSpPr txBox="1"/>
+              <p:nvPr/>
+            </p:nvSpPr>
+            <p:spPr>
+              <a:xfrm>
+                <a:off x="4255736" y="167987"/>
+                <a:ext cx="473193" cy="276999"/>
+              </a:xfrm>
+              <a:prstGeom prst="rect">
+                <a:avLst/>
+              </a:prstGeom>
+              <a:noFill/>
+            </p:spPr>
+            <p:txBody>
+              <a:bodyPr wrap="square" rtlCol="0">
+                <a:spAutoFit/>
+              </a:bodyPr>
+              <a:lstStyle/>
+              <a:p>
+                <a:pPr algn="ctr"/>
+                <a:r>
+                  <a:rPr lang="en-US" sz="1200" b="1" dirty="0"/>
+                  <a:t>Use</a:t>
+                </a:r>
+              </a:p>
+            </p:txBody>
+          </p:sp>
+          <p:sp>
+            <p:nvSpPr>
+              <p:cNvPr id="41" name="TextBox 40"/>
+              <p:cNvSpPr txBox="1"/>
+              <p:nvPr/>
+            </p:nvSpPr>
+            <p:spPr>
+              <a:xfrm>
+                <a:off x="5146568" y="944693"/>
+                <a:ext cx="1088128" cy="276999"/>
+              </a:xfrm>
+              <a:prstGeom prst="rect">
+                <a:avLst/>
+              </a:prstGeom>
+              <a:noFill/>
+            </p:spPr>
+            <p:txBody>
+              <a:bodyPr wrap="square" rtlCol="0">
+                <a:spAutoFit/>
+              </a:bodyPr>
+              <a:lstStyle/>
+              <a:p>
+                <a:pPr algn="ctr"/>
+                <a:r>
+                  <a:rPr lang="en-US" sz="1200" b="1" dirty="0"/>
+                  <a:t>Maintenance</a:t>
+                </a:r>
+              </a:p>
+            </p:txBody>
+          </p:sp>
+          <p:sp>
+            <p:nvSpPr>
+              <p:cNvPr id="42" name="TextBox 41"/>
+              <p:cNvSpPr txBox="1"/>
+              <p:nvPr/>
+            </p:nvSpPr>
+            <p:spPr>
+              <a:xfrm>
+                <a:off x="2927406" y="944693"/>
+                <a:ext cx="776556" cy="276999"/>
+              </a:xfrm>
+              <a:prstGeom prst="rect">
+                <a:avLst/>
+              </a:prstGeom>
+              <a:noFill/>
+            </p:spPr>
+            <p:txBody>
+              <a:bodyPr wrap="square" rtlCol="0">
+                <a:spAutoFit/>
+              </a:bodyPr>
+              <a:lstStyle/>
+              <a:p>
+                <a:pPr algn="ctr"/>
+                <a:r>
+                  <a:rPr lang="en-US" sz="1200" b="1" dirty="0"/>
+                  <a:t>Creation</a:t>
+                </a:r>
+              </a:p>
+            </p:txBody>
+          </p:sp>
+          <p:sp>
+            <p:nvSpPr>
+              <p:cNvPr id="52" name="Rectangle 51"/>
+              <p:cNvSpPr/>
+              <p:nvPr/>
+            </p:nvSpPr>
+            <p:spPr>
+              <a:xfrm>
+                <a:off x="5361095" y="2063149"/>
+                <a:ext cx="1029810" cy="3835154"/>
+              </a:xfrm>
+              <a:prstGeom prst="rect">
+                <a:avLst/>
+              </a:prstGeom>
+              <a:solidFill>
+                <a:srgbClr val="FF5050"/>
+              </a:solidFill>
+              <a:ln w="38100"/>
+            </p:spPr>
+            <p:style>
+              <a:lnRef idx="2">
+                <a:schemeClr val="dk1"/>
+              </a:lnRef>
+              <a:fillRef idx="1">
+                <a:schemeClr val="lt1"/>
+              </a:fillRef>
+              <a:effectRef idx="0">
+                <a:schemeClr val="dk1"/>
+              </a:effectRef>
+              <a:fontRef idx="minor">
+                <a:schemeClr val="dk1"/>
+              </a:fontRef>
+            </p:style>
+            <p:txBody>
+              <a:bodyPr rtlCol="0" anchor="ctr"/>
+              <a:lstStyle/>
+              <a:p>
+                <a:pPr algn="ctr"/>
+                <a:endParaRPr lang="en-US" sz="1200">
+                  <a:solidFill>
+                    <a:schemeClr val="tx1"/>
+                  </a:solidFill>
+                </a:endParaRPr>
+              </a:p>
+            </p:txBody>
+          </p:sp>
+          <p:sp>
+            <p:nvSpPr>
+              <p:cNvPr id="53" name="Rectangle 52"/>
+              <p:cNvSpPr/>
+              <p:nvPr/>
+            </p:nvSpPr>
+            <p:spPr>
+              <a:xfrm>
+                <a:off x="5361095" y="2056491"/>
+                <a:ext cx="1029810" cy="960120"/>
+              </a:xfrm>
+              <a:prstGeom prst="rect">
+                <a:avLst/>
+              </a:prstGeom>
+              <a:noFill/>
+              <a:ln w="38100"/>
+            </p:spPr>
+            <p:style>
+              <a:lnRef idx="2">
+                <a:schemeClr val="dk1"/>
+              </a:lnRef>
+              <a:fillRef idx="1">
+                <a:schemeClr val="lt1"/>
+              </a:fillRef>
+              <a:effectRef idx="0">
+                <a:schemeClr val="dk1"/>
+              </a:effectRef>
+              <a:fontRef idx="minor">
+                <a:schemeClr val="dk1"/>
+              </a:fontRef>
+            </p:style>
+            <p:txBody>
+              <a:bodyPr rtlCol="0" anchor="ctr"/>
+              <a:lstStyle/>
+              <a:p>
+                <a:pPr algn="ctr"/>
+                <a:endParaRPr lang="en-US" sz="1200">
+                  <a:solidFill>
+                    <a:schemeClr val="tx1"/>
+                  </a:solidFill>
+                </a:endParaRPr>
+              </a:p>
+            </p:txBody>
+          </p:sp>
+          <p:sp>
+            <p:nvSpPr>
+              <p:cNvPr id="54" name="Rectangle 53"/>
+              <p:cNvSpPr/>
+              <p:nvPr/>
+            </p:nvSpPr>
+            <p:spPr>
+              <a:xfrm>
+                <a:off x="5361095" y="3016611"/>
+                <a:ext cx="1029810" cy="960120"/>
+              </a:xfrm>
+              <a:prstGeom prst="rect">
+                <a:avLst/>
+              </a:prstGeom>
+              <a:noFill/>
+              <a:ln w="38100"/>
+            </p:spPr>
+            <p:style>
+              <a:lnRef idx="2">
+                <a:schemeClr val="dk1"/>
+              </a:lnRef>
+              <a:fillRef idx="1">
+                <a:schemeClr val="lt1"/>
+              </a:fillRef>
+              <a:effectRef idx="0">
+                <a:schemeClr val="dk1"/>
+              </a:effectRef>
+              <a:fontRef idx="minor">
+                <a:schemeClr val="dk1"/>
+              </a:fontRef>
+            </p:style>
+            <p:txBody>
+              <a:bodyPr rtlCol="0" anchor="ctr"/>
+              <a:lstStyle/>
+              <a:p>
+                <a:pPr algn="ctr"/>
+                <a:endParaRPr lang="en-US" sz="1200">
+                  <a:solidFill>
+                    <a:schemeClr val="tx1"/>
+                  </a:solidFill>
+                </a:endParaRPr>
+              </a:p>
+            </p:txBody>
+          </p:sp>
+          <p:sp>
+            <p:nvSpPr>
+              <p:cNvPr id="55" name="Rectangle 54"/>
+              <p:cNvSpPr/>
+              <p:nvPr/>
+            </p:nvSpPr>
+            <p:spPr>
+              <a:xfrm>
+                <a:off x="5361095" y="3977397"/>
+                <a:ext cx="1029810" cy="960120"/>
+              </a:xfrm>
+              <a:prstGeom prst="rect">
+                <a:avLst/>
+              </a:prstGeom>
+              <a:noFill/>
+              <a:ln w="38100"/>
+            </p:spPr>
+            <p:style>
+              <a:lnRef idx="2">
+                <a:schemeClr val="dk1"/>
+              </a:lnRef>
+              <a:fillRef idx="1">
+                <a:schemeClr val="lt1"/>
+              </a:fillRef>
+              <a:effectRef idx="0">
+                <a:schemeClr val="dk1"/>
+              </a:effectRef>
+              <a:fontRef idx="minor">
+                <a:schemeClr val="dk1"/>
+              </a:fontRef>
+            </p:style>
+            <p:txBody>
+              <a:bodyPr rtlCol="0" anchor="ctr"/>
+              <a:lstStyle/>
+              <a:p>
+                <a:pPr algn="ctr"/>
+                <a:endParaRPr lang="en-US" sz="1200">
+                  <a:solidFill>
+                    <a:schemeClr val="tx1"/>
+                  </a:solidFill>
+                </a:endParaRPr>
+              </a:p>
+            </p:txBody>
+          </p:sp>
+          <p:sp>
+            <p:nvSpPr>
+              <p:cNvPr id="56" name="Rectangle 55"/>
+              <p:cNvSpPr/>
+              <p:nvPr/>
+            </p:nvSpPr>
+            <p:spPr>
+              <a:xfrm>
+                <a:off x="5361095" y="4938516"/>
+                <a:ext cx="1029810" cy="960120"/>
+              </a:xfrm>
+              <a:prstGeom prst="rect">
+                <a:avLst/>
+              </a:prstGeom>
+              <a:noFill/>
+              <a:ln w="38100"/>
+            </p:spPr>
+            <p:style>
+              <a:lnRef idx="2">
+                <a:schemeClr val="dk1"/>
+              </a:lnRef>
+              <a:fillRef idx="1">
+                <a:schemeClr val="lt1"/>
+              </a:fillRef>
+              <a:effectRef idx="0">
+                <a:schemeClr val="dk1"/>
+              </a:effectRef>
+              <a:fontRef idx="minor">
+                <a:schemeClr val="dk1"/>
+              </a:fontRef>
+            </p:style>
+            <p:txBody>
+              <a:bodyPr rtlCol="0" anchor="ctr"/>
+              <a:lstStyle/>
+              <a:p>
+                <a:pPr algn="ctr"/>
+                <a:endParaRPr lang="en-US" sz="1200">
+                  <a:solidFill>
+                    <a:schemeClr val="tx1"/>
+                  </a:solidFill>
+                </a:endParaRPr>
+              </a:p>
+            </p:txBody>
+          </p:sp>
+          <p:sp>
+            <p:nvSpPr>
+              <p:cNvPr id="57" name="TextBox 56"/>
+              <p:cNvSpPr txBox="1"/>
+              <p:nvPr/>
+            </p:nvSpPr>
+            <p:spPr>
+              <a:xfrm>
+                <a:off x="5527041" y="2370032"/>
+                <a:ext cx="697915" cy="276999"/>
+              </a:xfrm>
+              <a:prstGeom prst="rect">
+                <a:avLst/>
+              </a:prstGeom>
+              <a:noFill/>
+            </p:spPr>
+            <p:txBody>
+              <a:bodyPr wrap="square" rtlCol="0">
+                <a:spAutoFit/>
+              </a:bodyPr>
+              <a:lstStyle/>
+              <a:p>
+                <a:pPr algn="ctr"/>
+                <a:r>
+                  <a:rPr lang="en-US" sz="1200" b="1" dirty="0"/>
+                  <a:t>Security</a:t>
+                </a:r>
+              </a:p>
+            </p:txBody>
+          </p:sp>
+          <p:sp>
+            <p:nvSpPr>
+              <p:cNvPr id="58" name="TextBox 57"/>
+              <p:cNvSpPr txBox="1"/>
+              <p:nvPr/>
+            </p:nvSpPr>
+            <p:spPr>
+              <a:xfrm>
+                <a:off x="5421846" y="4319715"/>
+                <a:ext cx="904763" cy="276999"/>
+              </a:xfrm>
+              <a:prstGeom prst="rect">
+                <a:avLst/>
+              </a:prstGeom>
+              <a:noFill/>
+            </p:spPr>
+            <p:txBody>
+              <a:bodyPr wrap="square" rtlCol="0">
+                <a:spAutoFit/>
+              </a:bodyPr>
+              <a:lstStyle/>
+              <a:p>
+                <a:pPr algn="ctr"/>
+                <a:r>
+                  <a:rPr lang="en-US" sz="1200" b="1" dirty="0"/>
+                  <a:t>Availability</a:t>
+                </a:r>
+              </a:p>
+            </p:txBody>
+          </p:sp>
+          <p:sp>
+            <p:nvSpPr>
+              <p:cNvPr id="59" name="TextBox 58"/>
+              <p:cNvSpPr txBox="1"/>
+              <p:nvPr/>
+            </p:nvSpPr>
+            <p:spPr>
+              <a:xfrm>
+                <a:off x="5430928" y="5188134"/>
+                <a:ext cx="867866" cy="461665"/>
+              </a:xfrm>
+              <a:prstGeom prst="rect">
+                <a:avLst/>
+              </a:prstGeom>
+              <a:noFill/>
+            </p:spPr>
+            <p:txBody>
+              <a:bodyPr wrap="square" rtlCol="0">
+                <a:spAutoFit/>
+              </a:bodyPr>
+              <a:lstStyle/>
+              <a:p>
+                <a:pPr algn="ctr"/>
+                <a:r>
+                  <a:rPr lang="en-US" sz="1200" b="1" dirty="0"/>
+                  <a:t>Processing</a:t>
+                </a:r>
+                <a:br>
+                  <a:rPr lang="en-US" sz="1200" b="1" dirty="0"/>
+                </a:br>
+                <a:r>
+                  <a:rPr lang="en-US" sz="1200" b="1" dirty="0"/>
+                  <a:t>Integrity</a:t>
+                </a:r>
+              </a:p>
+            </p:txBody>
+          </p:sp>
+          <p:sp>
+            <p:nvSpPr>
+              <p:cNvPr id="60" name="TextBox 59"/>
+              <p:cNvSpPr txBox="1"/>
+              <p:nvPr/>
+            </p:nvSpPr>
+            <p:spPr>
+              <a:xfrm>
+                <a:off x="5307634" y="3175071"/>
+                <a:ext cx="1133186" cy="646331"/>
+              </a:xfrm>
+              <a:prstGeom prst="rect">
+                <a:avLst/>
+              </a:prstGeom>
+              <a:noFill/>
+            </p:spPr>
+            <p:txBody>
+              <a:bodyPr wrap="square" rtlCol="0">
+                <a:spAutoFit/>
+              </a:bodyPr>
+              <a:lstStyle/>
+              <a:p>
+                <a:pPr algn="ctr"/>
+                <a:r>
+                  <a:rPr lang="en-US" sz="1200" b="1" dirty="0"/>
+                  <a:t>Confidentiality</a:t>
+                </a:r>
+                <a:br>
+                  <a:rPr lang="en-US" sz="1200" b="1" dirty="0"/>
+                </a:br>
+                <a:r>
+                  <a:rPr lang="en-US" sz="1200" b="1" dirty="0"/>
+                  <a:t>&amp;</a:t>
+                </a:r>
+                <a:br>
+                  <a:rPr lang="en-US" sz="1200" b="1" dirty="0"/>
+                </a:br>
+                <a:r>
+                  <a:rPr lang="en-US" sz="1200" b="1" dirty="0"/>
+                  <a:t>Privacy</a:t>
+                </a:r>
+              </a:p>
+            </p:txBody>
+          </p:sp>
+          <p:sp>
+            <p:nvSpPr>
+              <p:cNvPr id="43" name="TextBox 42"/>
+              <p:cNvSpPr txBox="1"/>
+              <p:nvPr/>
+            </p:nvSpPr>
+            <p:spPr>
+              <a:xfrm>
+                <a:off x="3798059" y="5561830"/>
+                <a:ext cx="1389955" cy="276999"/>
+              </a:xfrm>
+              <a:prstGeom prst="rect">
+                <a:avLst/>
+              </a:prstGeom>
+              <a:noFill/>
+            </p:spPr>
+            <p:txBody>
+              <a:bodyPr wrap="square" rtlCol="0">
+                <a:spAutoFit/>
+              </a:bodyPr>
+              <a:lstStyle/>
+              <a:p>
+                <a:pPr algn="ctr"/>
+                <a:r>
+                  <a:rPr lang="en-US" sz="1200" b="1" dirty="0"/>
+                  <a:t>E n v I r o n m e n t</a:t>
+                </a:r>
+              </a:p>
+            </p:txBody>
+          </p:sp>
+        </p:grpSp>
+      </p:grpSp>
+    </p:spTree>
+    <p:extLst>
+      <p:ext uri="{BB962C8B-B14F-4D97-AF65-F5344CB8AC3E}">
+        <p14:creationId xmlns:p14="http://schemas.microsoft.com/office/powerpoint/2010/main" val="1519213013"/>
       </p:ext>
     </p:extLst>
   </p:cSld>
@@ -10598,17 +11926,16 @@
             <a:p>
               <a:pPr algn="ctr"/>
               <a:r>
-                <a:rPr lang="en-US" dirty="0" smtClean="0"/>
+                <a:rPr lang="en-US" dirty="0"/>
                 <a:t>Data</a:t>
               </a:r>
               <a:br>
-                <a:rPr lang="en-US" dirty="0" smtClean="0"/>
+                <a:rPr lang="en-US" dirty="0"/>
               </a:br>
               <a:r>
-                <a:rPr lang="en-US" dirty="0" smtClean="0"/>
+                <a:rPr lang="en-US" dirty="0"/>
                 <a:t>Storage</a:t>
               </a:r>
-              <a:endParaRPr lang="en-US" dirty="0"/>
             </a:p>
           </p:txBody>
         </p:sp>
@@ -10874,17 +12201,16 @@
             <a:p>
               <a:pPr algn="ctr"/>
               <a:r>
-                <a:rPr lang="en-US" dirty="0" smtClean="0"/>
+                <a:rPr lang="en-US" dirty="0"/>
                 <a:t>Data</a:t>
               </a:r>
               <a:br>
-                <a:rPr lang="en-US" dirty="0" smtClean="0"/>
+                <a:rPr lang="en-US" dirty="0"/>
               </a:br>
               <a:r>
-                <a:rPr lang="en-US" dirty="0" smtClean="0"/>
+                <a:rPr lang="en-US" dirty="0"/>
                 <a:t>Collection</a:t>
               </a:r>
-              <a:endParaRPr lang="en-US" dirty="0"/>
             </a:p>
           </p:txBody>
         </p:sp>
@@ -10912,17 +12238,16 @@
             <a:p>
               <a:pPr algn="ctr"/>
               <a:r>
-                <a:rPr lang="en-US" dirty="0" smtClean="0"/>
+                <a:rPr lang="en-US" dirty="0"/>
                 <a:t>Data</a:t>
               </a:r>
               <a:br>
-                <a:rPr lang="en-US" dirty="0" smtClean="0"/>
+                <a:rPr lang="en-US" dirty="0"/>
               </a:br>
               <a:r>
-                <a:rPr lang="en-US" dirty="0" smtClean="0"/>
+                <a:rPr lang="en-US" dirty="0"/>
                 <a:t>Processing</a:t>
               </a:r>
-              <a:endParaRPr lang="en-US" dirty="0"/>
             </a:p>
           </p:txBody>
         </p:sp>
@@ -10950,17 +12275,16 @@
             <a:p>
               <a:pPr algn="ctr"/>
               <a:r>
-                <a:rPr lang="en-US" dirty="0" smtClean="0"/>
+                <a:rPr lang="en-US" dirty="0"/>
                 <a:t>Information</a:t>
               </a:r>
               <a:br>
-                <a:rPr lang="en-US" dirty="0" smtClean="0"/>
+                <a:rPr lang="en-US" dirty="0"/>
               </a:br>
               <a:r>
-                <a:rPr lang="en-US" dirty="0" smtClean="0"/>
+                <a:rPr lang="en-US" dirty="0"/>
                 <a:t>Reporting</a:t>
               </a:r>
-              <a:endParaRPr lang="en-US" dirty="0"/>
             </a:p>
           </p:txBody>
         </p:sp>
@@ -11569,19 +12893,15 @@
             <a:p>
               <a:pPr algn="ctr"/>
               <a:r>
-                <a:rPr lang="en-US" sz="1300" b="1" dirty="0" smtClean="0"/>
+                <a:rPr lang="en-US" sz="1300" b="1" dirty="0"/>
                 <a:t>Access</a:t>
               </a:r>
               <a:br>
-                <a:rPr lang="en-US" sz="1300" b="1" dirty="0" smtClean="0"/>
+                <a:rPr lang="en-US" sz="1300" b="1" dirty="0"/>
               </a:br>
               <a:r>
-                <a:rPr lang="en-US" sz="1300" b="1" dirty="0" smtClean="0"/>
-                <a:t>Contro</a:t>
-              </a:r>
-              <a:r>
                 <a:rPr lang="en-US" sz="1300" b="1" dirty="0"/>
-                <a:t>l</a:t>
+                <a:t>Control</a:t>
               </a:r>
             </a:p>
           </p:txBody>
@@ -11610,17 +12930,16 @@
             <a:p>
               <a:pPr algn="ctr"/>
               <a:r>
-                <a:rPr lang="en-US" sz="1300" b="1" dirty="0" smtClean="0"/>
+                <a:rPr lang="en-US" sz="1300" b="1" dirty="0"/>
                 <a:t>Loss</a:t>
               </a:r>
               <a:br>
-                <a:rPr lang="en-US" sz="1300" b="1" dirty="0" smtClean="0"/>
+                <a:rPr lang="en-US" sz="1300" b="1" dirty="0"/>
               </a:br>
               <a:r>
-                <a:rPr lang="en-US" sz="1300" b="1" dirty="0" smtClean="0"/>
+                <a:rPr lang="en-US" sz="1300" b="1" dirty="0"/>
                 <a:t>Prevention</a:t>
               </a:r>
-              <a:endParaRPr lang="en-US" sz="1300" b="1" dirty="0"/>
             </a:p>
           </p:txBody>
         </p:sp>
@@ -11648,17 +12967,16 @@
             <a:p>
               <a:pPr algn="ctr"/>
               <a:r>
-                <a:rPr lang="en-US" sz="1300" b="1" dirty="0" smtClean="0"/>
+                <a:rPr lang="en-US" sz="1300" b="1" dirty="0"/>
                 <a:t>Error</a:t>
               </a:r>
               <a:br>
-                <a:rPr lang="en-US" sz="1300" b="1" dirty="0" smtClean="0"/>
+                <a:rPr lang="en-US" sz="1300" b="1" dirty="0"/>
               </a:br>
               <a:r>
-                <a:rPr lang="en-US" sz="1300" b="1" dirty="0" smtClean="0"/>
+                <a:rPr lang="en-US" sz="1300" b="1" dirty="0"/>
                 <a:t>Prevention</a:t>
               </a:r>
-              <a:endParaRPr lang="en-US" sz="1300" b="1" dirty="0"/>
             </a:p>
           </p:txBody>
         </p:sp>
@@ -11686,10 +13004,9 @@
             <a:p>
               <a:pPr algn="ctr"/>
               <a:r>
-                <a:rPr lang="en-US" sz="1300" b="1" dirty="0" smtClean="0"/>
+                <a:rPr lang="en-US" sz="1300" b="1" dirty="0"/>
                 <a:t>Detection</a:t>
               </a:r>
-              <a:endParaRPr lang="en-US" sz="1300" b="1" dirty="0"/>
             </a:p>
           </p:txBody>
         </p:sp>
@@ -11717,10 +13034,9 @@
             <a:p>
               <a:pPr algn="ctr"/>
               <a:r>
-                <a:rPr lang="en-US" sz="1300" b="1" dirty="0" smtClean="0"/>
+                <a:rPr lang="en-US" sz="1300" b="1" dirty="0"/>
                 <a:t>Correction</a:t>
               </a:r>
-              <a:endParaRPr lang="en-US" sz="1300" b="1" dirty="0"/>
             </a:p>
           </p:txBody>
         </p:sp>
@@ -11908,10 +13224,9 @@
             <a:p>
               <a:pPr algn="ctr"/>
               <a:r>
-                <a:rPr lang="en-US" sz="1300" b="1" dirty="0" smtClean="0"/>
+                <a:rPr lang="en-US" sz="1300" b="1" dirty="0"/>
                 <a:t>Hardware</a:t>
               </a:r>
-              <a:endParaRPr lang="en-US" sz="1300" b="1" dirty="0"/>
             </a:p>
           </p:txBody>
         </p:sp>
@@ -11939,10 +13254,9 @@
             <a:p>
               <a:pPr algn="ctr"/>
               <a:r>
-                <a:rPr lang="en-US" sz="1300" b="1" dirty="0" smtClean="0"/>
+                <a:rPr lang="en-US" sz="1300" b="1" dirty="0"/>
                 <a:t>Software</a:t>
               </a:r>
-              <a:endParaRPr lang="en-US" sz="1300" b="1" dirty="0"/>
             </a:p>
           </p:txBody>
         </p:sp>
@@ -11970,10 +13284,9 @@
             <a:p>
               <a:pPr algn="ctr"/>
               <a:r>
-                <a:rPr lang="en-US" sz="1300" b="1" dirty="0" smtClean="0"/>
+                <a:rPr lang="en-US" sz="1300" b="1" dirty="0"/>
                 <a:t>Storage</a:t>
               </a:r>
-              <a:endParaRPr lang="en-US" sz="1300" b="1" dirty="0"/>
             </a:p>
           </p:txBody>
         </p:sp>
@@ -12001,10 +13314,9 @@
             <a:p>
               <a:pPr algn="ctr"/>
               <a:r>
-                <a:rPr lang="en-US" sz="1300" b="1" dirty="0" smtClean="0"/>
+                <a:rPr lang="en-US" sz="1300" b="1" dirty="0"/>
                 <a:t>Services</a:t>
               </a:r>
-              <a:endParaRPr lang="en-US" sz="1300" b="1" dirty="0"/>
             </a:p>
           </p:txBody>
         </p:sp>
@@ -12032,18 +13344,13 @@
             <a:p>
               <a:pPr algn="ctr"/>
               <a:r>
-                <a:rPr lang="en-US" sz="1300" b="1" dirty="0" smtClean="0">
+                <a:rPr lang="en-US" sz="1300" b="1" dirty="0">
                   <a:solidFill>
                     <a:srgbClr val="FF5050"/>
                   </a:solidFill>
                 </a:rPr>
                 <a:t>Control</a:t>
               </a:r>
-              <a:endParaRPr lang="en-US" sz="1300" b="1" dirty="0">
-                <a:solidFill>
-                  <a:srgbClr val="FF5050"/>
-                </a:solidFill>
-              </a:endParaRPr>
             </a:p>
           </p:txBody>
         </p:sp>
@@ -12071,18 +13378,13 @@
             <a:p>
               <a:pPr algn="ctr"/>
               <a:r>
-                <a:rPr lang="en-US" sz="1300" b="1" dirty="0" smtClean="0">
+                <a:rPr lang="en-US" sz="1300" b="1" dirty="0">
                   <a:solidFill>
                     <a:srgbClr val="92D050"/>
                   </a:solidFill>
                 </a:rPr>
                 <a:t>Technology</a:t>
               </a:r>
-              <a:endParaRPr lang="en-US" sz="1300" b="1" dirty="0">
-                <a:solidFill>
-                  <a:srgbClr val="92D050"/>
-                </a:solidFill>
-              </a:endParaRPr>
             </a:p>
           </p:txBody>
         </p:sp>
@@ -12203,17 +13505,16 @@
             <a:p>
               <a:pPr algn="ctr"/>
               <a:r>
-                <a:rPr lang="en-US" sz="1300" b="1" dirty="0" smtClean="0"/>
+                <a:rPr lang="en-US" sz="1300" b="1" dirty="0"/>
                 <a:t>Business</a:t>
               </a:r>
               <a:br>
-                <a:rPr lang="en-US" sz="1300" b="1" dirty="0" smtClean="0"/>
+                <a:rPr lang="en-US" sz="1300" b="1" dirty="0"/>
               </a:br>
               <a:r>
-                <a:rPr lang="en-US" sz="1300" b="1" dirty="0" smtClean="0"/>
+                <a:rPr lang="en-US" sz="1300" b="1" dirty="0"/>
                 <a:t>Model</a:t>
               </a:r>
-              <a:endParaRPr lang="en-US" sz="1300" b="1" dirty="0"/>
             </a:p>
           </p:txBody>
         </p:sp>
@@ -12241,10 +13542,9 @@
             <a:p>
               <a:pPr algn="ctr"/>
               <a:r>
-                <a:rPr lang="en-US" sz="1300" b="1" dirty="0" smtClean="0"/>
+                <a:rPr lang="en-US" sz="1300" b="1" dirty="0"/>
                 <a:t>Compliance</a:t>
               </a:r>
-              <a:endParaRPr lang="en-US" sz="1300" b="1" dirty="0"/>
             </a:p>
           </p:txBody>
         </p:sp>
@@ -12272,17 +13572,16 @@
             <a:p>
               <a:pPr algn="ctr"/>
               <a:r>
-                <a:rPr lang="en-US" sz="1300" b="1" dirty="0" smtClean="0"/>
+                <a:rPr lang="en-US" sz="1300" b="1" dirty="0"/>
                 <a:t>Technological</a:t>
               </a:r>
               <a:br>
-                <a:rPr lang="en-US" sz="1300" b="1" dirty="0" smtClean="0"/>
+                <a:rPr lang="en-US" sz="1300" b="1" dirty="0"/>
               </a:br>
               <a:r>
-                <a:rPr lang="en-US" sz="1300" b="1" dirty="0" smtClean="0"/>
+                <a:rPr lang="en-US" sz="1300" b="1" dirty="0"/>
                 <a:t>Feasibility</a:t>
               </a:r>
-              <a:endParaRPr lang="en-US" sz="1300" b="1" dirty="0"/>
             </a:p>
           </p:txBody>
         </p:sp>
@@ -12310,7 +13609,7 @@
             <a:p>
               <a:pPr algn="ctr"/>
               <a:r>
-                <a:rPr lang="en-US" sz="1300" b="1" dirty="0" smtClean="0">
+                <a:rPr lang="en-US" sz="1300" b="1" dirty="0">
                   <a:solidFill>
                     <a:srgbClr val="00B0F0"/>
                   </a:solidFill>
@@ -12318,7 +13617,7 @@
                 <a:t>I n f o r m a t </a:t>
               </a:r>
               <a:r>
-                <a:rPr lang="en-US" sz="1300" b="1" dirty="0" err="1" smtClean="0">
+                <a:rPr lang="en-US" sz="1300" b="1" dirty="0" err="1">
                   <a:solidFill>
                     <a:srgbClr val="00B0F0"/>
                   </a:solidFill>
@@ -12326,18 +13625,13 @@
                 <a:t>i</a:t>
               </a:r>
               <a:r>
-                <a:rPr lang="en-US" sz="1300" b="1" dirty="0" smtClean="0">
+                <a:rPr lang="en-US" sz="1300" b="1" dirty="0">
                   <a:solidFill>
                     <a:srgbClr val="00B0F0"/>
                   </a:solidFill>
                 </a:rPr>
                 <a:t> o n</a:t>
               </a:r>
-              <a:endParaRPr lang="en-US" sz="1300" b="1" dirty="0">
-                <a:solidFill>
-                  <a:srgbClr val="00B0F0"/>
-                </a:solidFill>
-              </a:endParaRPr>
             </a:p>
           </p:txBody>
         </p:sp>
@@ -12457,10 +13751,9 @@
             <a:p>
               <a:pPr algn="ctr"/>
               <a:r>
-                <a:rPr lang="en-US" sz="1300" b="1" dirty="0" smtClean="0"/>
+                <a:rPr lang="en-US" sz="1300" b="1" dirty="0"/>
                 <a:t>Use</a:t>
               </a:r>
-              <a:endParaRPr lang="en-US" sz="1300" b="1" dirty="0"/>
             </a:p>
           </p:txBody>
         </p:sp>
@@ -12488,10 +13781,9 @@
             <a:p>
               <a:pPr algn="ctr"/>
               <a:r>
-                <a:rPr lang="en-US" sz="1300" b="1" dirty="0" smtClean="0"/>
+                <a:rPr lang="en-US" sz="1300" b="1" dirty="0"/>
                 <a:t>Maintenance</a:t>
               </a:r>
-              <a:endParaRPr lang="en-US" sz="1300" b="1" dirty="0"/>
             </a:p>
           </p:txBody>
         </p:sp>
@@ -12519,10 +13811,9 @@
             <a:p>
               <a:pPr algn="ctr"/>
               <a:r>
-                <a:rPr lang="en-US" sz="1300" b="1" dirty="0" smtClean="0"/>
+                <a:rPr lang="en-US" sz="1300" b="1" dirty="0"/>
                 <a:t>Creation</a:t>
               </a:r>
-              <a:endParaRPr lang="en-US" sz="1300" b="1" dirty="0"/>
             </a:p>
           </p:txBody>
         </p:sp>
@@ -13131,10 +14422,9 @@
             <a:p>
               <a:pPr algn="ctr"/>
               <a:r>
-                <a:rPr lang="en-US" sz="1200" b="1" dirty="0" smtClean="0"/>
+                <a:rPr lang="en-US" sz="1200" b="1" dirty="0"/>
                 <a:t>Security</a:t>
               </a:r>
-              <a:endParaRPr lang="en-US" sz="1200" b="1" dirty="0"/>
             </a:p>
           </p:txBody>
         </p:sp>
@@ -13162,10 +14452,9 @@
             <a:p>
               <a:pPr algn="ctr"/>
               <a:r>
-                <a:rPr lang="en-US" sz="1200" b="1" dirty="0" smtClean="0"/>
+                <a:rPr lang="en-US" sz="1200" b="1" dirty="0"/>
                 <a:t>Confidentiality</a:t>
               </a:r>
-              <a:endParaRPr lang="en-US" sz="1200" b="1" dirty="0"/>
             </a:p>
           </p:txBody>
         </p:sp>
@@ -13193,10 +14482,9 @@
             <a:p>
               <a:pPr algn="ctr"/>
               <a:r>
-                <a:rPr lang="en-US" sz="1200" b="1" dirty="0" smtClean="0"/>
+                <a:rPr lang="en-US" sz="1200" b="1" dirty="0"/>
                 <a:t>Privacy</a:t>
               </a:r>
-              <a:endParaRPr lang="en-US" sz="1200" b="1" dirty="0"/>
             </a:p>
           </p:txBody>
         </p:sp>
@@ -13224,17 +14512,16 @@
             <a:p>
               <a:pPr algn="ctr"/>
               <a:r>
-                <a:rPr lang="en-US" sz="1200" b="1" dirty="0" smtClean="0"/>
+                <a:rPr lang="en-US" sz="1200" b="1" dirty="0"/>
                 <a:t>Processing</a:t>
               </a:r>
             </a:p>
             <a:p>
               <a:pPr algn="ctr"/>
               <a:r>
-                <a:rPr lang="en-US" sz="1200" b="1" dirty="0" smtClean="0"/>
+                <a:rPr lang="en-US" sz="1200" b="1" dirty="0"/>
                 <a:t>Integrity</a:t>
               </a:r>
-              <a:endParaRPr lang="en-US" sz="1200" b="1" dirty="0"/>
             </a:p>
           </p:txBody>
         </p:sp>
@@ -13262,10 +14549,9 @@
             <a:p>
               <a:pPr algn="ctr"/>
               <a:r>
-                <a:rPr lang="en-US" sz="1200" b="1" dirty="0" smtClean="0"/>
+                <a:rPr lang="en-US" sz="1200" b="1" dirty="0"/>
                 <a:t>Availability</a:t>
               </a:r>
-              <a:endParaRPr lang="en-US" sz="1200" b="1" dirty="0"/>
             </a:p>
           </p:txBody>
         </p:sp>
@@ -13453,10 +14739,9 @@
             <a:p>
               <a:pPr algn="ctr"/>
               <a:r>
-                <a:rPr lang="en-US" sz="1200" b="1" dirty="0" smtClean="0"/>
+                <a:rPr lang="en-US" sz="1200" b="1" dirty="0"/>
                 <a:t>Hardware</a:t>
               </a:r>
-              <a:endParaRPr lang="en-US" sz="1200" b="1" dirty="0"/>
             </a:p>
           </p:txBody>
         </p:sp>
@@ -13484,10 +14769,9 @@
             <a:p>
               <a:pPr algn="ctr"/>
               <a:r>
-                <a:rPr lang="en-US" sz="1200" b="1" dirty="0" smtClean="0"/>
+                <a:rPr lang="en-US" sz="1200" b="1" dirty="0"/>
                 <a:t>Software</a:t>
               </a:r>
-              <a:endParaRPr lang="en-US" sz="1200" b="1" dirty="0"/>
             </a:p>
           </p:txBody>
         </p:sp>
@@ -13515,10 +14799,9 @@
             <a:p>
               <a:pPr algn="ctr"/>
               <a:r>
-                <a:rPr lang="en-US" sz="1200" b="1" dirty="0" smtClean="0"/>
+                <a:rPr lang="en-US" sz="1200" b="1" dirty="0"/>
                 <a:t>Storage</a:t>
               </a:r>
-              <a:endParaRPr lang="en-US" sz="1200" b="1" dirty="0"/>
             </a:p>
           </p:txBody>
         </p:sp>
@@ -13546,10 +14829,9 @@
             <a:p>
               <a:pPr algn="ctr"/>
               <a:r>
-                <a:rPr lang="en-US" sz="1200" b="1" dirty="0" smtClean="0"/>
+                <a:rPr lang="en-US" sz="1200" b="1" dirty="0"/>
                 <a:t>Services</a:t>
               </a:r>
-              <a:endParaRPr lang="en-US" sz="1200" b="1" dirty="0"/>
             </a:p>
           </p:txBody>
         </p:sp>
@@ -13577,18 +14859,13 @@
             <a:p>
               <a:pPr algn="ctr"/>
               <a:r>
-                <a:rPr lang="en-US" sz="1200" b="1" dirty="0" smtClean="0">
+                <a:rPr lang="en-US" sz="1200" b="1" dirty="0">
                   <a:solidFill>
                     <a:srgbClr val="FF5050"/>
                   </a:solidFill>
                 </a:rPr>
                 <a:t>Control</a:t>
               </a:r>
-              <a:endParaRPr lang="en-US" sz="1200" b="1" dirty="0">
-                <a:solidFill>
-                  <a:srgbClr val="FF5050"/>
-                </a:solidFill>
-              </a:endParaRPr>
             </a:p>
           </p:txBody>
         </p:sp>
@@ -13616,18 +14893,13 @@
             <a:p>
               <a:pPr algn="ctr"/>
               <a:r>
-                <a:rPr lang="en-US" sz="1200" b="1" dirty="0" smtClean="0">
+                <a:rPr lang="en-US" sz="1200" b="1" dirty="0">
                   <a:solidFill>
                     <a:srgbClr val="92D050"/>
                   </a:solidFill>
                 </a:rPr>
                 <a:t>Technology</a:t>
               </a:r>
-              <a:endParaRPr lang="en-US" sz="1200" b="1" dirty="0">
-                <a:solidFill>
-                  <a:srgbClr val="92D050"/>
-                </a:solidFill>
-              </a:endParaRPr>
             </a:p>
           </p:txBody>
         </p:sp>
@@ -13748,17 +15020,16 @@
             <a:p>
               <a:pPr algn="ctr"/>
               <a:r>
-                <a:rPr lang="en-US" sz="1200" b="1" dirty="0" smtClean="0"/>
+                <a:rPr lang="en-US" sz="1200" b="1" dirty="0"/>
                 <a:t>Business</a:t>
               </a:r>
               <a:br>
-                <a:rPr lang="en-US" sz="1200" b="1" dirty="0" smtClean="0"/>
+                <a:rPr lang="en-US" sz="1200" b="1" dirty="0"/>
               </a:br>
               <a:r>
-                <a:rPr lang="en-US" sz="1200" b="1" dirty="0" smtClean="0"/>
+                <a:rPr lang="en-US" sz="1200" b="1" dirty="0"/>
                 <a:t>Model</a:t>
               </a:r>
-              <a:endParaRPr lang="en-US" sz="1200" b="1" dirty="0"/>
             </a:p>
           </p:txBody>
         </p:sp>
@@ -13786,10 +15057,9 @@
             <a:p>
               <a:pPr algn="ctr"/>
               <a:r>
-                <a:rPr lang="en-US" sz="1200" b="1" dirty="0" smtClean="0"/>
+                <a:rPr lang="en-US" sz="1200" b="1" dirty="0"/>
                 <a:t>Compliance</a:t>
               </a:r>
-              <a:endParaRPr lang="en-US" sz="1200" b="1" dirty="0"/>
             </a:p>
           </p:txBody>
         </p:sp>
@@ -13817,17 +15087,16 @@
             <a:p>
               <a:pPr algn="ctr"/>
               <a:r>
-                <a:rPr lang="en-US" sz="1200" b="1" dirty="0" smtClean="0"/>
+                <a:rPr lang="en-US" sz="1200" b="1" dirty="0"/>
                 <a:t>Technological</a:t>
               </a:r>
               <a:br>
-                <a:rPr lang="en-US" sz="1200" b="1" dirty="0" smtClean="0"/>
+                <a:rPr lang="en-US" sz="1200" b="1" dirty="0"/>
               </a:br>
               <a:r>
-                <a:rPr lang="en-US" sz="1200" b="1" dirty="0" smtClean="0"/>
+                <a:rPr lang="en-US" sz="1200" b="1" dirty="0"/>
                 <a:t>Feasibility</a:t>
               </a:r>
-              <a:endParaRPr lang="en-US" sz="1200" b="1" dirty="0"/>
             </a:p>
           </p:txBody>
         </p:sp>
@@ -13855,7 +15124,7 @@
             <a:p>
               <a:pPr algn="ctr"/>
               <a:r>
-                <a:rPr lang="en-US" sz="1200" b="1" dirty="0" smtClean="0">
+                <a:rPr lang="en-US" sz="1200" b="1" dirty="0">
                   <a:solidFill>
                     <a:srgbClr val="00B0F0"/>
                   </a:solidFill>
@@ -13863,7 +15132,7 @@
                 <a:t>I n f o r m a t </a:t>
               </a:r>
               <a:r>
-                <a:rPr lang="en-US" sz="1200" b="1" dirty="0" err="1" smtClean="0">
+                <a:rPr lang="en-US" sz="1200" b="1" dirty="0" err="1">
                   <a:solidFill>
                     <a:srgbClr val="00B0F0"/>
                   </a:solidFill>
@@ -13871,18 +15140,13 @@
                 <a:t>i</a:t>
               </a:r>
               <a:r>
-                <a:rPr lang="en-US" sz="1200" b="1" dirty="0" smtClean="0">
+                <a:rPr lang="en-US" sz="1200" b="1" dirty="0">
                   <a:solidFill>
                     <a:srgbClr val="00B0F0"/>
                   </a:solidFill>
                 </a:rPr>
                 <a:t> o n</a:t>
               </a:r>
-              <a:endParaRPr lang="en-US" sz="1200" b="1" dirty="0">
-                <a:solidFill>
-                  <a:srgbClr val="00B0F0"/>
-                </a:solidFill>
-              </a:endParaRPr>
             </a:p>
           </p:txBody>
         </p:sp>
@@ -14002,10 +15266,9 @@
             <a:p>
               <a:pPr algn="ctr"/>
               <a:r>
-                <a:rPr lang="en-US" sz="1200" b="1" dirty="0" smtClean="0"/>
+                <a:rPr lang="en-US" sz="1200" b="1" dirty="0"/>
                 <a:t>Use</a:t>
               </a:r>
-              <a:endParaRPr lang="en-US" sz="1200" b="1" dirty="0"/>
             </a:p>
           </p:txBody>
         </p:sp>
@@ -14033,10 +15296,9 @@
             <a:p>
               <a:pPr algn="ctr"/>
               <a:r>
-                <a:rPr lang="en-US" sz="1200" b="1" dirty="0" smtClean="0"/>
+                <a:rPr lang="en-US" sz="1200" b="1" dirty="0"/>
                 <a:t>Maintenance</a:t>
               </a:r>
-              <a:endParaRPr lang="en-US" sz="1200" b="1" dirty="0"/>
             </a:p>
           </p:txBody>
         </p:sp>
@@ -14064,10 +15326,9 @@
             <a:p>
               <a:pPr algn="ctr"/>
               <a:r>
-                <a:rPr lang="en-US" sz="1200" b="1" dirty="0" smtClean="0"/>
+                <a:rPr lang="en-US" sz="1200" b="1" dirty="0"/>
                 <a:t>Creation</a:t>
               </a:r>
-              <a:endParaRPr lang="en-US" sz="1200" b="1" dirty="0"/>
             </a:p>
           </p:txBody>
         </p:sp>
@@ -14588,10 +15849,9 @@
             <a:p>
               <a:pPr algn="ctr"/>
               <a:r>
-                <a:rPr lang="en-US" sz="1200" b="1" dirty="0" smtClean="0"/>
+                <a:rPr lang="en-US" sz="1200" b="1" dirty="0"/>
                 <a:t>Hardware</a:t>
               </a:r>
-              <a:endParaRPr lang="en-US" sz="1200" b="1" dirty="0"/>
             </a:p>
           </p:txBody>
         </p:sp>
@@ -14619,10 +15879,9 @@
             <a:p>
               <a:pPr algn="ctr"/>
               <a:r>
-                <a:rPr lang="en-US" sz="1200" b="1" dirty="0" smtClean="0"/>
+                <a:rPr lang="en-US" sz="1200" b="1" dirty="0"/>
                 <a:t>Software</a:t>
               </a:r>
-              <a:endParaRPr lang="en-US" sz="1200" b="1" dirty="0"/>
             </a:p>
           </p:txBody>
         </p:sp>
@@ -14650,10 +15909,9 @@
             <a:p>
               <a:pPr algn="ctr"/>
               <a:r>
-                <a:rPr lang="en-US" sz="1200" b="1" dirty="0" smtClean="0"/>
+                <a:rPr lang="en-US" sz="1200" b="1" dirty="0"/>
                 <a:t>Storage</a:t>
               </a:r>
-              <a:endParaRPr lang="en-US" sz="1200" b="1" dirty="0"/>
             </a:p>
           </p:txBody>
         </p:sp>
@@ -14681,10 +15939,9 @@
             <a:p>
               <a:pPr algn="ctr"/>
               <a:r>
-                <a:rPr lang="en-US" sz="1200" b="1" dirty="0" smtClean="0"/>
+                <a:rPr lang="en-US" sz="1200" b="1" dirty="0"/>
                 <a:t>Services</a:t>
               </a:r>
-              <a:endParaRPr lang="en-US" sz="1200" b="1" dirty="0"/>
             </a:p>
           </p:txBody>
         </p:sp>
@@ -14712,18 +15969,13 @@
             <a:p>
               <a:pPr algn="ctr"/>
               <a:r>
-                <a:rPr lang="en-US" sz="1200" b="1" dirty="0" smtClean="0">
+                <a:rPr lang="en-US" sz="1200" b="1" dirty="0">
                   <a:solidFill>
                     <a:srgbClr val="FF5050"/>
                   </a:solidFill>
                 </a:rPr>
                 <a:t>Control</a:t>
               </a:r>
-              <a:endParaRPr lang="en-US" sz="1200" b="1" dirty="0">
-                <a:solidFill>
-                  <a:srgbClr val="FF5050"/>
-                </a:solidFill>
-              </a:endParaRPr>
             </a:p>
           </p:txBody>
         </p:sp>
@@ -14751,18 +16003,13 @@
             <a:p>
               <a:pPr algn="ctr"/>
               <a:r>
-                <a:rPr lang="en-US" sz="1200" b="1" dirty="0" smtClean="0">
+                <a:rPr lang="en-US" sz="1200" b="1" dirty="0">
                   <a:solidFill>
                     <a:srgbClr val="92D050"/>
                   </a:solidFill>
                 </a:rPr>
                 <a:t>Technology</a:t>
               </a:r>
-              <a:endParaRPr lang="en-US" sz="1200" b="1" dirty="0">
-                <a:solidFill>
-                  <a:srgbClr val="92D050"/>
-                </a:solidFill>
-              </a:endParaRPr>
             </a:p>
           </p:txBody>
         </p:sp>
@@ -14883,17 +16130,16 @@
             <a:p>
               <a:pPr algn="ctr"/>
               <a:r>
-                <a:rPr lang="en-US" sz="1200" b="1" dirty="0" smtClean="0"/>
+                <a:rPr lang="en-US" sz="1200" b="1" dirty="0"/>
                 <a:t>Business</a:t>
               </a:r>
               <a:br>
-                <a:rPr lang="en-US" sz="1200" b="1" dirty="0" smtClean="0"/>
+                <a:rPr lang="en-US" sz="1200" b="1" dirty="0"/>
               </a:br>
               <a:r>
-                <a:rPr lang="en-US" sz="1200" b="1" dirty="0" smtClean="0"/>
+                <a:rPr lang="en-US" sz="1200" b="1" dirty="0"/>
                 <a:t>Model</a:t>
               </a:r>
-              <a:endParaRPr lang="en-US" sz="1200" b="1" dirty="0"/>
             </a:p>
           </p:txBody>
         </p:sp>
@@ -14921,10 +16167,9 @@
             <a:p>
               <a:pPr algn="ctr"/>
               <a:r>
-                <a:rPr lang="en-US" sz="1200" b="1" dirty="0" smtClean="0"/>
+                <a:rPr lang="en-US" sz="1200" b="1" dirty="0"/>
                 <a:t>Compliance</a:t>
               </a:r>
-              <a:endParaRPr lang="en-US" sz="1200" b="1" dirty="0"/>
             </a:p>
           </p:txBody>
         </p:sp>
@@ -14952,17 +16197,16 @@
             <a:p>
               <a:pPr algn="ctr"/>
               <a:r>
-                <a:rPr lang="en-US" sz="1200" b="1" dirty="0" smtClean="0"/>
+                <a:rPr lang="en-US" sz="1200" b="1" dirty="0"/>
                 <a:t>Technological</a:t>
               </a:r>
               <a:br>
-                <a:rPr lang="en-US" sz="1200" b="1" dirty="0" smtClean="0"/>
+                <a:rPr lang="en-US" sz="1200" b="1" dirty="0"/>
               </a:br>
               <a:r>
-                <a:rPr lang="en-US" sz="1200" b="1" dirty="0" smtClean="0"/>
+                <a:rPr lang="en-US" sz="1200" b="1" dirty="0"/>
                 <a:t>Feasibility</a:t>
               </a:r>
-              <a:endParaRPr lang="en-US" sz="1200" b="1" dirty="0"/>
             </a:p>
           </p:txBody>
         </p:sp>
@@ -14990,7 +16234,7 @@
             <a:p>
               <a:pPr algn="ctr"/>
               <a:r>
-                <a:rPr lang="en-US" sz="1200" b="1" dirty="0" smtClean="0">
+                <a:rPr lang="en-US" sz="1200" b="1" dirty="0">
                   <a:solidFill>
                     <a:srgbClr val="00B0F0"/>
                   </a:solidFill>
@@ -14998,7 +16242,7 @@
                 <a:t>I n f o r m a t </a:t>
               </a:r>
               <a:r>
-                <a:rPr lang="en-US" sz="1200" b="1" dirty="0" err="1" smtClean="0">
+                <a:rPr lang="en-US" sz="1200" b="1" dirty="0" err="1">
                   <a:solidFill>
                     <a:srgbClr val="00B0F0"/>
                   </a:solidFill>
@@ -15006,18 +16250,13 @@
                 <a:t>i</a:t>
               </a:r>
               <a:r>
-                <a:rPr lang="en-US" sz="1200" b="1" dirty="0" smtClean="0">
+                <a:rPr lang="en-US" sz="1200" b="1" dirty="0">
                   <a:solidFill>
                     <a:srgbClr val="00B0F0"/>
                   </a:solidFill>
                 </a:rPr>
                 <a:t> o n</a:t>
               </a:r>
-              <a:endParaRPr lang="en-US" sz="1200" b="1" dirty="0">
-                <a:solidFill>
-                  <a:srgbClr val="00B0F0"/>
-                </a:solidFill>
-              </a:endParaRPr>
             </a:p>
           </p:txBody>
         </p:sp>
@@ -15137,10 +16376,9 @@
             <a:p>
               <a:pPr algn="ctr"/>
               <a:r>
-                <a:rPr lang="en-US" sz="1200" b="1" dirty="0" smtClean="0"/>
+                <a:rPr lang="en-US" sz="1200" b="1" dirty="0"/>
                 <a:t>Use</a:t>
               </a:r>
-              <a:endParaRPr lang="en-US" sz="1200" b="1" dirty="0"/>
             </a:p>
           </p:txBody>
         </p:sp>
@@ -15168,10 +16406,9 @@
             <a:p>
               <a:pPr algn="ctr"/>
               <a:r>
-                <a:rPr lang="en-US" sz="1200" b="1" dirty="0" smtClean="0"/>
+                <a:rPr lang="en-US" sz="1200" b="1" dirty="0"/>
                 <a:t>Maintenance</a:t>
               </a:r>
-              <a:endParaRPr lang="en-US" sz="1200" b="1" dirty="0"/>
             </a:p>
           </p:txBody>
         </p:sp>
@@ -15199,10 +16436,9 @@
             <a:p>
               <a:pPr algn="ctr"/>
               <a:r>
-                <a:rPr lang="en-US" sz="1200" b="1" dirty="0" smtClean="0"/>
+                <a:rPr lang="en-US" sz="1200" b="1" dirty="0"/>
                 <a:t>Creation</a:t>
               </a:r>
-              <a:endParaRPr lang="en-US" sz="1200" b="1" dirty="0"/>
             </a:p>
           </p:txBody>
         </p:sp>
@@ -15432,10 +16668,9 @@
             <a:p>
               <a:pPr algn="ctr"/>
               <a:r>
-                <a:rPr lang="en-US" sz="1200" b="1" dirty="0" smtClean="0"/>
+                <a:rPr lang="en-US" sz="1200" b="1" dirty="0"/>
                 <a:t>Security</a:t>
               </a:r>
-              <a:endParaRPr lang="en-US" sz="1200" b="1" dirty="0"/>
             </a:p>
           </p:txBody>
         </p:sp>
@@ -15463,10 +16698,9 @@
             <a:p>
               <a:pPr algn="ctr"/>
               <a:r>
-                <a:rPr lang="en-US" sz="1200" b="1" dirty="0" smtClean="0"/>
+                <a:rPr lang="en-US" sz="1200" b="1" dirty="0"/>
                 <a:t>Availability</a:t>
               </a:r>
-              <a:endParaRPr lang="en-US" sz="1200" b="1" dirty="0"/>
             </a:p>
           </p:txBody>
         </p:sp>
@@ -15494,17 +16728,16 @@
             <a:p>
               <a:pPr algn="ctr"/>
               <a:r>
-                <a:rPr lang="en-US" sz="1200" b="1" dirty="0" smtClean="0"/>
+                <a:rPr lang="en-US" sz="1200" b="1" dirty="0"/>
                 <a:t>Processing</a:t>
               </a:r>
               <a:br>
-                <a:rPr lang="en-US" sz="1200" b="1" dirty="0" smtClean="0"/>
+                <a:rPr lang="en-US" sz="1200" b="1" dirty="0"/>
               </a:br>
               <a:r>
-                <a:rPr lang="en-US" sz="1200" b="1" dirty="0" smtClean="0"/>
+                <a:rPr lang="en-US" sz="1200" b="1" dirty="0"/>
                 <a:t>Integrity</a:t>
               </a:r>
-              <a:endParaRPr lang="en-US" sz="1200" b="1" dirty="0"/>
             </a:p>
           </p:txBody>
         </p:sp>
@@ -15532,10 +16765,9 @@
             <a:p>
               <a:pPr algn="ctr"/>
               <a:r>
-                <a:rPr lang="en-US" sz="1200" b="1" dirty="0" smtClean="0"/>
+                <a:rPr lang="en-US" sz="1200" b="1" dirty="0"/>
                 <a:t>Confidentiality</a:t>
               </a:r>
-              <a:endParaRPr lang="en-US" sz="1200" b="1" dirty="0"/>
             </a:p>
           </p:txBody>
         </p:sp>
@@ -16056,10 +17288,9 @@
             <a:p>
               <a:pPr algn="ctr"/>
               <a:r>
-                <a:rPr lang="en-US" sz="1200" b="1" dirty="0" smtClean="0"/>
+                <a:rPr lang="en-US" sz="1200" b="1" dirty="0"/>
                 <a:t>Hardware</a:t>
               </a:r>
-              <a:endParaRPr lang="en-US" sz="1200" b="1" dirty="0"/>
             </a:p>
           </p:txBody>
         </p:sp>
@@ -16087,10 +17318,9 @@
             <a:p>
               <a:pPr algn="ctr"/>
               <a:r>
-                <a:rPr lang="en-US" sz="1200" b="1" dirty="0" smtClean="0"/>
+                <a:rPr lang="en-US" sz="1200" b="1" dirty="0"/>
                 <a:t>Software</a:t>
               </a:r>
-              <a:endParaRPr lang="en-US" sz="1200" b="1" dirty="0"/>
             </a:p>
           </p:txBody>
         </p:sp>
@@ -16118,10 +17348,9 @@
             <a:p>
               <a:pPr algn="ctr"/>
               <a:r>
-                <a:rPr lang="en-US" sz="1200" b="1" dirty="0" smtClean="0"/>
+                <a:rPr lang="en-US" sz="1200" b="1" dirty="0"/>
                 <a:t>Storage</a:t>
               </a:r>
-              <a:endParaRPr lang="en-US" sz="1200" b="1" dirty="0"/>
             </a:p>
           </p:txBody>
         </p:sp>
@@ -16149,10 +17378,9 @@
             <a:p>
               <a:pPr algn="ctr"/>
               <a:r>
-                <a:rPr lang="en-US" sz="1200" b="1" dirty="0" smtClean="0"/>
+                <a:rPr lang="en-US" sz="1200" b="1" dirty="0"/>
                 <a:t>Services</a:t>
               </a:r>
-              <a:endParaRPr lang="en-US" sz="1200" b="1" dirty="0"/>
             </a:p>
           </p:txBody>
         </p:sp>
@@ -16180,10 +17408,9 @@
             <a:p>
               <a:pPr algn="ctr"/>
               <a:r>
-                <a:rPr lang="en-US" sz="1200" b="1" dirty="0" smtClean="0"/>
+                <a:rPr lang="en-US" sz="1200" b="1" dirty="0"/>
                 <a:t>Control</a:t>
               </a:r>
-              <a:endParaRPr lang="en-US" sz="1200" b="1" dirty="0"/>
             </a:p>
           </p:txBody>
         </p:sp>
@@ -16211,10 +17438,9 @@
             <a:p>
               <a:pPr algn="ctr"/>
               <a:r>
-                <a:rPr lang="en-US" sz="1200" b="1" dirty="0" smtClean="0"/>
+                <a:rPr lang="en-US" sz="1200" b="1" dirty="0"/>
                 <a:t>Technology</a:t>
               </a:r>
-              <a:endParaRPr lang="en-US" sz="1200" b="1" dirty="0"/>
             </a:p>
           </p:txBody>
         </p:sp>
@@ -16333,17 +17559,16 @@
             <a:p>
               <a:pPr algn="ctr"/>
               <a:r>
-                <a:rPr lang="en-US" sz="1200" b="1" dirty="0" smtClean="0"/>
+                <a:rPr lang="en-US" sz="1200" b="1" dirty="0"/>
                 <a:t>Business</a:t>
               </a:r>
               <a:br>
-                <a:rPr lang="en-US" sz="1200" b="1" dirty="0" smtClean="0"/>
+                <a:rPr lang="en-US" sz="1200" b="1" dirty="0"/>
               </a:br>
               <a:r>
-                <a:rPr lang="en-US" sz="1200" b="1" dirty="0" smtClean="0"/>
+                <a:rPr lang="en-US" sz="1200" b="1" dirty="0"/>
                 <a:t>Model</a:t>
               </a:r>
-              <a:endParaRPr lang="en-US" sz="1200" b="1" dirty="0"/>
             </a:p>
           </p:txBody>
         </p:sp>
@@ -16371,10 +17596,9 @@
             <a:p>
               <a:pPr algn="ctr"/>
               <a:r>
-                <a:rPr lang="en-US" sz="1200" b="1" dirty="0" smtClean="0"/>
+                <a:rPr lang="en-US" sz="1200" b="1" dirty="0"/>
                 <a:t>Compliance</a:t>
               </a:r>
-              <a:endParaRPr lang="en-US" sz="1200" b="1" dirty="0"/>
             </a:p>
           </p:txBody>
         </p:sp>
@@ -16402,17 +17626,16 @@
             <a:p>
               <a:pPr algn="ctr"/>
               <a:r>
-                <a:rPr lang="en-US" sz="1200" b="1" dirty="0" smtClean="0"/>
+                <a:rPr lang="en-US" sz="1200" b="1" dirty="0"/>
                 <a:t>Technological</a:t>
               </a:r>
               <a:br>
-                <a:rPr lang="en-US" sz="1200" b="1" dirty="0" smtClean="0"/>
+                <a:rPr lang="en-US" sz="1200" b="1" dirty="0"/>
               </a:br>
               <a:r>
-                <a:rPr lang="en-US" sz="1200" b="1" dirty="0" smtClean="0"/>
+                <a:rPr lang="en-US" sz="1200" b="1" dirty="0"/>
                 <a:t>Feasibility</a:t>
               </a:r>
-              <a:endParaRPr lang="en-US" sz="1200" b="1" dirty="0"/>
             </a:p>
           </p:txBody>
         </p:sp>
@@ -16440,18 +17663,17 @@
             <a:p>
               <a:pPr algn="ctr"/>
               <a:r>
-                <a:rPr lang="en-US" sz="1200" b="1" dirty="0" smtClean="0"/>
+                <a:rPr lang="en-US" sz="1200" b="1" dirty="0"/>
                 <a:t>I n f o r m a t </a:t>
               </a:r>
               <a:r>
-                <a:rPr lang="en-US" sz="1200" b="1" dirty="0" err="1" smtClean="0"/>
+                <a:rPr lang="en-US" sz="1200" b="1" dirty="0" err="1"/>
                 <a:t>i</a:t>
               </a:r>
               <a:r>
-                <a:rPr lang="en-US" sz="1200" b="1" dirty="0" smtClean="0"/>
+                <a:rPr lang="en-US" sz="1200" b="1" dirty="0"/>
                 <a:t> o n</a:t>
               </a:r>
-              <a:endParaRPr lang="en-US" sz="1200" b="1" dirty="0"/>
             </a:p>
           </p:txBody>
         </p:sp>
@@ -16571,10 +17793,9 @@
             <a:p>
               <a:pPr algn="ctr"/>
               <a:r>
-                <a:rPr lang="en-US" sz="1200" b="1" dirty="0" smtClean="0"/>
+                <a:rPr lang="en-US" sz="1200" b="1" dirty="0"/>
                 <a:t>Use</a:t>
               </a:r>
-              <a:endParaRPr lang="en-US" sz="1200" b="1" dirty="0"/>
             </a:p>
           </p:txBody>
         </p:sp>
@@ -16602,10 +17823,9 @@
             <a:p>
               <a:pPr algn="ctr"/>
               <a:r>
-                <a:rPr lang="en-US" sz="1200" b="1" dirty="0" smtClean="0"/>
+                <a:rPr lang="en-US" sz="1200" b="1" dirty="0"/>
                 <a:t>Maintenance</a:t>
               </a:r>
-              <a:endParaRPr lang="en-US" sz="1200" b="1" dirty="0"/>
             </a:p>
           </p:txBody>
         </p:sp>
@@ -16633,10 +17853,9 @@
             <a:p>
               <a:pPr algn="ctr"/>
               <a:r>
-                <a:rPr lang="en-US" sz="1200" b="1" dirty="0" smtClean="0"/>
+                <a:rPr lang="en-US" sz="1200" b="1" dirty="0"/>
                 <a:t>Creation</a:t>
               </a:r>
-              <a:endParaRPr lang="en-US" sz="1200" b="1" dirty="0"/>
             </a:p>
           </p:txBody>
         </p:sp>
@@ -16866,10 +18085,9 @@
             <a:p>
               <a:pPr algn="ctr"/>
               <a:r>
-                <a:rPr lang="en-US" sz="1200" b="1" dirty="0" smtClean="0"/>
+                <a:rPr lang="en-US" sz="1200" b="1" dirty="0"/>
                 <a:t>Security</a:t>
               </a:r>
-              <a:endParaRPr lang="en-US" sz="1200" b="1" dirty="0"/>
             </a:p>
           </p:txBody>
         </p:sp>
@@ -16897,10 +18115,9 @@
             <a:p>
               <a:pPr algn="ctr"/>
               <a:r>
-                <a:rPr lang="en-US" sz="1200" b="1" dirty="0" smtClean="0"/>
+                <a:rPr lang="en-US" sz="1200" b="1" dirty="0"/>
                 <a:t>Availability</a:t>
               </a:r>
-              <a:endParaRPr lang="en-US" sz="1200" b="1" dirty="0"/>
             </a:p>
           </p:txBody>
         </p:sp>
@@ -16928,17 +18145,16 @@
             <a:p>
               <a:pPr algn="ctr"/>
               <a:r>
-                <a:rPr lang="en-US" sz="1200" b="1" dirty="0" smtClean="0"/>
+                <a:rPr lang="en-US" sz="1200" b="1" dirty="0"/>
                 <a:t>Processing</a:t>
               </a:r>
               <a:br>
-                <a:rPr lang="en-US" sz="1200" b="1" dirty="0" smtClean="0"/>
+                <a:rPr lang="en-US" sz="1200" b="1" dirty="0"/>
               </a:br>
               <a:r>
-                <a:rPr lang="en-US" sz="1200" b="1" dirty="0" smtClean="0"/>
+                <a:rPr lang="en-US" sz="1200" b="1" dirty="0"/>
                 <a:t>Integrity</a:t>
               </a:r>
-              <a:endParaRPr lang="en-US" sz="1200" b="1" dirty="0"/>
             </a:p>
           </p:txBody>
         </p:sp>
@@ -16966,10 +18182,9 @@
             <a:p>
               <a:pPr algn="ctr"/>
               <a:r>
-                <a:rPr lang="en-US" sz="1200" b="1" dirty="0" smtClean="0"/>
+                <a:rPr lang="en-US" sz="1200" b="1" dirty="0"/>
                 <a:t>Confidentiality</a:t>
               </a:r>
-              <a:endParaRPr lang="en-US" sz="1200" b="1" dirty="0"/>
             </a:p>
           </p:txBody>
         </p:sp>
@@ -17490,10 +18705,9 @@
             <a:p>
               <a:pPr algn="ctr"/>
               <a:r>
-                <a:rPr lang="en-US" sz="1200" b="1" dirty="0" smtClean="0"/>
+                <a:rPr lang="en-US" sz="1200" b="1" dirty="0"/>
                 <a:t>Hardware</a:t>
               </a:r>
-              <a:endParaRPr lang="en-US" sz="1200" b="1" dirty="0"/>
             </a:p>
           </p:txBody>
         </p:sp>
@@ -17521,10 +18735,9 @@
             <a:p>
               <a:pPr algn="ctr"/>
               <a:r>
-                <a:rPr lang="en-US" sz="1200" b="1" dirty="0" smtClean="0"/>
+                <a:rPr lang="en-US" sz="1200" b="1" dirty="0"/>
                 <a:t>Software</a:t>
               </a:r>
-              <a:endParaRPr lang="en-US" sz="1200" b="1" dirty="0"/>
             </a:p>
           </p:txBody>
         </p:sp>
@@ -17552,10 +18765,9 @@
             <a:p>
               <a:pPr algn="ctr"/>
               <a:r>
-                <a:rPr lang="en-US" sz="1200" b="1" dirty="0" smtClean="0"/>
+                <a:rPr lang="en-US" sz="1200" b="1" dirty="0"/>
                 <a:t>Storage</a:t>
               </a:r>
-              <a:endParaRPr lang="en-US" sz="1200" b="1" dirty="0"/>
             </a:p>
           </p:txBody>
         </p:sp>
@@ -17583,10 +18795,9 @@
             <a:p>
               <a:pPr algn="ctr"/>
               <a:r>
-                <a:rPr lang="en-US" sz="1200" b="1" dirty="0" smtClean="0"/>
+                <a:rPr lang="en-US" sz="1200" b="1" dirty="0"/>
                 <a:t>Services</a:t>
               </a:r>
-              <a:endParaRPr lang="en-US" sz="1200" b="1" dirty="0"/>
             </a:p>
           </p:txBody>
         </p:sp>
@@ -17614,10 +18825,9 @@
             <a:p>
               <a:pPr algn="ctr"/>
               <a:r>
-                <a:rPr lang="en-US" sz="1200" b="1" dirty="0" smtClean="0"/>
+                <a:rPr lang="en-US" sz="1200" b="1" dirty="0"/>
                 <a:t>Control</a:t>
               </a:r>
-              <a:endParaRPr lang="en-US" sz="1200" b="1" dirty="0"/>
             </a:p>
           </p:txBody>
         </p:sp>
@@ -17645,10 +18855,9 @@
             <a:p>
               <a:pPr algn="ctr"/>
               <a:r>
-                <a:rPr lang="en-US" sz="1200" b="1" dirty="0" smtClean="0"/>
+                <a:rPr lang="en-US" sz="1200" b="1" dirty="0"/>
                 <a:t>Technology</a:t>
               </a:r>
-              <a:endParaRPr lang="en-US" sz="1200" b="1" dirty="0"/>
             </a:p>
           </p:txBody>
         </p:sp>
@@ -17767,17 +18976,16 @@
             <a:p>
               <a:pPr algn="ctr"/>
               <a:r>
-                <a:rPr lang="en-US" sz="1200" b="1" dirty="0" smtClean="0"/>
+                <a:rPr lang="en-US" sz="1200" b="1" dirty="0"/>
                 <a:t>Business</a:t>
               </a:r>
               <a:br>
-                <a:rPr lang="en-US" sz="1200" b="1" dirty="0" smtClean="0"/>
+                <a:rPr lang="en-US" sz="1200" b="1" dirty="0"/>
               </a:br>
               <a:r>
-                <a:rPr lang="en-US" sz="1200" b="1" dirty="0" smtClean="0"/>
+                <a:rPr lang="en-US" sz="1200" b="1" dirty="0"/>
                 <a:t>Model</a:t>
               </a:r>
-              <a:endParaRPr lang="en-US" sz="1200" b="1" dirty="0"/>
             </a:p>
           </p:txBody>
         </p:sp>
@@ -17805,10 +19013,9 @@
             <a:p>
               <a:pPr algn="ctr"/>
               <a:r>
-                <a:rPr lang="en-US" sz="1200" b="1" dirty="0" smtClean="0"/>
+                <a:rPr lang="en-US" sz="1200" b="1" dirty="0"/>
                 <a:t>Compliance</a:t>
               </a:r>
-              <a:endParaRPr lang="en-US" sz="1200" b="1" dirty="0"/>
             </a:p>
           </p:txBody>
         </p:sp>
@@ -17836,17 +19043,16 @@
             <a:p>
               <a:pPr algn="ctr"/>
               <a:r>
-                <a:rPr lang="en-US" sz="1200" b="1" dirty="0" smtClean="0"/>
+                <a:rPr lang="en-US" sz="1200" b="1" dirty="0"/>
                 <a:t>Technological</a:t>
               </a:r>
               <a:br>
-                <a:rPr lang="en-US" sz="1200" b="1" dirty="0" smtClean="0"/>
+                <a:rPr lang="en-US" sz="1200" b="1" dirty="0"/>
               </a:br>
               <a:r>
-                <a:rPr lang="en-US" sz="1200" b="1" dirty="0" smtClean="0"/>
+                <a:rPr lang="en-US" sz="1200" b="1" dirty="0"/>
                 <a:t>Feasibility</a:t>
               </a:r>
-              <a:endParaRPr lang="en-US" sz="1200" b="1" dirty="0"/>
             </a:p>
           </p:txBody>
         </p:sp>
@@ -17874,18 +19080,17 @@
             <a:p>
               <a:pPr algn="ctr"/>
               <a:r>
-                <a:rPr lang="en-US" sz="1200" b="1" dirty="0" smtClean="0"/>
+                <a:rPr lang="en-US" sz="1200" b="1" dirty="0"/>
                 <a:t>I n f o r m a t </a:t>
               </a:r>
               <a:r>
-                <a:rPr lang="en-US" sz="1200" b="1" dirty="0" err="1" smtClean="0"/>
+                <a:rPr lang="en-US" sz="1200" b="1" dirty="0" err="1"/>
                 <a:t>i</a:t>
               </a:r>
               <a:r>
-                <a:rPr lang="en-US" sz="1200" b="1" dirty="0" smtClean="0"/>
+                <a:rPr lang="en-US" sz="1200" b="1" dirty="0"/>
                 <a:t> o n</a:t>
               </a:r>
-              <a:endParaRPr lang="en-US" sz="1200" b="1" dirty="0"/>
             </a:p>
           </p:txBody>
         </p:sp>
@@ -18005,10 +19210,9 @@
             <a:p>
               <a:pPr algn="ctr"/>
               <a:r>
-                <a:rPr lang="en-US" sz="1200" b="1" dirty="0" smtClean="0"/>
+                <a:rPr lang="en-US" sz="1200" b="1" dirty="0"/>
                 <a:t>Use</a:t>
               </a:r>
-              <a:endParaRPr lang="en-US" sz="1200" b="1" dirty="0"/>
             </a:p>
           </p:txBody>
         </p:sp>
@@ -18036,10 +19240,9 @@
             <a:p>
               <a:pPr algn="ctr"/>
               <a:r>
-                <a:rPr lang="en-US" sz="1200" b="1" dirty="0" smtClean="0"/>
+                <a:rPr lang="en-US" sz="1200" b="1" dirty="0"/>
                 <a:t>Maintenance</a:t>
               </a:r>
-              <a:endParaRPr lang="en-US" sz="1200" b="1" dirty="0"/>
             </a:p>
           </p:txBody>
         </p:sp>
@@ -18067,10 +19270,9 @@
             <a:p>
               <a:pPr algn="ctr"/>
               <a:r>
-                <a:rPr lang="en-US" sz="1200" b="1" dirty="0" smtClean="0"/>
+                <a:rPr lang="en-US" sz="1200" b="1" dirty="0"/>
                 <a:t>Creation</a:t>
               </a:r>
-              <a:endParaRPr lang="en-US" sz="1200" b="1" dirty="0"/>
             </a:p>
           </p:txBody>
         </p:sp>
@@ -18300,10 +19502,9 @@
             <a:p>
               <a:pPr algn="ctr"/>
               <a:r>
-                <a:rPr lang="en-US" sz="1200" b="1" dirty="0" smtClean="0"/>
+                <a:rPr lang="en-US" sz="1200" b="1" dirty="0"/>
                 <a:t>Security</a:t>
               </a:r>
-              <a:endParaRPr lang="en-US" sz="1200" b="1" dirty="0"/>
             </a:p>
           </p:txBody>
         </p:sp>
@@ -18331,10 +19532,9 @@
             <a:p>
               <a:pPr algn="ctr"/>
               <a:r>
-                <a:rPr lang="en-US" sz="1200" b="1" dirty="0" smtClean="0"/>
+                <a:rPr lang="en-US" sz="1200" b="1" dirty="0"/>
                 <a:t>Availability</a:t>
               </a:r>
-              <a:endParaRPr lang="en-US" sz="1200" b="1" dirty="0"/>
             </a:p>
           </p:txBody>
         </p:sp>
@@ -18362,17 +19562,16 @@
             <a:p>
               <a:pPr algn="ctr"/>
               <a:r>
-                <a:rPr lang="en-US" sz="1200" b="1" dirty="0" smtClean="0"/>
+                <a:rPr lang="en-US" sz="1200" b="1" dirty="0"/>
                 <a:t>Processing</a:t>
               </a:r>
               <a:br>
-                <a:rPr lang="en-US" sz="1200" b="1" dirty="0" smtClean="0"/>
+                <a:rPr lang="en-US" sz="1200" b="1" dirty="0"/>
               </a:br>
               <a:r>
-                <a:rPr lang="en-US" sz="1200" b="1" dirty="0" smtClean="0"/>
+                <a:rPr lang="en-US" sz="1200" b="1" dirty="0"/>
                 <a:t>Integrity</a:t>
               </a:r>
-              <a:endParaRPr lang="en-US" sz="1200" b="1" dirty="0"/>
             </a:p>
           </p:txBody>
         </p:sp>
@@ -18400,10 +19599,9 @@
             <a:p>
               <a:pPr algn="ctr"/>
               <a:r>
-                <a:rPr lang="en-US" sz="1200" b="1" dirty="0" smtClean="0"/>
+                <a:rPr lang="en-US" sz="1200" b="1" dirty="0"/>
                 <a:t>Confidentiality</a:t>
               </a:r>
-              <a:endParaRPr lang="en-US" sz="1200" b="1" dirty="0"/>
             </a:p>
           </p:txBody>
         </p:sp>
@@ -18924,10 +20122,9 @@
             <a:p>
               <a:pPr algn="ctr"/>
               <a:r>
-                <a:rPr lang="en-US" sz="1200" b="1" dirty="0" smtClean="0"/>
+                <a:rPr lang="en-US" sz="1200" b="1" dirty="0"/>
                 <a:t>Hardware</a:t>
               </a:r>
-              <a:endParaRPr lang="en-US" sz="1200" b="1" dirty="0"/>
             </a:p>
           </p:txBody>
         </p:sp>
@@ -18955,10 +20152,9 @@
             <a:p>
               <a:pPr algn="ctr"/>
               <a:r>
-                <a:rPr lang="en-US" sz="1200" b="1" dirty="0" smtClean="0"/>
+                <a:rPr lang="en-US" sz="1200" b="1" dirty="0"/>
                 <a:t>Software</a:t>
               </a:r>
-              <a:endParaRPr lang="en-US" sz="1200" b="1" dirty="0"/>
             </a:p>
           </p:txBody>
         </p:sp>
@@ -18986,10 +20182,9 @@
             <a:p>
               <a:pPr algn="ctr"/>
               <a:r>
-                <a:rPr lang="en-US" sz="1200" b="1" dirty="0" smtClean="0"/>
+                <a:rPr lang="en-US" sz="1200" b="1" dirty="0"/>
                 <a:t>Storage</a:t>
               </a:r>
-              <a:endParaRPr lang="en-US" sz="1200" b="1" dirty="0"/>
             </a:p>
           </p:txBody>
         </p:sp>
@@ -19017,10 +20212,9 @@
             <a:p>
               <a:pPr algn="ctr"/>
               <a:r>
-                <a:rPr lang="en-US" sz="1200" b="1" dirty="0" smtClean="0"/>
+                <a:rPr lang="en-US" sz="1200" b="1" dirty="0"/>
                 <a:t>Services</a:t>
               </a:r>
-              <a:endParaRPr lang="en-US" sz="1200" b="1" dirty="0"/>
             </a:p>
           </p:txBody>
         </p:sp>
@@ -19048,18 +20242,13 @@
             <a:p>
               <a:pPr algn="ctr"/>
               <a:r>
-                <a:rPr lang="en-US" sz="1200" b="1" dirty="0" smtClean="0">
+                <a:rPr lang="en-US" sz="1200" b="1" dirty="0">
                   <a:solidFill>
                     <a:srgbClr val="FF5050"/>
                   </a:solidFill>
                 </a:rPr>
                 <a:t>Control</a:t>
               </a:r>
-              <a:endParaRPr lang="en-US" sz="1200" b="1" dirty="0">
-                <a:solidFill>
-                  <a:srgbClr val="FF5050"/>
-                </a:solidFill>
-              </a:endParaRPr>
             </a:p>
           </p:txBody>
         </p:sp>
@@ -19087,18 +20276,13 @@
             <a:p>
               <a:pPr algn="ctr"/>
               <a:r>
-                <a:rPr lang="en-US" sz="1200" b="1" dirty="0" smtClean="0">
+                <a:rPr lang="en-US" sz="1200" b="1" dirty="0">
                   <a:solidFill>
                     <a:srgbClr val="92D050"/>
                   </a:solidFill>
                 </a:rPr>
                 <a:t>Technology</a:t>
               </a:r>
-              <a:endParaRPr lang="en-US" sz="1200" b="1" dirty="0">
-                <a:solidFill>
-                  <a:srgbClr val="92D050"/>
-                </a:solidFill>
-              </a:endParaRPr>
             </a:p>
           </p:txBody>
         </p:sp>
@@ -19217,17 +20401,16 @@
             <a:p>
               <a:pPr algn="ctr"/>
               <a:r>
-                <a:rPr lang="en-US" sz="1200" b="1" dirty="0" smtClean="0"/>
+                <a:rPr lang="en-US" sz="1200" b="1" dirty="0"/>
                 <a:t>Business</a:t>
               </a:r>
               <a:br>
-                <a:rPr lang="en-US" sz="1200" b="1" dirty="0" smtClean="0"/>
+                <a:rPr lang="en-US" sz="1200" b="1" dirty="0"/>
               </a:br>
               <a:r>
-                <a:rPr lang="en-US" sz="1200" b="1" dirty="0" smtClean="0"/>
+                <a:rPr lang="en-US" sz="1200" b="1" dirty="0"/>
                 <a:t>Model</a:t>
               </a:r>
-              <a:endParaRPr lang="en-US" sz="1200" b="1" dirty="0"/>
             </a:p>
           </p:txBody>
         </p:sp>
@@ -19255,10 +20438,9 @@
             <a:p>
               <a:pPr algn="ctr"/>
               <a:r>
-                <a:rPr lang="en-US" sz="1200" b="1" dirty="0" smtClean="0"/>
+                <a:rPr lang="en-US" sz="1200" b="1" dirty="0"/>
                 <a:t>Compliance</a:t>
               </a:r>
-              <a:endParaRPr lang="en-US" sz="1200" b="1" dirty="0"/>
             </a:p>
           </p:txBody>
         </p:sp>
@@ -19286,17 +20468,16 @@
             <a:p>
               <a:pPr algn="ctr"/>
               <a:r>
-                <a:rPr lang="en-US" sz="1200" b="1" dirty="0" smtClean="0"/>
+                <a:rPr lang="en-US" sz="1200" b="1" dirty="0"/>
                 <a:t>Technological</a:t>
               </a:r>
               <a:br>
-                <a:rPr lang="en-US" sz="1200" b="1" dirty="0" smtClean="0"/>
+                <a:rPr lang="en-US" sz="1200" b="1" dirty="0"/>
               </a:br>
               <a:r>
-                <a:rPr lang="en-US" sz="1200" b="1" dirty="0" smtClean="0"/>
+                <a:rPr lang="en-US" sz="1200" b="1" dirty="0"/>
                 <a:t>Feasibility</a:t>
               </a:r>
-              <a:endParaRPr lang="en-US" sz="1200" b="1" dirty="0"/>
             </a:p>
           </p:txBody>
         </p:sp>
@@ -19324,7 +20505,7 @@
             <a:p>
               <a:pPr algn="ctr"/>
               <a:r>
-                <a:rPr lang="en-US" sz="1200" b="1" dirty="0" smtClean="0">
+                <a:rPr lang="en-US" sz="1200" b="1" dirty="0">
                   <a:solidFill>
                     <a:srgbClr val="00B0F0"/>
                   </a:solidFill>
@@ -19332,7 +20513,7 @@
                 <a:t>I n f o r m a t </a:t>
               </a:r>
               <a:r>
-                <a:rPr lang="en-US" sz="1200" b="1" dirty="0" err="1" smtClean="0">
+                <a:rPr lang="en-US" sz="1200" b="1" dirty="0" err="1">
                   <a:solidFill>
                     <a:srgbClr val="00B0F0"/>
                   </a:solidFill>
@@ -19340,18 +20521,13 @@
                 <a:t>i</a:t>
               </a:r>
               <a:r>
-                <a:rPr lang="en-US" sz="1200" b="1" dirty="0" smtClean="0">
+                <a:rPr lang="en-US" sz="1200" b="1" dirty="0">
                   <a:solidFill>
                     <a:srgbClr val="00B0F0"/>
                   </a:solidFill>
                 </a:rPr>
                 <a:t> o n</a:t>
               </a:r>
-              <a:endParaRPr lang="en-US" sz="1200" b="1" dirty="0">
-                <a:solidFill>
-                  <a:srgbClr val="00B0F0"/>
-                </a:solidFill>
-              </a:endParaRPr>
             </a:p>
           </p:txBody>
         </p:sp>
@@ -19471,10 +20647,9 @@
             <a:p>
               <a:pPr algn="ctr"/>
               <a:r>
-                <a:rPr lang="en-US" sz="1200" b="1" dirty="0" smtClean="0"/>
+                <a:rPr lang="en-US" sz="1200" b="1" dirty="0"/>
                 <a:t>Use</a:t>
               </a:r>
-              <a:endParaRPr lang="en-US" sz="1200" b="1" dirty="0"/>
             </a:p>
           </p:txBody>
         </p:sp>
@@ -19502,10 +20677,9 @@
             <a:p>
               <a:pPr algn="ctr"/>
               <a:r>
-                <a:rPr lang="en-US" sz="1200" b="1" dirty="0" smtClean="0"/>
+                <a:rPr lang="en-US" sz="1200" b="1" dirty="0"/>
                 <a:t>Maintenance</a:t>
               </a:r>
-              <a:endParaRPr lang="en-US" sz="1200" b="1" dirty="0"/>
             </a:p>
           </p:txBody>
         </p:sp>
@@ -19533,10 +20707,9 @@
             <a:p>
               <a:pPr algn="ctr"/>
               <a:r>
-                <a:rPr lang="en-US" sz="1200" b="1" dirty="0" smtClean="0"/>
+                <a:rPr lang="en-US" sz="1200" b="1" dirty="0"/>
                 <a:t>Creation</a:t>
               </a:r>
-              <a:endParaRPr lang="en-US" sz="1200" b="1" dirty="0"/>
             </a:p>
           </p:txBody>
         </p:sp>
@@ -19766,10 +20939,9 @@
             <a:p>
               <a:pPr algn="ctr"/>
               <a:r>
-                <a:rPr lang="en-US" sz="1200" b="1" dirty="0" smtClean="0"/>
+                <a:rPr lang="en-US" sz="1200" b="1" dirty="0"/>
                 <a:t>Security</a:t>
               </a:r>
-              <a:endParaRPr lang="en-US" sz="1200" b="1" dirty="0"/>
             </a:p>
           </p:txBody>
         </p:sp>
@@ -19797,10 +20969,9 @@
             <a:p>
               <a:pPr algn="ctr"/>
               <a:r>
-                <a:rPr lang="en-US" sz="1200" b="1" dirty="0" smtClean="0"/>
+                <a:rPr lang="en-US" sz="1200" b="1" dirty="0"/>
                 <a:t>Availability</a:t>
               </a:r>
-              <a:endParaRPr lang="en-US" sz="1200" b="1" dirty="0"/>
             </a:p>
           </p:txBody>
         </p:sp>
@@ -19828,17 +20999,16 @@
             <a:p>
               <a:pPr algn="ctr"/>
               <a:r>
-                <a:rPr lang="en-US" sz="1200" b="1" dirty="0" smtClean="0"/>
+                <a:rPr lang="en-US" sz="1200" b="1" dirty="0"/>
                 <a:t>Processing</a:t>
               </a:r>
               <a:br>
-                <a:rPr lang="en-US" sz="1200" b="1" dirty="0" smtClean="0"/>
+                <a:rPr lang="en-US" sz="1200" b="1" dirty="0"/>
               </a:br>
               <a:r>
-                <a:rPr lang="en-US" sz="1200" b="1" dirty="0" smtClean="0"/>
+                <a:rPr lang="en-US" sz="1200" b="1" dirty="0"/>
                 <a:t>Integrity</a:t>
               </a:r>
-              <a:endParaRPr lang="en-US" sz="1200" b="1" dirty="0"/>
             </a:p>
           </p:txBody>
         </p:sp>
@@ -19866,10 +21036,9 @@
             <a:p>
               <a:pPr algn="ctr"/>
               <a:r>
-                <a:rPr lang="en-US" sz="1200" b="1" dirty="0" smtClean="0"/>
+                <a:rPr lang="en-US" sz="1200" b="1" dirty="0"/>
                 <a:t>Confidentiality</a:t>
               </a:r>
-              <a:endParaRPr lang="en-US" sz="1200" b="1" dirty="0"/>
             </a:p>
           </p:txBody>
         </p:sp>
@@ -20390,10 +21559,9 @@
             <a:p>
               <a:pPr algn="ctr"/>
               <a:r>
-                <a:rPr lang="en-US" sz="1200" b="1" dirty="0" smtClean="0"/>
+                <a:rPr lang="en-US" sz="1200" b="1" dirty="0"/>
                 <a:t>Hardware</a:t>
               </a:r>
-              <a:endParaRPr lang="en-US" sz="1200" b="1" dirty="0"/>
             </a:p>
           </p:txBody>
         </p:sp>
@@ -20421,10 +21589,9 @@
             <a:p>
               <a:pPr algn="ctr"/>
               <a:r>
-                <a:rPr lang="en-US" sz="1200" b="1" dirty="0" smtClean="0"/>
+                <a:rPr lang="en-US" sz="1200" b="1" dirty="0"/>
                 <a:t>Software</a:t>
               </a:r>
-              <a:endParaRPr lang="en-US" sz="1200" b="1" dirty="0"/>
             </a:p>
           </p:txBody>
         </p:sp>
@@ -20452,10 +21619,9 @@
             <a:p>
               <a:pPr algn="ctr"/>
               <a:r>
-                <a:rPr lang="en-US" sz="1200" b="1" dirty="0" smtClean="0"/>
+                <a:rPr lang="en-US" sz="1200" b="1" dirty="0"/>
                 <a:t>Storage</a:t>
               </a:r>
-              <a:endParaRPr lang="en-US" sz="1200" b="1" dirty="0"/>
             </a:p>
           </p:txBody>
         </p:sp>
@@ -20483,10 +21649,9 @@
             <a:p>
               <a:pPr algn="ctr"/>
               <a:r>
-                <a:rPr lang="en-US" sz="1200" b="1" dirty="0" smtClean="0"/>
+                <a:rPr lang="en-US" sz="1200" b="1" dirty="0"/>
                 <a:t>Services</a:t>
               </a:r>
-              <a:endParaRPr lang="en-US" sz="1200" b="1" dirty="0"/>
             </a:p>
           </p:txBody>
         </p:sp>
@@ -20514,18 +21679,13 @@
             <a:p>
               <a:pPr algn="ctr"/>
               <a:r>
-                <a:rPr lang="en-US" sz="1200" b="1" dirty="0" smtClean="0">
+                <a:rPr lang="en-US" sz="1200" b="1" dirty="0">
                   <a:solidFill>
                     <a:srgbClr val="FF5050"/>
                   </a:solidFill>
                 </a:rPr>
                 <a:t>Control</a:t>
               </a:r>
-              <a:endParaRPr lang="en-US" sz="1200" b="1" dirty="0">
-                <a:solidFill>
-                  <a:srgbClr val="FF5050"/>
-                </a:solidFill>
-              </a:endParaRPr>
             </a:p>
           </p:txBody>
         </p:sp>
@@ -20553,18 +21713,13 @@
             <a:p>
               <a:pPr algn="ctr"/>
               <a:r>
-                <a:rPr lang="en-US" sz="1200" b="1" dirty="0" smtClean="0">
+                <a:rPr lang="en-US" sz="1200" b="1" dirty="0">
                   <a:solidFill>
                     <a:srgbClr val="92D050"/>
                   </a:solidFill>
                 </a:rPr>
                 <a:t>Technology</a:t>
               </a:r>
-              <a:endParaRPr lang="en-US" sz="1200" b="1" dirty="0">
-                <a:solidFill>
-                  <a:srgbClr val="92D050"/>
-                </a:solidFill>
-              </a:endParaRPr>
             </a:p>
           </p:txBody>
         </p:sp>
@@ -20683,17 +21838,16 @@
             <a:p>
               <a:pPr algn="ctr"/>
               <a:r>
-                <a:rPr lang="en-US" sz="1200" b="1" dirty="0" smtClean="0"/>
+                <a:rPr lang="en-US" sz="1200" b="1" dirty="0"/>
                 <a:t>Business</a:t>
               </a:r>
               <a:br>
-                <a:rPr lang="en-US" sz="1200" b="1" dirty="0" smtClean="0"/>
+                <a:rPr lang="en-US" sz="1200" b="1" dirty="0"/>
               </a:br>
               <a:r>
-                <a:rPr lang="en-US" sz="1200" b="1" dirty="0" smtClean="0"/>
+                <a:rPr lang="en-US" sz="1200" b="1" dirty="0"/>
                 <a:t>Model</a:t>
               </a:r>
-              <a:endParaRPr lang="en-US" sz="1200" b="1" dirty="0"/>
             </a:p>
           </p:txBody>
         </p:sp>
@@ -20721,10 +21875,9 @@
             <a:p>
               <a:pPr algn="ctr"/>
               <a:r>
-                <a:rPr lang="en-US" sz="1200" b="1" dirty="0" smtClean="0"/>
+                <a:rPr lang="en-US" sz="1200" b="1" dirty="0"/>
                 <a:t>Compliance</a:t>
               </a:r>
-              <a:endParaRPr lang="en-US" sz="1200" b="1" dirty="0"/>
             </a:p>
           </p:txBody>
         </p:sp>
@@ -20752,10 +21905,9 @@
             <a:p>
               <a:pPr algn="ctr"/>
               <a:r>
-                <a:rPr lang="en-US" sz="1200" b="1" dirty="0" smtClean="0"/>
+                <a:rPr lang="en-US" sz="1200" b="1" dirty="0"/>
                 <a:t>Environment</a:t>
               </a:r>
-              <a:endParaRPr lang="en-US" sz="1200" b="1" dirty="0"/>
             </a:p>
           </p:txBody>
         </p:sp>
@@ -20783,7 +21935,7 @@
             <a:p>
               <a:pPr algn="ctr"/>
               <a:r>
-                <a:rPr lang="en-US" sz="1200" b="1" dirty="0" smtClean="0">
+                <a:rPr lang="en-US" sz="1200" b="1" dirty="0">
                   <a:solidFill>
                     <a:srgbClr val="00B0F0"/>
                   </a:solidFill>
@@ -20791,7 +21943,7 @@
                 <a:t>I n f o r m a t </a:t>
               </a:r>
               <a:r>
-                <a:rPr lang="en-US" sz="1200" b="1" dirty="0" err="1" smtClean="0">
+                <a:rPr lang="en-US" sz="1200" b="1" dirty="0" err="1">
                   <a:solidFill>
                     <a:srgbClr val="00B0F0"/>
                   </a:solidFill>
@@ -20799,18 +21951,13 @@
                 <a:t>i</a:t>
               </a:r>
               <a:r>
-                <a:rPr lang="en-US" sz="1200" b="1" dirty="0" smtClean="0">
+                <a:rPr lang="en-US" sz="1200" b="1" dirty="0">
                   <a:solidFill>
                     <a:srgbClr val="00B0F0"/>
                   </a:solidFill>
                 </a:rPr>
                 <a:t> o n</a:t>
               </a:r>
-              <a:endParaRPr lang="en-US" sz="1200" b="1" dirty="0">
-                <a:solidFill>
-                  <a:srgbClr val="00B0F0"/>
-                </a:solidFill>
-              </a:endParaRPr>
             </a:p>
           </p:txBody>
         </p:sp>
@@ -20930,10 +22077,9 @@
             <a:p>
               <a:pPr algn="ctr"/>
               <a:r>
-                <a:rPr lang="en-US" sz="1200" b="1" dirty="0" smtClean="0"/>
+                <a:rPr lang="en-US" sz="1200" b="1" dirty="0"/>
                 <a:t>Use</a:t>
               </a:r>
-              <a:endParaRPr lang="en-US" sz="1200" b="1" dirty="0"/>
             </a:p>
           </p:txBody>
         </p:sp>
@@ -20961,10 +22107,9 @@
             <a:p>
               <a:pPr algn="ctr"/>
               <a:r>
-                <a:rPr lang="en-US" sz="1200" b="1" dirty="0" smtClean="0"/>
+                <a:rPr lang="en-US" sz="1200" b="1" dirty="0"/>
                 <a:t>Maintenance</a:t>
               </a:r>
-              <a:endParaRPr lang="en-US" sz="1200" b="1" dirty="0"/>
             </a:p>
           </p:txBody>
         </p:sp>
@@ -20992,10 +22137,9 @@
             <a:p>
               <a:pPr algn="ctr"/>
               <a:r>
-                <a:rPr lang="en-US" sz="1200" b="1" dirty="0" smtClean="0"/>
+                <a:rPr lang="en-US" sz="1200" b="1" dirty="0"/>
                 <a:t>Creation</a:t>
               </a:r>
-              <a:endParaRPr lang="en-US" sz="1200" b="1" dirty="0"/>
             </a:p>
           </p:txBody>
         </p:sp>
@@ -21225,10 +22369,9 @@
             <a:p>
               <a:pPr algn="ctr"/>
               <a:r>
-                <a:rPr lang="en-US" sz="1200" b="1" dirty="0" smtClean="0"/>
+                <a:rPr lang="en-US" sz="1200" b="1" dirty="0"/>
                 <a:t>Security</a:t>
               </a:r>
-              <a:endParaRPr lang="en-US" sz="1200" b="1" dirty="0"/>
             </a:p>
           </p:txBody>
         </p:sp>
@@ -21256,10 +22399,9 @@
             <a:p>
               <a:pPr algn="ctr"/>
               <a:r>
-                <a:rPr lang="en-US" sz="1200" b="1" dirty="0" smtClean="0"/>
+                <a:rPr lang="en-US" sz="1200" b="1" dirty="0"/>
                 <a:t>Availability</a:t>
               </a:r>
-              <a:endParaRPr lang="en-US" sz="1200" b="1" dirty="0"/>
             </a:p>
           </p:txBody>
         </p:sp>
@@ -21287,17 +22429,16 @@
             <a:p>
               <a:pPr algn="ctr"/>
               <a:r>
-                <a:rPr lang="en-US" sz="1200" b="1" dirty="0" smtClean="0"/>
+                <a:rPr lang="en-US" sz="1200" b="1" dirty="0"/>
                 <a:t>Processing</a:t>
               </a:r>
               <a:br>
-                <a:rPr lang="en-US" sz="1200" b="1" dirty="0" smtClean="0"/>
+                <a:rPr lang="en-US" sz="1200" b="1" dirty="0"/>
               </a:br>
               <a:r>
-                <a:rPr lang="en-US" sz="1200" b="1" dirty="0" smtClean="0"/>
+                <a:rPr lang="en-US" sz="1200" b="1" dirty="0"/>
                 <a:t>Integrity</a:t>
               </a:r>
-              <a:endParaRPr lang="en-US" sz="1200" b="1" dirty="0"/>
             </a:p>
           </p:txBody>
         </p:sp>
@@ -21325,10 +22466,9 @@
             <a:p>
               <a:pPr algn="ctr"/>
               <a:r>
-                <a:rPr lang="en-US" sz="1200" b="1" dirty="0" smtClean="0"/>
+                <a:rPr lang="en-US" sz="1200" b="1" dirty="0"/>
                 <a:t>Confidentiality</a:t>
               </a:r>
-              <a:endParaRPr lang="en-US" sz="1200" b="1" dirty="0"/>
             </a:p>
           </p:txBody>
         </p:sp>
